--- a/毕业设计.pptx
+++ b/毕业设计.pptx
@@ -2,28 +2,30 @@
 <file path=ppt/presentation.xml><?xml version="1.0" encoding="utf-8"?>
 <p:presentation xmlns:a="http://schemas.openxmlformats.org/drawingml/2006/main" xmlns:r="http://schemas.openxmlformats.org/officeDocument/2006/relationships" xmlns:p="http://schemas.openxmlformats.org/presentationml/2006/main" saveSubsetFonts="1" autoCompressPictures="0">
   <p:sldMasterIdLst>
-    <p:sldMasterId id="2147483906" r:id="rId1"/>
+    <p:sldMasterId id="2147483940" r:id="rId1"/>
   </p:sldMasterIdLst>
   <p:notesMasterIdLst>
-    <p:notesMasterId r:id="rId15"/>
+    <p:notesMasterId r:id="rId17"/>
   </p:notesMasterIdLst>
   <p:handoutMasterIdLst>
-    <p:handoutMasterId r:id="rId16"/>
+    <p:handoutMasterId r:id="rId18"/>
   </p:handoutMasterIdLst>
   <p:sldIdLst>
     <p:sldId id="256" r:id="rId2"/>
     <p:sldId id="263" r:id="rId3"/>
     <p:sldId id="270" r:id="rId4"/>
-    <p:sldId id="272" r:id="rId5"/>
-    <p:sldId id="273" r:id="rId6"/>
-    <p:sldId id="274" r:id="rId7"/>
-    <p:sldId id="262" r:id="rId8"/>
-    <p:sldId id="278" r:id="rId9"/>
-    <p:sldId id="269" r:id="rId10"/>
-    <p:sldId id="276" r:id="rId11"/>
-    <p:sldId id="277" r:id="rId12"/>
-    <p:sldId id="265" r:id="rId13"/>
-    <p:sldId id="275" r:id="rId14"/>
+    <p:sldId id="279" r:id="rId5"/>
+    <p:sldId id="280" r:id="rId6"/>
+    <p:sldId id="281" r:id="rId7"/>
+    <p:sldId id="282" r:id="rId8"/>
+    <p:sldId id="262" r:id="rId9"/>
+    <p:sldId id="278" r:id="rId10"/>
+    <p:sldId id="283" r:id="rId11"/>
+    <p:sldId id="284" r:id="rId12"/>
+    <p:sldId id="285" r:id="rId13"/>
+    <p:sldId id="286" r:id="rId14"/>
+    <p:sldId id="287" r:id="rId15"/>
+    <p:sldId id="275" r:id="rId16"/>
   </p:sldIdLst>
   <p:sldSz cx="12192000" cy="6858000"/>
   <p:notesSz cx="6858000" cy="9144000"/>
@@ -130,10 +132,6 @@
 </p:presentation>
 </file>
 
-<file path=ppt/revisionInfo.xml><?xml version="1.0" encoding="utf-8"?>
-<p1510:revInfo xmlns:a="http://schemas.openxmlformats.org/drawingml/2006/main" xmlns:r="http://schemas.openxmlformats.org/officeDocument/2006/relationships" xmlns:p1510="http://schemas.microsoft.com/office/powerpoint/2015/10/main"/>
-</file>
-
 <file path=ppt/handoutMasters/handoutMaster1.xml><?xml version="1.0" encoding="utf-8"?>
 <p:handoutMaster xmlns:a="http://schemas.openxmlformats.org/drawingml/2006/main" xmlns:r="http://schemas.openxmlformats.org/officeDocument/2006/relationships" xmlns:p="http://schemas.openxmlformats.org/presentationml/2006/main">
   <p:cSld>
@@ -216,7 +214,7 @@
           <a:p>
             <a:fld id="{BB2B36EF-D7CF-5249-83F4-69CB6B80D967}" type="datetimeFigureOut">
               <a:rPr kumimoji="1" lang="zh-CN" altLang="en-US" smtClean="0"/>
-              <a:t>2017/6/7</a:t>
+              <a:t>2017/6/8</a:t>
             </a:fld>
             <a:endParaRPr kumimoji="1" lang="zh-CN" altLang="en-US"/>
           </a:p>
@@ -381,7 +379,7 @@
           <a:p>
             <a:fld id="{DB813238-F02D-024A-A9E4-02AA80646E1E}" type="datetimeFigureOut">
               <a:rPr kumimoji="1" lang="zh-CN" altLang="en-US" smtClean="0"/>
-              <a:t>2017/6/7</a:t>
+              <a:t>2017/6/8</a:t>
             </a:fld>
             <a:endParaRPr kumimoji="1" lang="zh-CN" altLang="en-US"/>
           </a:p>
@@ -807,90 +805,6 @@
     <p:extLst>
       <p:ext uri="{BB962C8B-B14F-4D97-AF65-F5344CB8AC3E}">
         <p14:creationId xmlns:p14="http://schemas.microsoft.com/office/powerpoint/2010/main" val="370223125"/>
-      </p:ext>
-    </p:extLst>
-  </p:cSld>
-  <p:clrMapOvr>
-    <a:masterClrMapping/>
-  </p:clrMapOvr>
-</p:notes>
-</file>
-
-<file path=ppt/notesSlides/notesSlide3.xml><?xml version="1.0" encoding="utf-8"?>
-<p:notes xmlns:a="http://schemas.openxmlformats.org/drawingml/2006/main" xmlns:r="http://schemas.openxmlformats.org/officeDocument/2006/relationships" xmlns:p="http://schemas.openxmlformats.org/presentationml/2006/main">
-  <p:cSld>
-    <p:spTree>
-      <p:nvGrpSpPr>
-        <p:cNvPr id="1" name=""/>
-        <p:cNvGrpSpPr/>
-        <p:nvPr/>
-      </p:nvGrpSpPr>
-      <p:grpSpPr>
-        <a:xfrm>
-          <a:off x="0" y="0"/>
-          <a:ext cx="0" cy="0"/>
-          <a:chOff x="0" y="0"/>
-          <a:chExt cx="0" cy="0"/>
-        </a:xfrm>
-      </p:grpSpPr>
-      <p:sp>
-        <p:nvSpPr>
-          <p:cNvPr id="2" name="幻灯片图像占位符 1"/>
-          <p:cNvSpPr>
-            <a:spLocks noGrp="1" noRot="1" noChangeAspect="1"/>
-          </p:cNvSpPr>
-          <p:nvPr>
-            <p:ph type="sldImg"/>
-          </p:nvPr>
-        </p:nvSpPr>
-        <p:spPr/>
-      </p:sp>
-      <p:sp>
-        <p:nvSpPr>
-          <p:cNvPr id="3" name="备注占位符 2"/>
-          <p:cNvSpPr>
-            <a:spLocks noGrp="1"/>
-          </p:cNvSpPr>
-          <p:nvPr>
-            <p:ph type="body" idx="1"/>
-          </p:nvPr>
-        </p:nvSpPr>
-        <p:spPr/>
-        <p:txBody>
-          <a:bodyPr/>
-          <a:lstStyle/>
-          <a:p>
-            <a:endParaRPr lang="zh-CN" altLang="en-US" dirty="0"/>
-          </a:p>
-        </p:txBody>
-      </p:sp>
-      <p:sp>
-        <p:nvSpPr>
-          <p:cNvPr id="4" name="灯片编号占位符 3"/>
-          <p:cNvSpPr>
-            <a:spLocks noGrp="1"/>
-          </p:cNvSpPr>
-          <p:nvPr>
-            <p:ph type="sldNum" sz="quarter" idx="10"/>
-          </p:nvPr>
-        </p:nvSpPr>
-        <p:spPr/>
-        <p:txBody>
-          <a:bodyPr/>
-          <a:lstStyle/>
-          <a:p>
-            <a:fld id="{759BD333-2B6E-E047-8BDC-BBA39F515B05}" type="slidenum">
-              <a:rPr kumimoji="1" lang="zh-CN" altLang="en-US" smtClean="0"/>
-              <a:t>5</a:t>
-            </a:fld>
-            <a:endParaRPr kumimoji="1" lang="zh-CN" altLang="en-US"/>
-          </a:p>
-        </p:txBody>
-      </p:sp>
-    </p:spTree>
-    <p:extLst>
-      <p:ext uri="{BB962C8B-B14F-4D97-AF65-F5344CB8AC3E}">
-        <p14:creationId xmlns:p14="http://schemas.microsoft.com/office/powerpoint/2010/main" val="327760789"/>
       </p:ext>
     </p:extLst>
   </p:cSld>
@@ -1646,7 +1560,7 @@
             <a:fld id="{9334D819-9F07-4261-B09B-9E467E5D9002}" type="datetimeFigureOut">
               <a:rPr lang="en-US" smtClean="0"/>
               <a:pPr/>
-              <a:t>6/7/17</a:t>
+              <a:t>6/8/2017</a:t>
             </a:fld>
             <a:endParaRPr lang="en-US" dirty="0"/>
           </a:p>
@@ -1698,7 +1612,7 @@
     </p:spTree>
     <p:extLst>
       <p:ext uri="{BB962C8B-B14F-4D97-AF65-F5344CB8AC3E}">
-        <p14:creationId xmlns:p14="http://schemas.microsoft.com/office/powerpoint/2010/main" val="2473128035"/>
+        <p14:creationId xmlns:p14="http://schemas.microsoft.com/office/powerpoint/2010/main" val="2589317280"/>
       </p:ext>
     </p:extLst>
   </p:cSld>
@@ -1899,7 +1813,7 @@
             <a:fld id="{9334D819-9F07-4261-B09B-9E467E5D9002}" type="datetimeFigureOut">
               <a:rPr lang="en-US" smtClean="0"/>
               <a:pPr/>
-              <a:t>6/7/17</a:t>
+              <a:t>6/8/2017</a:t>
             </a:fld>
             <a:endParaRPr lang="en-US" dirty="0"/>
           </a:p>
@@ -1951,7 +1865,7 @@
     </p:spTree>
     <p:extLst>
       <p:ext uri="{BB962C8B-B14F-4D97-AF65-F5344CB8AC3E}">
-        <p14:creationId xmlns:p14="http://schemas.microsoft.com/office/powerpoint/2010/main" val="3859818104"/>
+        <p14:creationId xmlns:p14="http://schemas.microsoft.com/office/powerpoint/2010/main" val="984719345"/>
       </p:ext>
     </p:extLst>
   </p:cSld>
@@ -2215,7 +2129,7 @@
             <a:fld id="{9334D819-9F07-4261-B09B-9E467E5D9002}" type="datetimeFigureOut">
               <a:rPr lang="en-US" smtClean="0"/>
               <a:pPr/>
-              <a:t>6/7/17</a:t>
+              <a:t>6/8/2017</a:t>
             </a:fld>
             <a:endParaRPr lang="en-US" dirty="0"/>
           </a:p>
@@ -2349,7 +2263,7 @@
     </p:spTree>
     <p:extLst>
       <p:ext uri="{BB962C8B-B14F-4D97-AF65-F5344CB8AC3E}">
-        <p14:creationId xmlns:p14="http://schemas.microsoft.com/office/powerpoint/2010/main" val="4285690526"/>
+        <p14:creationId xmlns:p14="http://schemas.microsoft.com/office/powerpoint/2010/main" val="606875011"/>
       </p:ext>
     </p:extLst>
   </p:cSld>
@@ -2550,7 +2464,7 @@
             <a:fld id="{9334D819-9F07-4261-B09B-9E467E5D9002}" type="datetimeFigureOut">
               <a:rPr lang="en-US" smtClean="0"/>
               <a:pPr/>
-              <a:t>6/7/17</a:t>
+              <a:t>6/8/2017</a:t>
             </a:fld>
             <a:endParaRPr lang="en-US" dirty="0"/>
           </a:p>
@@ -2602,7 +2516,7 @@
     </p:spTree>
     <p:extLst>
       <p:ext uri="{BB962C8B-B14F-4D97-AF65-F5344CB8AC3E}">
-        <p14:creationId xmlns:p14="http://schemas.microsoft.com/office/powerpoint/2010/main" val="604545903"/>
+        <p14:creationId xmlns:p14="http://schemas.microsoft.com/office/powerpoint/2010/main" val="531012239"/>
       </p:ext>
     </p:extLst>
   </p:cSld>
@@ -2866,7 +2780,7 @@
             <a:fld id="{9334D819-9F07-4261-B09B-9E467E5D9002}" type="datetimeFigureOut">
               <a:rPr lang="en-US" smtClean="0"/>
               <a:pPr/>
-              <a:t>6/7/17</a:t>
+              <a:t>6/8/2017</a:t>
             </a:fld>
             <a:endParaRPr lang="en-US" dirty="0"/>
           </a:p>
@@ -3000,7 +2914,7 @@
     </p:spTree>
     <p:extLst>
       <p:ext uri="{BB962C8B-B14F-4D97-AF65-F5344CB8AC3E}">
-        <p14:creationId xmlns:p14="http://schemas.microsoft.com/office/powerpoint/2010/main" val="325364538"/>
+        <p14:creationId xmlns:p14="http://schemas.microsoft.com/office/powerpoint/2010/main" val="2033733272"/>
       </p:ext>
     </p:extLst>
   </p:cSld>
@@ -3261,7 +3175,7 @@
             <a:fld id="{9334D819-9F07-4261-B09B-9E467E5D9002}" type="datetimeFigureOut">
               <a:rPr lang="en-US" smtClean="0"/>
               <a:pPr/>
-              <a:t>6/7/17</a:t>
+              <a:t>6/8/2017</a:t>
             </a:fld>
             <a:endParaRPr lang="en-US" dirty="0"/>
           </a:p>
@@ -3313,7 +3227,7 @@
     </p:spTree>
     <p:extLst>
       <p:ext uri="{BB962C8B-B14F-4D97-AF65-F5344CB8AC3E}">
-        <p14:creationId xmlns:p14="http://schemas.microsoft.com/office/powerpoint/2010/main" val="2607738098"/>
+        <p14:creationId xmlns:p14="http://schemas.microsoft.com/office/powerpoint/2010/main" val="527554397"/>
       </p:ext>
     </p:extLst>
   </p:cSld>
@@ -3433,7 +3347,7 @@
             <a:fld id="{9334D819-9F07-4261-B09B-9E467E5D9002}" type="datetimeFigureOut">
               <a:rPr lang="en-US" smtClean="0"/>
               <a:pPr/>
-              <a:t>6/7/17</a:t>
+              <a:t>6/8/2017</a:t>
             </a:fld>
             <a:endParaRPr lang="en-US" dirty="0"/>
           </a:p>
@@ -3485,7 +3399,7 @@
     </p:spTree>
     <p:extLst>
       <p:ext uri="{BB962C8B-B14F-4D97-AF65-F5344CB8AC3E}">
-        <p14:creationId xmlns:p14="http://schemas.microsoft.com/office/powerpoint/2010/main" val="3941620043"/>
+        <p14:creationId xmlns:p14="http://schemas.microsoft.com/office/powerpoint/2010/main" val="2891834464"/>
       </p:ext>
     </p:extLst>
   </p:cSld>
@@ -3615,7 +3529,7 @@
             <a:fld id="{9334D819-9F07-4261-B09B-9E467E5D9002}" type="datetimeFigureOut">
               <a:rPr lang="en-US" smtClean="0"/>
               <a:pPr/>
-              <a:t>6/7/17</a:t>
+              <a:t>6/8/2017</a:t>
             </a:fld>
             <a:endParaRPr lang="en-US" dirty="0"/>
           </a:p>
@@ -3667,7 +3581,7 @@
     </p:spTree>
     <p:extLst>
       <p:ext uri="{BB962C8B-B14F-4D97-AF65-F5344CB8AC3E}">
-        <p14:creationId xmlns:p14="http://schemas.microsoft.com/office/powerpoint/2010/main" val="4008393705"/>
+        <p14:creationId xmlns:p14="http://schemas.microsoft.com/office/powerpoint/2010/main" val="3400530393"/>
       </p:ext>
     </p:extLst>
   </p:cSld>
@@ -3786,7 +3700,7 @@
           <a:p>
             <a:fld id="{9334D819-9F07-4261-B09B-9E467E5D9002}" type="datetimeFigureOut">
               <a:rPr lang="en-US" smtClean="0"/>
-              <a:t>6/7/17</a:t>
+              <a:t>6/8/2017</a:t>
             </a:fld>
             <a:endParaRPr lang="en-US" dirty="0"/>
           </a:p>
@@ -3837,7 +3751,7 @@
     </p:spTree>
     <p:extLst>
       <p:ext uri="{BB962C8B-B14F-4D97-AF65-F5344CB8AC3E}">
-        <p14:creationId xmlns:p14="http://schemas.microsoft.com/office/powerpoint/2010/main" val="4102088913"/>
+        <p14:creationId xmlns:p14="http://schemas.microsoft.com/office/powerpoint/2010/main" val="94065300"/>
       </p:ext>
     </p:extLst>
   </p:cSld>
@@ -4034,7 +3948,7 @@
             <a:fld id="{9334D819-9F07-4261-B09B-9E467E5D9002}" type="datetimeFigureOut">
               <a:rPr lang="en-US" smtClean="0"/>
               <a:pPr/>
-              <a:t>6/7/17</a:t>
+              <a:t>6/8/2017</a:t>
             </a:fld>
             <a:endParaRPr lang="en-US" dirty="0"/>
           </a:p>
@@ -4086,7 +4000,7 @@
     </p:spTree>
     <p:extLst>
       <p:ext uri="{BB962C8B-B14F-4D97-AF65-F5344CB8AC3E}">
-        <p14:creationId xmlns:p14="http://schemas.microsoft.com/office/powerpoint/2010/main" val="968633434"/>
+        <p14:creationId xmlns:p14="http://schemas.microsoft.com/office/powerpoint/2010/main" val="3805910713"/>
       </p:ext>
     </p:extLst>
   </p:cSld>
@@ -4268,7 +4182,7 @@
             <a:fld id="{9334D819-9F07-4261-B09B-9E467E5D9002}" type="datetimeFigureOut">
               <a:rPr lang="en-US" smtClean="0"/>
               <a:pPr/>
-              <a:t>6/7/17</a:t>
+              <a:t>6/8/2017</a:t>
             </a:fld>
             <a:endParaRPr lang="en-US" dirty="0"/>
           </a:p>
@@ -4320,7 +4234,7 @@
     </p:spTree>
     <p:extLst>
       <p:ext uri="{BB962C8B-B14F-4D97-AF65-F5344CB8AC3E}">
-        <p14:creationId xmlns:p14="http://schemas.microsoft.com/office/powerpoint/2010/main" val="2854864742"/>
+        <p14:creationId xmlns:p14="http://schemas.microsoft.com/office/powerpoint/2010/main" val="211873023"/>
       </p:ext>
     </p:extLst>
   </p:cSld>
@@ -4643,7 +4557,7 @@
           <a:p>
             <a:fld id="{9334D819-9F07-4261-B09B-9E467E5D9002}" type="datetimeFigureOut">
               <a:rPr lang="en-US" smtClean="0"/>
-              <a:t>6/7/17</a:t>
+              <a:t>6/8/2017</a:t>
             </a:fld>
             <a:endParaRPr lang="en-US" dirty="0"/>
           </a:p>
@@ -4694,7 +4608,7 @@
     </p:spTree>
     <p:extLst>
       <p:ext uri="{BB962C8B-B14F-4D97-AF65-F5344CB8AC3E}">
-        <p14:creationId xmlns:p14="http://schemas.microsoft.com/office/powerpoint/2010/main" val="2812742389"/>
+        <p14:creationId xmlns:p14="http://schemas.microsoft.com/office/powerpoint/2010/main" val="2903502627"/>
       </p:ext>
     </p:extLst>
   </p:cSld>
@@ -4771,7 +4685,7 @@
           <a:p>
             <a:fld id="{9334D819-9F07-4261-B09B-9E467E5D9002}" type="datetimeFigureOut">
               <a:rPr lang="en-US" smtClean="0"/>
-              <a:t>6/7/17</a:t>
+              <a:t>6/8/2017</a:t>
             </a:fld>
             <a:endParaRPr lang="en-US" dirty="0"/>
           </a:p>
@@ -4822,7 +4736,7 @@
     </p:spTree>
     <p:extLst>
       <p:ext uri="{BB962C8B-B14F-4D97-AF65-F5344CB8AC3E}">
-        <p14:creationId xmlns:p14="http://schemas.microsoft.com/office/powerpoint/2010/main" val="3374033310"/>
+        <p14:creationId xmlns:p14="http://schemas.microsoft.com/office/powerpoint/2010/main" val="3813128138"/>
       </p:ext>
     </p:extLst>
   </p:cSld>
@@ -4866,7 +4780,7 @@
           <a:p>
             <a:fld id="{9334D819-9F07-4261-B09B-9E467E5D9002}" type="datetimeFigureOut">
               <a:rPr lang="en-US" smtClean="0"/>
-              <a:t>6/7/17</a:t>
+              <a:t>6/8/2017</a:t>
             </a:fld>
             <a:endParaRPr lang="en-US" dirty="0"/>
           </a:p>
@@ -4917,7 +4831,7 @@
     </p:spTree>
     <p:extLst>
       <p:ext uri="{BB962C8B-B14F-4D97-AF65-F5344CB8AC3E}">
-        <p14:creationId xmlns:p14="http://schemas.microsoft.com/office/powerpoint/2010/main" val="4206360417"/>
+        <p14:creationId xmlns:p14="http://schemas.microsoft.com/office/powerpoint/2010/main" val="3402377949"/>
       </p:ext>
     </p:extLst>
   </p:cSld>
@@ -5121,7 +5035,7 @@
           <a:p>
             <a:fld id="{9334D819-9F07-4261-B09B-9E467E5D9002}" type="datetimeFigureOut">
               <a:rPr lang="en-US" smtClean="0"/>
-              <a:t>6/7/17</a:t>
+              <a:t>6/8/2017</a:t>
             </a:fld>
             <a:endParaRPr lang="en-US" dirty="0"/>
           </a:p>
@@ -5172,7 +5086,7 @@
     </p:spTree>
     <p:extLst>
       <p:ext uri="{BB962C8B-B14F-4D97-AF65-F5344CB8AC3E}">
-        <p14:creationId xmlns:p14="http://schemas.microsoft.com/office/powerpoint/2010/main" val="3752821157"/>
+        <p14:creationId xmlns:p14="http://schemas.microsoft.com/office/powerpoint/2010/main" val="2332699025"/>
       </p:ext>
     </p:extLst>
   </p:cSld>
@@ -5431,7 +5345,7 @@
           <a:p>
             <a:fld id="{9334D819-9F07-4261-B09B-9E467E5D9002}" type="datetimeFigureOut">
               <a:rPr lang="en-US" smtClean="0"/>
-              <a:t>6/7/17</a:t>
+              <a:t>6/8/2017</a:t>
             </a:fld>
             <a:endParaRPr lang="en-US" dirty="0"/>
           </a:p>
@@ -5440,7 +5354,7 @@
     </p:spTree>
     <p:extLst>
       <p:ext uri="{BB962C8B-B14F-4D97-AF65-F5344CB8AC3E}">
-        <p14:creationId xmlns:p14="http://schemas.microsoft.com/office/powerpoint/2010/main" val="271070958"/>
+        <p14:creationId xmlns:p14="http://schemas.microsoft.com/office/powerpoint/2010/main" val="3336026369"/>
       </p:ext>
     </p:extLst>
   </p:cSld>
@@ -6134,7 +6048,7 @@
             <a:fld id="{9334D819-9F07-4261-B09B-9E467E5D9002}" type="datetimeFigureOut">
               <a:rPr lang="en-US" smtClean="0"/>
               <a:pPr/>
-              <a:t>6/7/17</a:t>
+              <a:t>6/8/2017</a:t>
             </a:fld>
             <a:endParaRPr lang="en-US" dirty="0"/>
           </a:p>
@@ -6220,28 +6134,28 @@
     </p:spTree>
     <p:extLst>
       <p:ext uri="{BB962C8B-B14F-4D97-AF65-F5344CB8AC3E}">
-        <p14:creationId xmlns:p14="http://schemas.microsoft.com/office/powerpoint/2010/main" val="4172577858"/>
+        <p14:creationId xmlns:p14="http://schemas.microsoft.com/office/powerpoint/2010/main" val="2569878756"/>
       </p:ext>
     </p:extLst>
   </p:cSld>
   <p:clrMap bg1="lt1" tx1="dk1" bg2="lt2" tx2="dk2" accent1="accent1" accent2="accent2" accent3="accent3" accent4="accent4" accent5="accent5" accent6="accent6" hlink="hlink" folHlink="folHlink"/>
   <p:sldLayoutIdLst>
-    <p:sldLayoutId id="2147483907" r:id="rId1"/>
-    <p:sldLayoutId id="2147483908" r:id="rId2"/>
-    <p:sldLayoutId id="2147483909" r:id="rId3"/>
-    <p:sldLayoutId id="2147483910" r:id="rId4"/>
-    <p:sldLayoutId id="2147483911" r:id="rId5"/>
-    <p:sldLayoutId id="2147483912" r:id="rId6"/>
-    <p:sldLayoutId id="2147483913" r:id="rId7"/>
-    <p:sldLayoutId id="2147483914" r:id="rId8"/>
-    <p:sldLayoutId id="2147483915" r:id="rId9"/>
-    <p:sldLayoutId id="2147483916" r:id="rId10"/>
-    <p:sldLayoutId id="2147483917" r:id="rId11"/>
-    <p:sldLayoutId id="2147483918" r:id="rId12"/>
-    <p:sldLayoutId id="2147483919" r:id="rId13"/>
-    <p:sldLayoutId id="2147483920" r:id="rId14"/>
-    <p:sldLayoutId id="2147483921" r:id="rId15"/>
-    <p:sldLayoutId id="2147483922" r:id="rId16"/>
+    <p:sldLayoutId id="2147483941" r:id="rId1"/>
+    <p:sldLayoutId id="2147483942" r:id="rId2"/>
+    <p:sldLayoutId id="2147483943" r:id="rId3"/>
+    <p:sldLayoutId id="2147483944" r:id="rId4"/>
+    <p:sldLayoutId id="2147483945" r:id="rId5"/>
+    <p:sldLayoutId id="2147483946" r:id="rId6"/>
+    <p:sldLayoutId id="2147483947" r:id="rId7"/>
+    <p:sldLayoutId id="2147483948" r:id="rId8"/>
+    <p:sldLayoutId id="2147483949" r:id="rId9"/>
+    <p:sldLayoutId id="2147483950" r:id="rId10"/>
+    <p:sldLayoutId id="2147483951" r:id="rId11"/>
+    <p:sldLayoutId id="2147483952" r:id="rId12"/>
+    <p:sldLayoutId id="2147483953" r:id="rId13"/>
+    <p:sldLayoutId id="2147483954" r:id="rId14"/>
+    <p:sldLayoutId id="2147483955" r:id="rId15"/>
+    <p:sldLayoutId id="2147483956" r:id="rId16"/>
   </p:sldLayoutIdLst>
   <p:txStyles>
     <p:titleStyle>
@@ -6686,23 +6600,28 @@
           <a:p>
             <a:pPr algn="l"/>
             <a:r>
-              <a:rPr lang="zh-CN" altLang="en-US" sz="8000" baseline="30000" dirty="0"/>
+              <a:rPr lang="zh-CN" altLang="en-US" sz="8000" baseline="30000" dirty="0">
+                <a:latin typeface="微软雅黑" panose="020B0503020204020204" pitchFamily="34" charset="-122"/>
+                <a:ea typeface="微软雅黑" panose="020B0503020204020204" pitchFamily="34" charset="-122"/>
+              </a:rPr>
               <a:t>城市智慧公交系统</a:t>
             </a:r>
-            <a:r>
-              <a:rPr lang="en-US" altLang="zh-CN" sz="8000" baseline="30000" dirty="0"/>
-              <a:t/>
-            </a:r>
             <a:br>
-              <a:rPr lang="en-US" altLang="zh-CN" sz="8000" baseline="30000" dirty="0"/>
+              <a:rPr lang="en-US" altLang="zh-CN" sz="8000" baseline="30000" dirty="0">
+                <a:latin typeface="微软雅黑" panose="020B0503020204020204" pitchFamily="34" charset="-122"/>
+                <a:ea typeface="微软雅黑" panose="020B0503020204020204" pitchFamily="34" charset="-122"/>
+              </a:rPr>
             </a:br>
             <a:r>
-              <a:rPr lang="zh-CN" altLang="en-US" sz="8000" baseline="30000" dirty="0"/>
+              <a:rPr lang="zh-CN" altLang="en-US" sz="8000" baseline="30000" dirty="0">
+                <a:latin typeface="微软雅黑" panose="020B0503020204020204" pitchFamily="34" charset="-122"/>
+                <a:ea typeface="微软雅黑" panose="020B0503020204020204" pitchFamily="34" charset="-122"/>
+              </a:rPr>
               <a:t> 设计与实现</a:t>
             </a:r>
             <a:endParaRPr kumimoji="1" lang="zh-CN" altLang="en-US" sz="8000" dirty="0">
-              <a:latin typeface="STLiti" charset="-122"/>
-              <a:ea typeface="STLiti" charset="-122"/>
+              <a:latin typeface="微软雅黑" panose="020B0503020204020204" pitchFamily="34" charset="-122"/>
+              <a:ea typeface="微软雅黑" panose="020B0503020204020204" pitchFamily="34" charset="-122"/>
               <a:cs typeface="STLiti" charset="-122"/>
             </a:endParaRPr>
           </a:p>
@@ -6735,7 +6654,8 @@
                 <a:solidFill>
                   <a:schemeClr val="tx1"/>
                 </a:solidFill>
-                <a:latin typeface="+mn-ea"/>
+                <a:latin typeface="微软雅黑" panose="020B0503020204020204" pitchFamily="34" charset="-122"/>
+                <a:ea typeface="微软雅黑" panose="020B0503020204020204" pitchFamily="34" charset="-122"/>
                 <a:cs typeface="STXinwei" charset="-122"/>
               </a:rPr>
               <a:t>王益挺</a:t>
@@ -6744,7 +6664,8 @@
               <a:solidFill>
                 <a:schemeClr val="tx1"/>
               </a:solidFill>
-              <a:latin typeface="+mn-ea"/>
+              <a:latin typeface="微软雅黑" panose="020B0503020204020204" pitchFamily="34" charset="-122"/>
+              <a:ea typeface="微软雅黑" panose="020B0503020204020204" pitchFamily="34" charset="-122"/>
               <a:cs typeface="STXinwei" charset="-122"/>
             </a:endParaRPr>
           </a:p>
@@ -6754,7 +6675,8 @@
                 <a:solidFill>
                   <a:schemeClr val="tx1"/>
                 </a:solidFill>
-                <a:latin typeface="+mn-ea"/>
+                <a:latin typeface="微软雅黑" panose="020B0503020204020204" pitchFamily="34" charset="-122"/>
+                <a:ea typeface="微软雅黑" panose="020B0503020204020204" pitchFamily="34" charset="-122"/>
                 <a:cs typeface="STXinwei" charset="-122"/>
               </a:rPr>
               <a:t>计科</a:t>
@@ -6764,7 +6686,8 @@
                 <a:solidFill>
                   <a:schemeClr val="tx1"/>
                 </a:solidFill>
-                <a:latin typeface="+mn-ea"/>
+                <a:latin typeface="微软雅黑" panose="020B0503020204020204" pitchFamily="34" charset="-122"/>
+                <a:ea typeface="微软雅黑" panose="020B0503020204020204" pitchFamily="34" charset="-122"/>
                 <a:cs typeface="STXinwei" charset="-122"/>
               </a:rPr>
               <a:t>1302</a:t>
@@ -6774,7 +6697,8 @@
                 <a:solidFill>
                   <a:schemeClr val="tx1"/>
                 </a:solidFill>
-                <a:latin typeface="+mn-ea"/>
+                <a:latin typeface="微软雅黑" panose="020B0503020204020204" pitchFamily="34" charset="-122"/>
+                <a:ea typeface="微软雅黑" panose="020B0503020204020204" pitchFamily="34" charset="-122"/>
                 <a:cs typeface="STXinwei" charset="-122"/>
               </a:rPr>
               <a:t>班</a:t>
@@ -6783,7 +6707,8 @@
               <a:solidFill>
                 <a:schemeClr val="tx1"/>
               </a:solidFill>
-              <a:latin typeface="+mn-ea"/>
+              <a:latin typeface="微软雅黑" panose="020B0503020204020204" pitchFamily="34" charset="-122"/>
+              <a:ea typeface="微软雅黑" panose="020B0503020204020204" pitchFamily="34" charset="-122"/>
               <a:cs typeface="STXinwei" charset="-122"/>
             </a:endParaRPr>
           </a:p>
@@ -6793,7 +6718,8 @@
                 <a:solidFill>
                   <a:schemeClr val="tx1"/>
                 </a:solidFill>
-                <a:latin typeface="+mn-ea"/>
+                <a:latin typeface="微软雅黑" panose="020B0503020204020204" pitchFamily="34" charset="-122"/>
+                <a:ea typeface="微软雅黑" panose="020B0503020204020204" pitchFamily="34" charset="-122"/>
                 <a:cs typeface="STXinwei" charset="-122"/>
               </a:rPr>
               <a:t>指导教师：田贤忠</a:t>
@@ -6802,7 +6728,8 @@
               <a:solidFill>
                 <a:schemeClr val="tx1"/>
               </a:solidFill>
-              <a:latin typeface="+mn-ea"/>
+              <a:latin typeface="微软雅黑" panose="020B0503020204020204" pitchFamily="34" charset="-122"/>
+              <a:ea typeface="微软雅黑" panose="020B0503020204020204" pitchFamily="34" charset="-122"/>
               <a:cs typeface="STXinwei" charset="-122"/>
             </a:endParaRPr>
           </a:p>
@@ -7021,14 +6948,14 @@
           </a:lstStyle>
           <a:p>
             <a:r>
-              <a:rPr lang="zh-CN" altLang="en-US" b="1" dirty="0">
-                <a:latin typeface="STXingkai" charset="-122"/>
-                <a:ea typeface="STXingkai" charset="-122"/>
+              <a:rPr kumimoji="1" lang="zh-CN" altLang="en-US" sz="4400" b="1" dirty="0">
+                <a:latin typeface="微软雅黑" panose="020B0503020204020204" pitchFamily="34" charset="-122"/>
+                <a:ea typeface="微软雅黑" panose="020B0503020204020204" pitchFamily="34" charset="-122"/>
                 <a:cs typeface="STXingkai" charset="-122"/>
               </a:rPr>
-              <a:t>系统展示</a:t>
-            </a:r>
-            <a:endParaRPr kumimoji="1" lang="zh-CN" altLang="en-US" dirty="0">
+              <a:t>系统成果展示</a:t>
+            </a:r>
+            <a:endParaRPr kumimoji="1" lang="zh-CN" altLang="en-US" sz="4400" dirty="0">
               <a:latin typeface="STXingkai" charset="-122"/>
               <a:ea typeface="STXingkai" charset="-122"/>
               <a:cs typeface="STXingkai" charset="-122"/>
@@ -7103,7 +7030,7 @@
       </p:sp>
       <p:sp>
         <p:nvSpPr>
-          <p:cNvPr id="4" name="Rectangle 4"/>
+          <p:cNvPr id="3" name="Rectangle 3"/>
           <p:cNvSpPr>
             <a:spLocks noChangeArrowheads="1"/>
           </p:cNvSpPr>
@@ -7111,8 +7038,8 @@
         </p:nvSpPr>
         <p:spPr bwMode="auto">
           <a:xfrm>
-            <a:off x="2061462" y="1494365"/>
-            <a:ext cx="18015279" cy="45719"/>
+            <a:off x="0" y="0"/>
+            <a:ext cx="12192000" cy="457200"/>
           </a:xfrm>
           <a:prstGeom prst="rect">
             <a:avLst/>
@@ -7143,10 +7070,8 @@
             <a:ext uri="{AF507438-7753-43E0-B8FC-AC1667EBCBE1}">
               <a14:hiddenEffects xmlns:a14="http://schemas.microsoft.com/office/drawing/2010/main">
                 <a:effectLst>
-                  <a:outerShdw blurRad="63500" dist="38099" dir="2700000" algn="ctr" rotWithShape="0">
-                    <a:schemeClr val="bg2">
-                      <a:alpha val="74998"/>
-                    </a:schemeClr>
+                  <a:outerShdw dist="35921" dir="2700000" algn="ctr" rotWithShape="0">
+                    <a:schemeClr val="bg2"/>
                   </a:outerShdw>
                 </a:effectLst>
               </a14:hiddenEffects>
@@ -7154,7 +7079,7 @@
           </a:extLst>
         </p:spPr>
         <p:txBody>
-          <a:bodyPr vert="horz" wrap="square" lIns="91440" tIns="45720" rIns="91440" bIns="45720" numCol="1" anchor="ctr" anchorCtr="0" compatLnSpc="1">
+          <a:bodyPr vert="horz" wrap="none" lIns="91440" tIns="45720" rIns="91440" bIns="45720" numCol="1" anchor="ctr" anchorCtr="0" compatLnSpc="1">
             <a:prstTxWarp prst="textNoShape">
               <a:avLst/>
             </a:prstTxWarp>
@@ -7166,9 +7091,53 @@
           </a:p>
         </p:txBody>
       </p:sp>
+      <p:sp>
+        <p:nvSpPr>
+          <p:cNvPr id="7" name="内容占位符 2"/>
+          <p:cNvSpPr>
+            <a:spLocks noGrp="1"/>
+          </p:cNvSpPr>
+          <p:nvPr>
+            <p:ph idx="1"/>
+          </p:nvPr>
+        </p:nvSpPr>
+        <p:spPr>
+          <a:xfrm>
+            <a:off x="3121370" y="630648"/>
+            <a:ext cx="6515100" cy="820271"/>
+          </a:xfrm>
+        </p:spPr>
+        <p:txBody>
+          <a:bodyPr>
+            <a:noAutofit/>
+          </a:bodyPr>
+          <a:lstStyle/>
+          <a:p>
+            <a:pPr lvl="3"/>
+            <a:r>
+              <a:rPr lang="en-US" altLang="zh-CN" sz="3400" b="1" dirty="0">
+                <a:latin typeface="微软雅黑" panose="020B0503020204020204" pitchFamily="34" charset="-122"/>
+                <a:ea typeface="微软雅黑" panose="020B0503020204020204" pitchFamily="34" charset="-122"/>
+              </a:rPr>
+              <a:t>   </a:t>
+            </a:r>
+            <a:r>
+              <a:rPr lang="zh-CN" altLang="en-US" sz="3400" b="1" dirty="0">
+                <a:latin typeface="微软雅黑" panose="020B0503020204020204" pitchFamily="34" charset="-122"/>
+                <a:ea typeface="微软雅黑" panose="020B0503020204020204" pitchFamily="34" charset="-122"/>
+              </a:rPr>
+              <a:t>移动客户端</a:t>
+            </a:r>
+            <a:endParaRPr lang="zh-CN" altLang="zh-CN" sz="3400" b="1" dirty="0">
+              <a:latin typeface="微软雅黑" panose="020B0503020204020204" pitchFamily="34" charset="-122"/>
+              <a:ea typeface="微软雅黑" panose="020B0503020204020204" pitchFamily="34" charset="-122"/>
+            </a:endParaRPr>
+          </a:p>
+        </p:txBody>
+      </p:sp>
       <p:pic>
         <p:nvPicPr>
-          <p:cNvPr id="3074" name="Picture 2" descr="IMG_0403"/>
+          <p:cNvPr id="8" name="Picture 2" descr="IMG_0402"/>
           <p:cNvPicPr>
             <a:picLocks noChangeAspect="1" noChangeArrowheads="1"/>
           </p:cNvPicPr>
@@ -7189,8 +7158,8 @@
         </p:blipFill>
         <p:spPr bwMode="auto">
           <a:xfrm>
-            <a:off x="946243" y="1701121"/>
-            <a:ext cx="2655210" cy="4724572"/>
+            <a:off x="2477455" y="1450919"/>
+            <a:ext cx="2662314" cy="4737213"/>
           </a:xfrm>
           <a:prstGeom prst="rect">
             <a:avLst/>
@@ -7222,7 +7191,7 @@
       </p:pic>
       <p:pic>
         <p:nvPicPr>
-          <p:cNvPr id="5" name="Picture 3" descr="IMG_0404"/>
+          <p:cNvPr id="9" name="Picture 5" descr="IMG_0401"/>
           <p:cNvPicPr>
             <a:picLocks noChangeAspect="1" noChangeArrowheads="1"/>
           </p:cNvPicPr>
@@ -7243,8 +7212,8 @@
         </p:blipFill>
         <p:spPr bwMode="auto">
           <a:xfrm>
-            <a:off x="4321676" y="1701121"/>
-            <a:ext cx="2648619" cy="4722930"/>
+            <a:off x="5391532" y="1507066"/>
+            <a:ext cx="2693689" cy="4803297"/>
           </a:xfrm>
           <a:prstGeom prst="rect">
             <a:avLst/>
@@ -7277,7 +7246,7 @@
     </p:spTree>
     <p:extLst>
       <p:ext uri="{BB962C8B-B14F-4D97-AF65-F5344CB8AC3E}">
-        <p14:creationId xmlns:p14="http://schemas.microsoft.com/office/powerpoint/2010/main" val="1372299120"/>
+        <p14:creationId xmlns:p14="http://schemas.microsoft.com/office/powerpoint/2010/main" val="1049328604"/>
       </p:ext>
     </p:extLst>
   </p:cSld>
@@ -7399,14 +7368,14 @@
           </a:lstStyle>
           <a:p>
             <a:r>
-              <a:rPr lang="zh-CN" altLang="en-US" b="1" dirty="0">
-                <a:latin typeface="STXingkai" charset="-122"/>
-                <a:ea typeface="STXingkai" charset="-122"/>
+              <a:rPr kumimoji="1" lang="zh-CN" altLang="en-US" sz="4400" b="1" dirty="0">
+                <a:latin typeface="微软雅黑" panose="020B0503020204020204" pitchFamily="34" charset="-122"/>
+                <a:ea typeface="微软雅黑" panose="020B0503020204020204" pitchFamily="34" charset="-122"/>
                 <a:cs typeface="STXingkai" charset="-122"/>
               </a:rPr>
-              <a:t>系统展示</a:t>
-            </a:r>
-            <a:endParaRPr kumimoji="1" lang="zh-CN" altLang="en-US" dirty="0">
+              <a:t>系统成果展示</a:t>
+            </a:r>
+            <a:endParaRPr kumimoji="1" lang="zh-CN" altLang="en-US" sz="4400" dirty="0">
               <a:latin typeface="STXingkai" charset="-122"/>
               <a:ea typeface="STXingkai" charset="-122"/>
               <a:cs typeface="STXingkai" charset="-122"/>
@@ -7481,7 +7450,7 @@
       </p:sp>
       <p:sp>
         <p:nvSpPr>
-          <p:cNvPr id="4" name="Rectangle 4"/>
+          <p:cNvPr id="3" name="Rectangle 3"/>
           <p:cNvSpPr>
             <a:spLocks noChangeArrowheads="1"/>
           </p:cNvSpPr>
@@ -7489,8 +7458,8 @@
         </p:nvSpPr>
         <p:spPr bwMode="auto">
           <a:xfrm>
-            <a:off x="1397000" y="1333328"/>
-            <a:ext cx="18607380" cy="45719"/>
+            <a:off x="0" y="0"/>
+            <a:ext cx="12192000" cy="457200"/>
           </a:xfrm>
           <a:prstGeom prst="rect">
             <a:avLst/>
@@ -7521,10 +7490,8 @@
             <a:ext uri="{AF507438-7753-43E0-B8FC-AC1667EBCBE1}">
               <a14:hiddenEffects xmlns:a14="http://schemas.microsoft.com/office/drawing/2010/main">
                 <a:effectLst>
-                  <a:outerShdw blurRad="63500" dist="38099" dir="2700000" algn="ctr" rotWithShape="0">
-                    <a:schemeClr val="bg2">
-                      <a:alpha val="74998"/>
-                    </a:schemeClr>
+                  <a:outerShdw dist="35921" dir="2700000" algn="ctr" rotWithShape="0">
+                    <a:schemeClr val="bg2"/>
                   </a:outerShdw>
                 </a:effectLst>
               </a14:hiddenEffects>
@@ -7532,7 +7499,7 @@
           </a:extLst>
         </p:spPr>
         <p:txBody>
-          <a:bodyPr vert="horz" wrap="square" lIns="91440" tIns="45720" rIns="91440" bIns="45720" numCol="1" anchor="ctr" anchorCtr="0" compatLnSpc="1">
+          <a:bodyPr vert="horz" wrap="none" lIns="91440" tIns="45720" rIns="91440" bIns="45720" numCol="1" anchor="ctr" anchorCtr="0" compatLnSpc="1">
             <a:prstTxWarp prst="textNoShape">
               <a:avLst/>
             </a:prstTxWarp>
@@ -7544,15 +7511,59 @@
           </a:p>
         </p:txBody>
       </p:sp>
+      <p:sp>
+        <p:nvSpPr>
+          <p:cNvPr id="7" name="内容占位符 2"/>
+          <p:cNvSpPr>
+            <a:spLocks noGrp="1"/>
+          </p:cNvSpPr>
+          <p:nvPr>
+            <p:ph idx="1"/>
+          </p:nvPr>
+        </p:nvSpPr>
+        <p:spPr>
+          <a:xfrm>
+            <a:off x="3121370" y="630648"/>
+            <a:ext cx="6515100" cy="820271"/>
+          </a:xfrm>
+        </p:spPr>
+        <p:txBody>
+          <a:bodyPr>
+            <a:noAutofit/>
+          </a:bodyPr>
+          <a:lstStyle/>
+          <a:p>
+            <a:pPr lvl="3"/>
+            <a:r>
+              <a:rPr lang="en-US" altLang="zh-CN" sz="3400" b="1" dirty="0">
+                <a:latin typeface="微软雅黑" panose="020B0503020204020204" pitchFamily="34" charset="-122"/>
+                <a:ea typeface="微软雅黑" panose="020B0503020204020204" pitchFamily="34" charset="-122"/>
+              </a:rPr>
+              <a:t>   </a:t>
+            </a:r>
+            <a:r>
+              <a:rPr lang="zh-CN" altLang="en-US" sz="3400" b="1" dirty="0">
+                <a:latin typeface="微软雅黑" panose="020B0503020204020204" pitchFamily="34" charset="-122"/>
+                <a:ea typeface="微软雅黑" panose="020B0503020204020204" pitchFamily="34" charset="-122"/>
+              </a:rPr>
+              <a:t>移动客户端</a:t>
+            </a:r>
+            <a:endParaRPr lang="zh-CN" altLang="zh-CN" sz="3400" b="1" dirty="0">
+              <a:latin typeface="微软雅黑" panose="020B0503020204020204" pitchFamily="34" charset="-122"/>
+              <a:ea typeface="微软雅黑" panose="020B0503020204020204" pitchFamily="34" charset="-122"/>
+            </a:endParaRPr>
+          </a:p>
+        </p:txBody>
+      </p:sp>
       <p:pic>
         <p:nvPicPr>
-          <p:cNvPr id="3" name="图片 2"/>
+          <p:cNvPr id="10" name="Picture 2" descr="IMG_0403"/>
           <p:cNvPicPr>
-            <a:picLocks noChangeAspect="1"/>
+            <a:picLocks noChangeAspect="1" noChangeArrowheads="1"/>
           </p:cNvPicPr>
           <p:nvPr/>
         </p:nvPicPr>
-        <p:blipFill rotWithShape="1">
+        <p:blipFill>
           <a:blip r:embed="rId2" cstate="screen">
             <a:extLst>
               <a:ext uri="{28A0092B-C50C-407E-A947-70E740481C1C}">
@@ -7561,22 +7572,101 @@
             </a:extLst>
           </a:blip>
           <a:srcRect/>
-          <a:stretch/>
+          <a:stretch>
+            <a:fillRect/>
+          </a:stretch>
         </p:blipFill>
-        <p:spPr>
+        <p:spPr bwMode="auto">
           <a:xfrm>
-            <a:off x="677334" y="1552785"/>
-            <a:ext cx="8093242" cy="4568418"/>
+            <a:off x="2005022" y="1738304"/>
+            <a:ext cx="2655210" cy="4724572"/>
           </a:xfrm>
           <a:prstGeom prst="rect">
             <a:avLst/>
           </a:prstGeom>
+          <a:noFill/>
+          <a:ln>
+            <a:noFill/>
+          </a:ln>
+          <a:extLst>
+            <a:ext uri="{909E8E84-426E-40DD-AFC4-6F175D3DCCD1}">
+              <a14:hiddenFill xmlns:a14="http://schemas.microsoft.com/office/drawing/2010/main">
+                <a:solidFill>
+                  <a:srgbClr val="FFFFFF"/>
+                </a:solidFill>
+              </a14:hiddenFill>
+            </a:ext>
+            <a:ext uri="{91240B29-F687-4F45-9708-019B960494DF}">
+              <a14:hiddenLine xmlns:a14="http://schemas.microsoft.com/office/drawing/2010/main" w="9525">
+                <a:solidFill>
+                  <a:srgbClr val="000000"/>
+                </a:solidFill>
+                <a:miter lim="800000"/>
+                <a:headEnd/>
+                <a:tailEnd/>
+              </a14:hiddenLine>
+            </a:ext>
+          </a:extLst>
+        </p:spPr>
+      </p:pic>
+      <p:pic>
+        <p:nvPicPr>
+          <p:cNvPr id="11" name="Picture 3" descr="IMG_0404"/>
+          <p:cNvPicPr>
+            <a:picLocks noChangeAspect="1" noChangeArrowheads="1"/>
+          </p:cNvPicPr>
+          <p:nvPr/>
+        </p:nvPicPr>
+        <p:blipFill>
+          <a:blip r:embed="rId3" cstate="screen">
+            <a:extLst>
+              <a:ext uri="{28A0092B-C50C-407E-A947-70E740481C1C}">
+                <a14:useLocalDpi xmlns:a14="http://schemas.microsoft.com/office/drawing/2010/main"/>
+              </a:ext>
+            </a:extLst>
+          </a:blip>
+          <a:srcRect/>
+          <a:stretch>
+            <a:fillRect/>
+          </a:stretch>
+        </p:blipFill>
+        <p:spPr bwMode="auto">
+          <a:xfrm>
+            <a:off x="5380455" y="1738304"/>
+            <a:ext cx="2648619" cy="4722930"/>
+          </a:xfrm>
+          <a:prstGeom prst="rect">
+            <a:avLst/>
+          </a:prstGeom>
+          <a:noFill/>
+          <a:ln>
+            <a:noFill/>
+          </a:ln>
+          <a:extLst>
+            <a:ext uri="{909E8E84-426E-40DD-AFC4-6F175D3DCCD1}">
+              <a14:hiddenFill xmlns:a14="http://schemas.microsoft.com/office/drawing/2010/main">
+                <a:solidFill>
+                  <a:srgbClr val="FFFFFF"/>
+                </a:solidFill>
+              </a14:hiddenFill>
+            </a:ext>
+            <a:ext uri="{91240B29-F687-4F45-9708-019B960494DF}">
+              <a14:hiddenLine xmlns:a14="http://schemas.microsoft.com/office/drawing/2010/main" w="9525">
+                <a:solidFill>
+                  <a:srgbClr val="000000"/>
+                </a:solidFill>
+                <a:miter lim="800000"/>
+                <a:headEnd/>
+                <a:tailEnd/>
+              </a14:hiddenLine>
+            </a:ext>
+          </a:extLst>
         </p:spPr>
       </p:pic>
     </p:spTree>
     <p:extLst>
       <p:ext uri="{BB962C8B-B14F-4D97-AF65-F5344CB8AC3E}">
-        <p14:creationId xmlns:p14="http://schemas.microsoft.com/office/powerpoint/2010/main" val="256941060"/>
+        <p14:creationId xmlns:p14="http://schemas.microsoft.com/office/powerpoint/2010/main" val="3536118978"/>
       </p:ext>
     </p:extLst>
   </p:cSld>
@@ -7605,340 +7695,325 @@
       </p:grpSpPr>
       <p:sp>
         <p:nvSpPr>
-          <p:cNvPr id="2" name="标题 1"/>
-          <p:cNvSpPr>
-            <a:spLocks noGrp="1"/>
-          </p:cNvSpPr>
-          <p:nvPr>
-            <p:ph type="title"/>
-          </p:nvPr>
+          <p:cNvPr id="6" name="标题 1"/>
+          <p:cNvSpPr txBox="1">
+            <a:spLocks/>
+          </p:cNvSpPr>
+          <p:nvPr/>
         </p:nvSpPr>
         <p:spPr>
           <a:xfrm>
-            <a:off x="516964" y="262218"/>
-            <a:ext cx="3640667" cy="1197864"/>
+            <a:off x="677334" y="609600"/>
+            <a:ext cx="4210672" cy="897466"/>
           </a:xfrm>
+          <a:prstGeom prst="rect">
+            <a:avLst/>
+          </a:prstGeom>
         </p:spPr>
         <p:txBody>
-          <a:bodyPr anchor="b">
-            <a:noAutofit/>
+          <a:bodyPr vert="horz" lIns="91440" tIns="45720" rIns="91440" bIns="45720" rtlCol="0" anchor="t">
+            <a:normAutofit/>
           </a:bodyPr>
-          <a:lstStyle/>
-          <a:p>
-            <a:r>
-              <a:rPr lang="zh-CN" altLang="en-US" sz="4600" b="1" dirty="0">
+          <a:lstStyle>
+            <a:lvl1pPr algn="l" defTabSz="457200" rtl="0" eaLnBrk="1" latinLnBrk="0" hangingPunct="1">
+              <a:spcBef>
+                <a:spcPct val="0"/>
+              </a:spcBef>
+              <a:buNone/>
+              <a:defRPr sz="3600" kern="1200">
                 <a:solidFill>
                   <a:schemeClr val="accent1"/>
                 </a:solidFill>
-                <a:latin typeface="STXingkai" charset="-122"/>
-                <a:ea typeface="STXingkai" charset="-122"/>
+                <a:latin typeface="+mj-lt"/>
+                <a:ea typeface="+mj-ea"/>
+                <a:cs typeface="+mj-cs"/>
+              </a:defRPr>
+            </a:lvl1pPr>
+            <a:lvl2pPr eaLnBrk="1" hangingPunct="1">
+              <a:defRPr>
+                <a:solidFill>
+                  <a:schemeClr val="tx2"/>
+                </a:solidFill>
+              </a:defRPr>
+            </a:lvl2pPr>
+            <a:lvl3pPr eaLnBrk="1" hangingPunct="1">
+              <a:defRPr>
+                <a:solidFill>
+                  <a:schemeClr val="tx2"/>
+                </a:solidFill>
+              </a:defRPr>
+            </a:lvl3pPr>
+            <a:lvl4pPr eaLnBrk="1" hangingPunct="1">
+              <a:defRPr>
+                <a:solidFill>
+                  <a:schemeClr val="tx2"/>
+                </a:solidFill>
+              </a:defRPr>
+            </a:lvl4pPr>
+            <a:lvl5pPr eaLnBrk="1" hangingPunct="1">
+              <a:defRPr>
+                <a:solidFill>
+                  <a:schemeClr val="tx2"/>
+                </a:solidFill>
+              </a:defRPr>
+            </a:lvl5pPr>
+            <a:lvl6pPr eaLnBrk="1" hangingPunct="1">
+              <a:defRPr>
+                <a:solidFill>
+                  <a:schemeClr val="tx2"/>
+                </a:solidFill>
+              </a:defRPr>
+            </a:lvl6pPr>
+            <a:lvl7pPr eaLnBrk="1" hangingPunct="1">
+              <a:defRPr>
+                <a:solidFill>
+                  <a:schemeClr val="tx2"/>
+                </a:solidFill>
+              </a:defRPr>
+            </a:lvl7pPr>
+            <a:lvl8pPr eaLnBrk="1" hangingPunct="1">
+              <a:defRPr>
+                <a:solidFill>
+                  <a:schemeClr val="tx2"/>
+                </a:solidFill>
+              </a:defRPr>
+            </a:lvl8pPr>
+            <a:lvl9pPr eaLnBrk="1" hangingPunct="1">
+              <a:defRPr>
+                <a:solidFill>
+                  <a:schemeClr val="tx2"/>
+                </a:solidFill>
+              </a:defRPr>
+            </a:lvl9pPr>
+          </a:lstStyle>
+          <a:p>
+            <a:r>
+              <a:rPr kumimoji="1" lang="zh-CN" altLang="en-US" sz="4400" b="1" dirty="0">
+                <a:latin typeface="微软雅黑" panose="020B0503020204020204" pitchFamily="34" charset="-122"/>
+                <a:ea typeface="微软雅黑" panose="020B0503020204020204" pitchFamily="34" charset="-122"/>
                 <a:cs typeface="STXingkai" charset="-122"/>
               </a:rPr>
-              <a:t>总结与展望</a:t>
-            </a:r>
-            <a:endParaRPr kumimoji="1" lang="zh-CN" altLang="en-US" sz="4600" dirty="0">
-              <a:solidFill>
-                <a:schemeClr val="accent1"/>
-              </a:solidFill>
+              <a:t>系统成果展示</a:t>
+            </a:r>
+            <a:endParaRPr kumimoji="1" lang="zh-CN" altLang="en-US" sz="4400" dirty="0">
+              <a:latin typeface="STXingkai" charset="-122"/>
+              <a:ea typeface="STXingkai" charset="-122"/>
+              <a:cs typeface="STXingkai" charset="-122"/>
             </a:endParaRPr>
           </a:p>
         </p:txBody>
       </p:sp>
       <p:sp>
         <p:nvSpPr>
-          <p:cNvPr id="9" name="文本框 8"/>
-          <p:cNvSpPr txBox="1"/>
+          <p:cNvPr id="2" name="Rectangle 2"/>
+          <p:cNvSpPr>
+            <a:spLocks noChangeArrowheads="1"/>
+          </p:cNvSpPr>
           <p:nvPr/>
         </p:nvSpPr>
-        <p:spPr>
+        <p:spPr bwMode="auto">
           <a:xfrm>
-            <a:off x="2269953" y="2075655"/>
-            <a:ext cx="4397068" cy="707886"/>
+            <a:off x="1591563" y="1287609"/>
+            <a:ext cx="18115257" cy="45719"/>
           </a:xfrm>
           <a:prstGeom prst="rect">
             <a:avLst/>
           </a:prstGeom>
           <a:noFill/>
+          <a:ln>
+            <a:noFill/>
+          </a:ln>
+          <a:effectLst/>
+          <a:extLst>
+            <a:ext uri="{909E8E84-426E-40DD-AFC4-6F175D3DCCD1}">
+              <a14:hiddenFill xmlns:a14="http://schemas.microsoft.com/office/drawing/2010/main">
+                <a:solidFill>
+                  <a:schemeClr val="accent1"/>
+                </a:solidFill>
+              </a14:hiddenFill>
+            </a:ext>
+            <a:ext uri="{91240B29-F687-4F45-9708-019B960494DF}">
+              <a14:hiddenLine xmlns:a14="http://schemas.microsoft.com/office/drawing/2010/main" w="9525">
+                <a:solidFill>
+                  <a:schemeClr val="tx1"/>
+                </a:solidFill>
+                <a:miter lim="800000"/>
+                <a:headEnd/>
+                <a:tailEnd/>
+              </a14:hiddenLine>
+            </a:ext>
+            <a:ext uri="{AF507438-7753-43E0-B8FC-AC1667EBCBE1}">
+              <a14:hiddenEffects xmlns:a14="http://schemas.microsoft.com/office/drawing/2010/main">
+                <a:effectLst>
+                  <a:outerShdw blurRad="63500" dist="38099" dir="2700000" algn="ctr" rotWithShape="0">
+                    <a:schemeClr val="bg2">
+                      <a:alpha val="74998"/>
+                    </a:schemeClr>
+                  </a:outerShdw>
+                </a:effectLst>
+              </a14:hiddenEffects>
+            </a:ext>
+          </a:extLst>
         </p:spPr>
         <p:txBody>
-          <a:bodyPr wrap="square" rtlCol="0">
+          <a:bodyPr vert="horz" wrap="square" lIns="91440" tIns="45720" rIns="91440" bIns="45720" numCol="1" anchor="ctr" anchorCtr="0" compatLnSpc="1">
+            <a:prstTxWarp prst="textNoShape">
+              <a:avLst/>
+            </a:prstTxWarp>
             <a:spAutoFit/>
           </a:bodyPr>
           <a:lstStyle/>
           <a:p>
-            <a:pPr marL="285750" indent="-285750">
-              <a:buFont typeface="Wingdings" panose="05000000000000000000" pitchFamily="2" charset="2"/>
-              <a:buChar char="u"/>
-            </a:pPr>
-            <a:r>
-              <a:rPr lang="zh-CN" altLang="en-US" sz="4000" dirty="0"/>
-              <a:t>温习基础知识</a:t>
-            </a:r>
-            <a:endParaRPr lang="en-US" altLang="zh-CN" sz="4000" dirty="0"/>
-          </a:p>
-        </p:txBody>
-      </p:sp>
-      <p:sp>
-        <p:nvSpPr>
-          <p:cNvPr id="10" name="矩形 9"/>
-          <p:cNvSpPr/>
+            <a:endParaRPr lang="zh-CN" altLang="en-US"/>
+          </a:p>
+        </p:txBody>
+      </p:sp>
+      <p:sp>
+        <p:nvSpPr>
+          <p:cNvPr id="3" name="Rectangle 3"/>
+          <p:cNvSpPr>
+            <a:spLocks noChangeArrowheads="1"/>
+          </p:cNvSpPr>
           <p:nvPr/>
+        </p:nvSpPr>
+        <p:spPr bwMode="auto">
+          <a:xfrm>
+            <a:off x="0" y="0"/>
+            <a:ext cx="12192000" cy="457200"/>
+          </a:xfrm>
+          <a:prstGeom prst="rect">
+            <a:avLst/>
+          </a:prstGeom>
+          <a:noFill/>
+          <a:ln>
+            <a:noFill/>
+          </a:ln>
+          <a:effectLst/>
+          <a:extLst>
+            <a:ext uri="{909E8E84-426E-40DD-AFC4-6F175D3DCCD1}">
+              <a14:hiddenFill xmlns:a14="http://schemas.microsoft.com/office/drawing/2010/main">
+                <a:solidFill>
+                  <a:schemeClr val="accent1"/>
+                </a:solidFill>
+              </a14:hiddenFill>
+            </a:ext>
+            <a:ext uri="{91240B29-F687-4F45-9708-019B960494DF}">
+              <a14:hiddenLine xmlns:a14="http://schemas.microsoft.com/office/drawing/2010/main" w="9525">
+                <a:solidFill>
+                  <a:schemeClr val="tx1"/>
+                </a:solidFill>
+                <a:miter lim="800000"/>
+                <a:headEnd/>
+                <a:tailEnd/>
+              </a14:hiddenLine>
+            </a:ext>
+            <a:ext uri="{AF507438-7753-43E0-B8FC-AC1667EBCBE1}">
+              <a14:hiddenEffects xmlns:a14="http://schemas.microsoft.com/office/drawing/2010/main">
+                <a:effectLst>
+                  <a:outerShdw dist="35921" dir="2700000" algn="ctr" rotWithShape="0">
+                    <a:schemeClr val="bg2"/>
+                  </a:outerShdw>
+                </a:effectLst>
+              </a14:hiddenEffects>
+            </a:ext>
+          </a:extLst>
+        </p:spPr>
+        <p:txBody>
+          <a:bodyPr vert="horz" wrap="none" lIns="91440" tIns="45720" rIns="91440" bIns="45720" numCol="1" anchor="ctr" anchorCtr="0" compatLnSpc="1">
+            <a:prstTxWarp prst="textNoShape">
+              <a:avLst/>
+            </a:prstTxWarp>
+            <a:spAutoFit/>
+          </a:bodyPr>
+          <a:lstStyle/>
+          <a:p>
+            <a:endParaRPr lang="zh-CN" altLang="en-US"/>
+          </a:p>
+        </p:txBody>
+      </p:sp>
+      <p:sp>
+        <p:nvSpPr>
+          <p:cNvPr id="7" name="内容占位符 2"/>
+          <p:cNvSpPr>
+            <a:spLocks noGrp="1"/>
+          </p:cNvSpPr>
+          <p:nvPr>
+            <p:ph idx="1"/>
+          </p:nvPr>
         </p:nvSpPr>
         <p:spPr>
           <a:xfrm>
-            <a:off x="2269953" y="3118991"/>
-            <a:ext cx="6846746" cy="707886"/>
+            <a:off x="3121370" y="630648"/>
+            <a:ext cx="6515100" cy="820271"/>
+          </a:xfrm>
+        </p:spPr>
+        <p:txBody>
+          <a:bodyPr>
+            <a:noAutofit/>
+          </a:bodyPr>
+          <a:lstStyle/>
+          <a:p>
+            <a:pPr lvl="3"/>
+            <a:r>
+              <a:rPr lang="en-US" altLang="zh-CN" sz="3400" b="1" dirty="0">
+                <a:latin typeface="微软雅黑" panose="020B0503020204020204" pitchFamily="34" charset="-122"/>
+                <a:ea typeface="微软雅黑" panose="020B0503020204020204" pitchFamily="34" charset="-122"/>
+              </a:rPr>
+              <a:t>   </a:t>
+            </a:r>
+            <a:r>
+              <a:rPr lang="zh-CN" altLang="en-US" sz="3400" b="1" dirty="0">
+                <a:latin typeface="微软雅黑" panose="020B0503020204020204" pitchFamily="34" charset="-122"/>
+                <a:ea typeface="微软雅黑" panose="020B0503020204020204" pitchFamily="34" charset="-122"/>
+              </a:rPr>
+              <a:t>管理员端</a:t>
+            </a:r>
+            <a:endParaRPr lang="zh-CN" altLang="zh-CN" sz="3400" b="1" dirty="0">
+              <a:latin typeface="微软雅黑" panose="020B0503020204020204" pitchFamily="34" charset="-122"/>
+              <a:ea typeface="微软雅黑" panose="020B0503020204020204" pitchFamily="34" charset="-122"/>
+            </a:endParaRPr>
+          </a:p>
+        </p:txBody>
+      </p:sp>
+      <p:pic>
+        <p:nvPicPr>
+          <p:cNvPr id="8" name="图片 7"/>
+          <p:cNvPicPr>
+            <a:picLocks noChangeAspect="1"/>
+          </p:cNvPicPr>
+          <p:nvPr/>
+        </p:nvPicPr>
+        <p:blipFill rotWithShape="1">
+          <a:blip r:embed="rId2" cstate="screen">
+            <a:extLst>
+              <a:ext uri="{28A0092B-C50C-407E-A947-70E740481C1C}">
+                <a14:useLocalDpi xmlns:a14="http://schemas.microsoft.com/office/drawing/2010/main"/>
+              </a:ext>
+            </a:extLst>
+          </a:blip>
+          <a:srcRect/>
+          <a:stretch/>
+        </p:blipFill>
+        <p:spPr>
+          <a:xfrm>
+            <a:off x="1014219" y="1745291"/>
+            <a:ext cx="8093242" cy="4568418"/>
           </a:xfrm>
           <a:prstGeom prst="rect">
             <a:avLst/>
           </a:prstGeom>
         </p:spPr>
-        <p:txBody>
-          <a:bodyPr wrap="none">
-            <a:spAutoFit/>
-          </a:bodyPr>
-          <a:lstStyle/>
-          <a:p>
-            <a:pPr marL="285750" indent="-285750">
-              <a:buFont typeface="Wingdings" panose="05000000000000000000" pitchFamily="2" charset="2"/>
-              <a:buChar char="u"/>
-            </a:pPr>
-            <a:r>
-              <a:rPr lang="zh-CN" altLang="en-US" sz="4000" dirty="0"/>
-              <a:t>学习开发、测试、发布流程</a:t>
-            </a:r>
-            <a:endParaRPr lang="en-US" altLang="zh-CN" sz="4000" dirty="0"/>
-          </a:p>
-        </p:txBody>
-      </p:sp>
-      <p:sp>
-        <p:nvSpPr>
-          <p:cNvPr id="11" name="矩形 10"/>
-          <p:cNvSpPr/>
-          <p:nvPr/>
-        </p:nvSpPr>
-        <p:spPr>
-          <a:xfrm>
-            <a:off x="2323741" y="4162327"/>
-            <a:ext cx="7359707" cy="707886"/>
-          </a:xfrm>
-          <a:prstGeom prst="rect">
-            <a:avLst/>
-          </a:prstGeom>
-        </p:spPr>
-        <p:txBody>
-          <a:bodyPr wrap="none">
-            <a:spAutoFit/>
-          </a:bodyPr>
-          <a:lstStyle/>
-          <a:p>
-            <a:pPr marL="285750" indent="-285750">
-              <a:buFont typeface="Wingdings" panose="05000000000000000000" pitchFamily="2" charset="2"/>
-              <a:buChar char="u"/>
-            </a:pPr>
-            <a:r>
-              <a:rPr lang="zh-CN" altLang="en-US" sz="4000" dirty="0"/>
-              <a:t>提高沟通交流、团队协作能力</a:t>
-            </a:r>
-          </a:p>
-        </p:txBody>
-      </p:sp>
+      </p:pic>
     </p:spTree>
     <p:extLst>
       <p:ext uri="{BB962C8B-B14F-4D97-AF65-F5344CB8AC3E}">
-        <p14:creationId xmlns:p14="http://schemas.microsoft.com/office/powerpoint/2010/main" val="2053999648"/>
+        <p14:creationId xmlns:p14="http://schemas.microsoft.com/office/powerpoint/2010/main" val="3102291342"/>
       </p:ext>
     </p:extLst>
   </p:cSld>
   <p:clrMapOvr>
     <a:masterClrMapping/>
   </p:clrMapOvr>
-  <p:timing>
-    <p:tnLst>
-      <p:par>
-        <p:cTn id="1" dur="indefinite" restart="never" nodeType="tmRoot">
-          <p:childTnLst>
-            <p:seq concurrent="1" nextAc="seek">
-              <p:cTn id="2" dur="indefinite" nodeType="mainSeq">
-                <p:childTnLst>
-                  <p:par>
-                    <p:cTn id="3" fill="hold">
-                      <p:stCondLst>
-                        <p:cond delay="indefinite"/>
-                      </p:stCondLst>
-                      <p:childTnLst>
-                        <p:par>
-                          <p:cTn id="4" fill="hold">
-                            <p:stCondLst>
-                              <p:cond delay="0"/>
-                            </p:stCondLst>
-                            <p:childTnLst>
-                              <p:par>
-                                <p:cTn id="5" presetID="1" presetClass="entr" presetSubtype="0" fill="hold" grpId="0" nodeType="clickEffect">
-                                  <p:stCondLst>
-                                    <p:cond delay="0"/>
-                                  </p:stCondLst>
-                                  <p:childTnLst>
-                                    <p:set>
-                                      <p:cBhvr>
-                                        <p:cTn id="6" dur="1" fill="hold">
-                                          <p:stCondLst>
-                                            <p:cond delay="0"/>
-                                          </p:stCondLst>
-                                        </p:cTn>
-                                        <p:tgtEl>
-                                          <p:spTgt spid="9"/>
-                                        </p:tgtEl>
-                                        <p:attrNameLst>
-                                          <p:attrName>style.visibility</p:attrName>
-                                        </p:attrNameLst>
-                                      </p:cBhvr>
-                                      <p:to>
-                                        <p:strVal val="visible"/>
-                                      </p:to>
-                                    </p:set>
-                                  </p:childTnLst>
-                                </p:cTn>
-                              </p:par>
-                            </p:childTnLst>
-                          </p:cTn>
-                        </p:par>
-                      </p:childTnLst>
-                    </p:cTn>
-                  </p:par>
-                  <p:par>
-                    <p:cTn id="7" fill="hold">
-                      <p:stCondLst>
-                        <p:cond delay="indefinite"/>
-                      </p:stCondLst>
-                      <p:childTnLst>
-                        <p:par>
-                          <p:cTn id="8" fill="hold">
-                            <p:stCondLst>
-                              <p:cond delay="0"/>
-                            </p:stCondLst>
-                            <p:childTnLst>
-                              <p:par>
-                                <p:cTn id="9" presetID="22" presetClass="entr" presetSubtype="4" fill="hold" grpId="0" nodeType="clickEffect">
-                                  <p:stCondLst>
-                                    <p:cond delay="0"/>
-                                  </p:stCondLst>
-                                  <p:childTnLst>
-                                    <p:set>
-                                      <p:cBhvr>
-                                        <p:cTn id="10" dur="1" fill="hold">
-                                          <p:stCondLst>
-                                            <p:cond delay="0"/>
-                                          </p:stCondLst>
-                                        </p:cTn>
-                                        <p:tgtEl>
-                                          <p:spTgt spid="10"/>
-                                        </p:tgtEl>
-                                        <p:attrNameLst>
-                                          <p:attrName>style.visibility</p:attrName>
-                                        </p:attrNameLst>
-                                      </p:cBhvr>
-                                      <p:to>
-                                        <p:strVal val="visible"/>
-                                      </p:to>
-                                    </p:set>
-                                    <p:animEffect transition="in" filter="wipe(down)">
-                                      <p:cBhvr>
-                                        <p:cTn id="11" dur="500"/>
-                                        <p:tgtEl>
-                                          <p:spTgt spid="10"/>
-                                        </p:tgtEl>
-                                      </p:cBhvr>
-                                    </p:animEffect>
-                                  </p:childTnLst>
-                                </p:cTn>
-                              </p:par>
-                            </p:childTnLst>
-                          </p:cTn>
-                        </p:par>
-                      </p:childTnLst>
-                    </p:cTn>
-                  </p:par>
-                  <p:par>
-                    <p:cTn id="12" fill="hold">
-                      <p:stCondLst>
-                        <p:cond delay="indefinite"/>
-                      </p:stCondLst>
-                      <p:childTnLst>
-                        <p:par>
-                          <p:cTn id="13" fill="hold">
-                            <p:stCondLst>
-                              <p:cond delay="0"/>
-                            </p:stCondLst>
-                            <p:childTnLst>
-                              <p:par>
-                                <p:cTn id="14" presetID="22" presetClass="entr" presetSubtype="4" fill="hold" grpId="0" nodeType="clickEffect">
-                                  <p:stCondLst>
-                                    <p:cond delay="0"/>
-                                  </p:stCondLst>
-                                  <p:childTnLst>
-                                    <p:set>
-                                      <p:cBhvr>
-                                        <p:cTn id="15" dur="1" fill="hold">
-                                          <p:stCondLst>
-                                            <p:cond delay="0"/>
-                                          </p:stCondLst>
-                                        </p:cTn>
-                                        <p:tgtEl>
-                                          <p:spTgt spid="11"/>
-                                        </p:tgtEl>
-                                        <p:attrNameLst>
-                                          <p:attrName>style.visibility</p:attrName>
-                                        </p:attrNameLst>
-                                      </p:cBhvr>
-                                      <p:to>
-                                        <p:strVal val="visible"/>
-                                      </p:to>
-                                    </p:set>
-                                    <p:animEffect transition="in" filter="wipe(down)">
-                                      <p:cBhvr>
-                                        <p:cTn id="16" dur="500"/>
-                                        <p:tgtEl>
-                                          <p:spTgt spid="11"/>
-                                        </p:tgtEl>
-                                      </p:cBhvr>
-                                    </p:animEffect>
-                                  </p:childTnLst>
-                                </p:cTn>
-                              </p:par>
-                            </p:childTnLst>
-                          </p:cTn>
-                        </p:par>
-                      </p:childTnLst>
-                    </p:cTn>
-                  </p:par>
-                </p:childTnLst>
-              </p:cTn>
-              <p:prevCondLst>
-                <p:cond evt="onPrev" delay="0">
-                  <p:tgtEl>
-                    <p:sldTgt/>
-                  </p:tgtEl>
-                </p:cond>
-              </p:prevCondLst>
-              <p:nextCondLst>
-                <p:cond evt="onNext" delay="0">
-                  <p:tgtEl>
-                    <p:sldTgt/>
-                  </p:tgtEl>
-                </p:cond>
-              </p:nextCondLst>
-            </p:seq>
-          </p:childTnLst>
-        </p:cTn>
-      </p:par>
-    </p:tnLst>
-    <p:bldLst>
-      <p:bldP spid="9" grpId="0"/>
-      <p:bldP spid="10" grpId="0"/>
-      <p:bldP spid="11" grpId="0"/>
-    </p:bldLst>
-  </p:timing>
 </p:sld>
 </file>
 
@@ -7961,14 +8036,908 @@
       </p:grpSpPr>
       <p:sp>
         <p:nvSpPr>
+          <p:cNvPr id="6" name="标题 1"/>
+          <p:cNvSpPr txBox="1">
+            <a:spLocks/>
+          </p:cNvSpPr>
+          <p:nvPr/>
+        </p:nvSpPr>
+        <p:spPr>
+          <a:xfrm>
+            <a:off x="677334" y="609600"/>
+            <a:ext cx="4210672" cy="897466"/>
+          </a:xfrm>
+          <a:prstGeom prst="rect">
+            <a:avLst/>
+          </a:prstGeom>
+        </p:spPr>
+        <p:txBody>
+          <a:bodyPr vert="horz" lIns="91440" tIns="45720" rIns="91440" bIns="45720" rtlCol="0" anchor="t">
+            <a:normAutofit/>
+          </a:bodyPr>
+          <a:lstStyle>
+            <a:lvl1pPr algn="l" defTabSz="457200" rtl="0" eaLnBrk="1" latinLnBrk="0" hangingPunct="1">
+              <a:spcBef>
+                <a:spcPct val="0"/>
+              </a:spcBef>
+              <a:buNone/>
+              <a:defRPr sz="3600" kern="1200">
+                <a:solidFill>
+                  <a:schemeClr val="accent1"/>
+                </a:solidFill>
+                <a:latin typeface="+mj-lt"/>
+                <a:ea typeface="+mj-ea"/>
+                <a:cs typeface="+mj-cs"/>
+              </a:defRPr>
+            </a:lvl1pPr>
+            <a:lvl2pPr eaLnBrk="1" hangingPunct="1">
+              <a:defRPr>
+                <a:solidFill>
+                  <a:schemeClr val="tx2"/>
+                </a:solidFill>
+              </a:defRPr>
+            </a:lvl2pPr>
+            <a:lvl3pPr eaLnBrk="1" hangingPunct="1">
+              <a:defRPr>
+                <a:solidFill>
+                  <a:schemeClr val="tx2"/>
+                </a:solidFill>
+              </a:defRPr>
+            </a:lvl3pPr>
+            <a:lvl4pPr eaLnBrk="1" hangingPunct="1">
+              <a:defRPr>
+                <a:solidFill>
+                  <a:schemeClr val="tx2"/>
+                </a:solidFill>
+              </a:defRPr>
+            </a:lvl4pPr>
+            <a:lvl5pPr eaLnBrk="1" hangingPunct="1">
+              <a:defRPr>
+                <a:solidFill>
+                  <a:schemeClr val="tx2"/>
+                </a:solidFill>
+              </a:defRPr>
+            </a:lvl5pPr>
+            <a:lvl6pPr eaLnBrk="1" hangingPunct="1">
+              <a:defRPr>
+                <a:solidFill>
+                  <a:schemeClr val="tx2"/>
+                </a:solidFill>
+              </a:defRPr>
+            </a:lvl6pPr>
+            <a:lvl7pPr eaLnBrk="1" hangingPunct="1">
+              <a:defRPr>
+                <a:solidFill>
+                  <a:schemeClr val="tx2"/>
+                </a:solidFill>
+              </a:defRPr>
+            </a:lvl7pPr>
+            <a:lvl8pPr eaLnBrk="1" hangingPunct="1">
+              <a:defRPr>
+                <a:solidFill>
+                  <a:schemeClr val="tx2"/>
+                </a:solidFill>
+              </a:defRPr>
+            </a:lvl8pPr>
+            <a:lvl9pPr eaLnBrk="1" hangingPunct="1">
+              <a:defRPr>
+                <a:solidFill>
+                  <a:schemeClr val="tx2"/>
+                </a:solidFill>
+              </a:defRPr>
+            </a:lvl9pPr>
+          </a:lstStyle>
+          <a:p>
+            <a:r>
+              <a:rPr kumimoji="1" lang="zh-CN" altLang="en-US" sz="4400" b="1" dirty="0">
+                <a:latin typeface="微软雅黑" panose="020B0503020204020204" pitchFamily="34" charset="-122"/>
+                <a:ea typeface="微软雅黑" panose="020B0503020204020204" pitchFamily="34" charset="-122"/>
+                <a:cs typeface="STXingkai" charset="-122"/>
+              </a:rPr>
+              <a:t>总结与展望</a:t>
+            </a:r>
+            <a:endParaRPr kumimoji="1" lang="zh-CN" altLang="en-US" sz="4400" dirty="0">
+              <a:latin typeface="STXingkai" charset="-122"/>
+              <a:ea typeface="STXingkai" charset="-122"/>
+              <a:cs typeface="STXingkai" charset="-122"/>
+            </a:endParaRPr>
+          </a:p>
+        </p:txBody>
+      </p:sp>
+      <p:sp>
+        <p:nvSpPr>
+          <p:cNvPr id="2" name="Rectangle 2"/>
+          <p:cNvSpPr>
+            <a:spLocks noChangeArrowheads="1"/>
+          </p:cNvSpPr>
+          <p:nvPr/>
+        </p:nvSpPr>
+        <p:spPr bwMode="auto">
+          <a:xfrm>
+            <a:off x="1591563" y="1287609"/>
+            <a:ext cx="18115257" cy="45719"/>
+          </a:xfrm>
+          <a:prstGeom prst="rect">
+            <a:avLst/>
+          </a:prstGeom>
+          <a:noFill/>
+          <a:ln>
+            <a:noFill/>
+          </a:ln>
+          <a:effectLst/>
+          <a:extLst>
+            <a:ext uri="{909E8E84-426E-40DD-AFC4-6F175D3DCCD1}">
+              <a14:hiddenFill xmlns:a14="http://schemas.microsoft.com/office/drawing/2010/main">
+                <a:solidFill>
+                  <a:schemeClr val="accent1"/>
+                </a:solidFill>
+              </a14:hiddenFill>
+            </a:ext>
+            <a:ext uri="{91240B29-F687-4F45-9708-019B960494DF}">
+              <a14:hiddenLine xmlns:a14="http://schemas.microsoft.com/office/drawing/2010/main" w="9525">
+                <a:solidFill>
+                  <a:schemeClr val="tx1"/>
+                </a:solidFill>
+                <a:miter lim="800000"/>
+                <a:headEnd/>
+                <a:tailEnd/>
+              </a14:hiddenLine>
+            </a:ext>
+            <a:ext uri="{AF507438-7753-43E0-B8FC-AC1667EBCBE1}">
+              <a14:hiddenEffects xmlns:a14="http://schemas.microsoft.com/office/drawing/2010/main">
+                <a:effectLst>
+                  <a:outerShdw blurRad="63500" dist="38099" dir="2700000" algn="ctr" rotWithShape="0">
+                    <a:schemeClr val="bg2">
+                      <a:alpha val="74998"/>
+                    </a:schemeClr>
+                  </a:outerShdw>
+                </a:effectLst>
+              </a14:hiddenEffects>
+            </a:ext>
+          </a:extLst>
+        </p:spPr>
+        <p:txBody>
+          <a:bodyPr vert="horz" wrap="square" lIns="91440" tIns="45720" rIns="91440" bIns="45720" numCol="1" anchor="ctr" anchorCtr="0" compatLnSpc="1">
+            <a:prstTxWarp prst="textNoShape">
+              <a:avLst/>
+            </a:prstTxWarp>
+            <a:spAutoFit/>
+          </a:bodyPr>
+          <a:lstStyle/>
+          <a:p>
+            <a:endParaRPr lang="zh-CN" altLang="en-US"/>
+          </a:p>
+        </p:txBody>
+      </p:sp>
+      <p:sp>
+        <p:nvSpPr>
+          <p:cNvPr id="3" name="Rectangle 3"/>
+          <p:cNvSpPr>
+            <a:spLocks noChangeArrowheads="1"/>
+          </p:cNvSpPr>
+          <p:nvPr/>
+        </p:nvSpPr>
+        <p:spPr bwMode="auto">
+          <a:xfrm>
+            <a:off x="0" y="0"/>
+            <a:ext cx="12192000" cy="457200"/>
+          </a:xfrm>
+          <a:prstGeom prst="rect">
+            <a:avLst/>
+          </a:prstGeom>
+          <a:noFill/>
+          <a:ln>
+            <a:noFill/>
+          </a:ln>
+          <a:effectLst/>
+          <a:extLst>
+            <a:ext uri="{909E8E84-426E-40DD-AFC4-6F175D3DCCD1}">
+              <a14:hiddenFill xmlns:a14="http://schemas.microsoft.com/office/drawing/2010/main">
+                <a:solidFill>
+                  <a:schemeClr val="accent1"/>
+                </a:solidFill>
+              </a14:hiddenFill>
+            </a:ext>
+            <a:ext uri="{91240B29-F687-4F45-9708-019B960494DF}">
+              <a14:hiddenLine xmlns:a14="http://schemas.microsoft.com/office/drawing/2010/main" w="9525">
+                <a:solidFill>
+                  <a:schemeClr val="tx1"/>
+                </a:solidFill>
+                <a:miter lim="800000"/>
+                <a:headEnd/>
+                <a:tailEnd/>
+              </a14:hiddenLine>
+            </a:ext>
+            <a:ext uri="{AF507438-7753-43E0-B8FC-AC1667EBCBE1}">
+              <a14:hiddenEffects xmlns:a14="http://schemas.microsoft.com/office/drawing/2010/main">
+                <a:effectLst>
+                  <a:outerShdw dist="35921" dir="2700000" algn="ctr" rotWithShape="0">
+                    <a:schemeClr val="bg2"/>
+                  </a:outerShdw>
+                </a:effectLst>
+              </a14:hiddenEffects>
+            </a:ext>
+          </a:extLst>
+        </p:spPr>
+        <p:txBody>
+          <a:bodyPr vert="horz" wrap="none" lIns="91440" tIns="45720" rIns="91440" bIns="45720" numCol="1" anchor="ctr" anchorCtr="0" compatLnSpc="1">
+            <a:prstTxWarp prst="textNoShape">
+              <a:avLst/>
+            </a:prstTxWarp>
+            <a:spAutoFit/>
+          </a:bodyPr>
+          <a:lstStyle/>
+          <a:p>
+            <a:endParaRPr lang="zh-CN" altLang="en-US"/>
+          </a:p>
+        </p:txBody>
+      </p:sp>
+      <p:sp>
+        <p:nvSpPr>
+          <p:cNvPr id="7" name="内容占位符 2"/>
+          <p:cNvSpPr>
+            <a:spLocks noGrp="1"/>
+          </p:cNvSpPr>
+          <p:nvPr>
+            <p:ph idx="1"/>
+          </p:nvPr>
+        </p:nvSpPr>
+        <p:spPr>
+          <a:xfrm>
+            <a:off x="-319253" y="1505162"/>
+            <a:ext cx="6515100" cy="820271"/>
+          </a:xfrm>
+        </p:spPr>
+        <p:txBody>
+          <a:bodyPr>
+            <a:noAutofit/>
+          </a:bodyPr>
+          <a:lstStyle/>
+          <a:p>
+            <a:pPr lvl="3"/>
+            <a:r>
+              <a:rPr lang="en-US" altLang="zh-CN" sz="3400" b="1" dirty="0">
+                <a:latin typeface="微软雅黑" panose="020B0503020204020204" pitchFamily="34" charset="-122"/>
+                <a:ea typeface="微软雅黑" panose="020B0503020204020204" pitchFamily="34" charset="-122"/>
+              </a:rPr>
+              <a:t>   </a:t>
+            </a:r>
+            <a:r>
+              <a:rPr lang="zh-CN" altLang="en-US" sz="3400" b="1" dirty="0">
+                <a:latin typeface="微软雅黑" panose="020B0503020204020204" pitchFamily="34" charset="-122"/>
+                <a:ea typeface="微软雅黑" panose="020B0503020204020204" pitchFamily="34" charset="-122"/>
+              </a:rPr>
+              <a:t>完成工作</a:t>
+            </a:r>
+            <a:endParaRPr lang="zh-CN" altLang="zh-CN" sz="3400" b="1" dirty="0">
+              <a:latin typeface="微软雅黑" panose="020B0503020204020204" pitchFamily="34" charset="-122"/>
+              <a:ea typeface="微软雅黑" panose="020B0503020204020204" pitchFamily="34" charset="-122"/>
+            </a:endParaRPr>
+          </a:p>
+        </p:txBody>
+      </p:sp>
+      <p:sp>
+        <p:nvSpPr>
+          <p:cNvPr id="9" name="矩形 8"/>
+          <p:cNvSpPr/>
+          <p:nvPr/>
+        </p:nvSpPr>
+        <p:spPr>
+          <a:xfrm>
+            <a:off x="2050518" y="2287080"/>
+            <a:ext cx="7217468" cy="4031873"/>
+          </a:xfrm>
+          <a:prstGeom prst="rect">
+            <a:avLst/>
+          </a:prstGeom>
+        </p:spPr>
+        <p:txBody>
+          <a:bodyPr wrap="square">
+            <a:spAutoFit/>
+          </a:bodyPr>
+          <a:lstStyle/>
+          <a:p>
+            <a:pPr marL="571500" indent="-571500">
+              <a:lnSpc>
+                <a:spcPct val="200000"/>
+              </a:lnSpc>
+              <a:buFont typeface="+mj-lt"/>
+              <a:buAutoNum type="arabicPeriod"/>
+            </a:pPr>
+            <a:r>
+              <a:rPr lang="zh-CN" altLang="en-US" sz="3200" dirty="0">
+                <a:solidFill>
+                  <a:schemeClr val="bg2">
+                    <a:lumMod val="10000"/>
+                  </a:schemeClr>
+                </a:solidFill>
+                <a:latin typeface="微软雅黑" panose="020B0503020204020204" pitchFamily="34" charset="-122"/>
+                <a:ea typeface="微软雅黑" panose="020B0503020204020204" pitchFamily="34" charset="-122"/>
+              </a:rPr>
+              <a:t>公交实时位置检测与查询</a:t>
+            </a:r>
+            <a:endParaRPr lang="en-US" altLang="zh-CN" sz="3200" dirty="0">
+              <a:solidFill>
+                <a:schemeClr val="bg2">
+                  <a:lumMod val="10000"/>
+                </a:schemeClr>
+              </a:solidFill>
+              <a:latin typeface="微软雅黑" panose="020B0503020204020204" pitchFamily="34" charset="-122"/>
+              <a:ea typeface="微软雅黑" panose="020B0503020204020204" pitchFamily="34" charset="-122"/>
+            </a:endParaRPr>
+          </a:p>
+          <a:p>
+            <a:pPr marL="571500" indent="-571500">
+              <a:lnSpc>
+                <a:spcPct val="200000"/>
+              </a:lnSpc>
+              <a:buFont typeface="+mj-lt"/>
+              <a:buAutoNum type="arabicPeriod"/>
+            </a:pPr>
+            <a:r>
+              <a:rPr lang="zh-CN" altLang="en-US" sz="3200" dirty="0">
+                <a:solidFill>
+                  <a:schemeClr val="bg2">
+                    <a:lumMod val="10000"/>
+                  </a:schemeClr>
+                </a:solidFill>
+                <a:latin typeface="微软雅黑" panose="020B0503020204020204" pitchFamily="34" charset="-122"/>
+                <a:ea typeface="微软雅黑" panose="020B0503020204020204" pitchFamily="34" charset="-122"/>
+              </a:rPr>
+              <a:t>公交空余座位检测与查询</a:t>
+            </a:r>
+            <a:endParaRPr lang="en-US" altLang="zh-CN" sz="3200" dirty="0">
+              <a:solidFill>
+                <a:schemeClr val="bg2">
+                  <a:lumMod val="10000"/>
+                </a:schemeClr>
+              </a:solidFill>
+              <a:latin typeface="微软雅黑" panose="020B0503020204020204" pitchFamily="34" charset="-122"/>
+              <a:ea typeface="微软雅黑" panose="020B0503020204020204" pitchFamily="34" charset="-122"/>
+            </a:endParaRPr>
+          </a:p>
+          <a:p>
+            <a:pPr marL="571500" indent="-571500">
+              <a:lnSpc>
+                <a:spcPct val="200000"/>
+              </a:lnSpc>
+              <a:buFont typeface="+mj-lt"/>
+              <a:buAutoNum type="arabicPeriod"/>
+            </a:pPr>
+            <a:r>
+              <a:rPr lang="zh-CN" altLang="en-US" sz="3200" dirty="0">
+                <a:solidFill>
+                  <a:schemeClr val="bg2">
+                    <a:lumMod val="10000"/>
+                  </a:schemeClr>
+                </a:solidFill>
+                <a:latin typeface="微软雅黑" panose="020B0503020204020204" pitchFamily="34" charset="-122"/>
+                <a:ea typeface="微软雅黑" panose="020B0503020204020204" pitchFamily="34" charset="-122"/>
+              </a:rPr>
+              <a:t>管理员端公交数据报表</a:t>
+            </a:r>
+            <a:endParaRPr lang="en-US" altLang="zh-CN" sz="3200" dirty="0">
+              <a:solidFill>
+                <a:schemeClr val="bg2">
+                  <a:lumMod val="10000"/>
+                </a:schemeClr>
+              </a:solidFill>
+              <a:latin typeface="微软雅黑" panose="020B0503020204020204" pitchFamily="34" charset="-122"/>
+              <a:ea typeface="微软雅黑" panose="020B0503020204020204" pitchFamily="34" charset="-122"/>
+            </a:endParaRPr>
+          </a:p>
+          <a:p>
+            <a:pPr marL="571500" indent="-571500">
+              <a:lnSpc>
+                <a:spcPct val="200000"/>
+              </a:lnSpc>
+              <a:buFont typeface="+mj-lt"/>
+              <a:buAutoNum type="arabicPeriod"/>
+            </a:pPr>
+            <a:r>
+              <a:rPr lang="zh-CN" altLang="en-US" sz="3200" dirty="0">
+                <a:solidFill>
+                  <a:schemeClr val="bg2">
+                    <a:lumMod val="10000"/>
+                  </a:schemeClr>
+                </a:solidFill>
+                <a:latin typeface="微软雅黑" panose="020B0503020204020204" pitchFamily="34" charset="-122"/>
+                <a:ea typeface="微软雅黑" panose="020B0503020204020204" pitchFamily="34" charset="-122"/>
+              </a:rPr>
+              <a:t>路线规划、信息维护等辅助功能</a:t>
+            </a:r>
+            <a:endParaRPr lang="en-US" altLang="zh-CN" sz="3200" dirty="0">
+              <a:solidFill>
+                <a:schemeClr val="bg2">
+                  <a:lumMod val="10000"/>
+                </a:schemeClr>
+              </a:solidFill>
+              <a:latin typeface="微软雅黑" panose="020B0503020204020204" pitchFamily="34" charset="-122"/>
+              <a:ea typeface="微软雅黑" panose="020B0503020204020204" pitchFamily="34" charset="-122"/>
+            </a:endParaRPr>
+          </a:p>
+        </p:txBody>
+      </p:sp>
+    </p:spTree>
+    <p:extLst>
+      <p:ext uri="{BB962C8B-B14F-4D97-AF65-F5344CB8AC3E}">
+        <p14:creationId xmlns:p14="http://schemas.microsoft.com/office/powerpoint/2010/main" val="1367276059"/>
+      </p:ext>
+    </p:extLst>
+  </p:cSld>
+  <p:clrMapOvr>
+    <a:masterClrMapping/>
+  </p:clrMapOvr>
+</p:sld>
+</file>
+
+<file path=ppt/slides/slide14.xml><?xml version="1.0" encoding="utf-8"?>
+<p:sld xmlns:a="http://schemas.openxmlformats.org/drawingml/2006/main" xmlns:r="http://schemas.openxmlformats.org/officeDocument/2006/relationships" xmlns:p="http://schemas.openxmlformats.org/presentationml/2006/main">
+  <p:cSld>
+    <p:spTree>
+      <p:nvGrpSpPr>
+        <p:cNvPr id="1" name=""/>
+        <p:cNvGrpSpPr/>
+        <p:nvPr/>
+      </p:nvGrpSpPr>
+      <p:grpSpPr>
+        <a:xfrm>
+          <a:off x="0" y="0"/>
+          <a:ext cx="0" cy="0"/>
+          <a:chOff x="0" y="0"/>
+          <a:chExt cx="0" cy="0"/>
+        </a:xfrm>
+      </p:grpSpPr>
+      <p:sp>
+        <p:nvSpPr>
+          <p:cNvPr id="6" name="标题 1"/>
+          <p:cNvSpPr txBox="1">
+            <a:spLocks/>
+          </p:cNvSpPr>
+          <p:nvPr/>
+        </p:nvSpPr>
+        <p:spPr>
+          <a:xfrm>
+            <a:off x="677334" y="609600"/>
+            <a:ext cx="4210672" cy="897466"/>
+          </a:xfrm>
+          <a:prstGeom prst="rect">
+            <a:avLst/>
+          </a:prstGeom>
+        </p:spPr>
+        <p:txBody>
+          <a:bodyPr vert="horz" lIns="91440" tIns="45720" rIns="91440" bIns="45720" rtlCol="0" anchor="t">
+            <a:normAutofit/>
+          </a:bodyPr>
+          <a:lstStyle>
+            <a:lvl1pPr algn="l" defTabSz="457200" rtl="0" eaLnBrk="1" latinLnBrk="0" hangingPunct="1">
+              <a:spcBef>
+                <a:spcPct val="0"/>
+              </a:spcBef>
+              <a:buNone/>
+              <a:defRPr sz="3600" kern="1200">
+                <a:solidFill>
+                  <a:schemeClr val="accent1"/>
+                </a:solidFill>
+                <a:latin typeface="+mj-lt"/>
+                <a:ea typeface="+mj-ea"/>
+                <a:cs typeface="+mj-cs"/>
+              </a:defRPr>
+            </a:lvl1pPr>
+            <a:lvl2pPr eaLnBrk="1" hangingPunct="1">
+              <a:defRPr>
+                <a:solidFill>
+                  <a:schemeClr val="tx2"/>
+                </a:solidFill>
+              </a:defRPr>
+            </a:lvl2pPr>
+            <a:lvl3pPr eaLnBrk="1" hangingPunct="1">
+              <a:defRPr>
+                <a:solidFill>
+                  <a:schemeClr val="tx2"/>
+                </a:solidFill>
+              </a:defRPr>
+            </a:lvl3pPr>
+            <a:lvl4pPr eaLnBrk="1" hangingPunct="1">
+              <a:defRPr>
+                <a:solidFill>
+                  <a:schemeClr val="tx2"/>
+                </a:solidFill>
+              </a:defRPr>
+            </a:lvl4pPr>
+            <a:lvl5pPr eaLnBrk="1" hangingPunct="1">
+              <a:defRPr>
+                <a:solidFill>
+                  <a:schemeClr val="tx2"/>
+                </a:solidFill>
+              </a:defRPr>
+            </a:lvl5pPr>
+            <a:lvl6pPr eaLnBrk="1" hangingPunct="1">
+              <a:defRPr>
+                <a:solidFill>
+                  <a:schemeClr val="tx2"/>
+                </a:solidFill>
+              </a:defRPr>
+            </a:lvl6pPr>
+            <a:lvl7pPr eaLnBrk="1" hangingPunct="1">
+              <a:defRPr>
+                <a:solidFill>
+                  <a:schemeClr val="tx2"/>
+                </a:solidFill>
+              </a:defRPr>
+            </a:lvl7pPr>
+            <a:lvl8pPr eaLnBrk="1" hangingPunct="1">
+              <a:defRPr>
+                <a:solidFill>
+                  <a:schemeClr val="tx2"/>
+                </a:solidFill>
+              </a:defRPr>
+            </a:lvl8pPr>
+            <a:lvl9pPr eaLnBrk="1" hangingPunct="1">
+              <a:defRPr>
+                <a:solidFill>
+                  <a:schemeClr val="tx2"/>
+                </a:solidFill>
+              </a:defRPr>
+            </a:lvl9pPr>
+          </a:lstStyle>
+          <a:p>
+            <a:r>
+              <a:rPr kumimoji="1" lang="zh-CN" altLang="en-US" sz="4400" b="1" dirty="0">
+                <a:latin typeface="微软雅黑" panose="020B0503020204020204" pitchFamily="34" charset="-122"/>
+                <a:ea typeface="微软雅黑" panose="020B0503020204020204" pitchFamily="34" charset="-122"/>
+                <a:cs typeface="STXingkai" charset="-122"/>
+              </a:rPr>
+              <a:t>总结与展望</a:t>
+            </a:r>
+            <a:endParaRPr kumimoji="1" lang="zh-CN" altLang="en-US" sz="4400" dirty="0">
+              <a:latin typeface="STXingkai" charset="-122"/>
+              <a:ea typeface="STXingkai" charset="-122"/>
+              <a:cs typeface="STXingkai" charset="-122"/>
+            </a:endParaRPr>
+          </a:p>
+        </p:txBody>
+      </p:sp>
+      <p:sp>
+        <p:nvSpPr>
+          <p:cNvPr id="2" name="Rectangle 2"/>
+          <p:cNvSpPr>
+            <a:spLocks noChangeArrowheads="1"/>
+          </p:cNvSpPr>
+          <p:nvPr/>
+        </p:nvSpPr>
+        <p:spPr bwMode="auto">
+          <a:xfrm>
+            <a:off x="1591563" y="1287609"/>
+            <a:ext cx="18115257" cy="45719"/>
+          </a:xfrm>
+          <a:prstGeom prst="rect">
+            <a:avLst/>
+          </a:prstGeom>
+          <a:noFill/>
+          <a:ln>
+            <a:noFill/>
+          </a:ln>
+          <a:effectLst/>
+          <a:extLst>
+            <a:ext uri="{909E8E84-426E-40DD-AFC4-6F175D3DCCD1}">
+              <a14:hiddenFill xmlns:a14="http://schemas.microsoft.com/office/drawing/2010/main">
+                <a:solidFill>
+                  <a:schemeClr val="accent1"/>
+                </a:solidFill>
+              </a14:hiddenFill>
+            </a:ext>
+            <a:ext uri="{91240B29-F687-4F45-9708-019B960494DF}">
+              <a14:hiddenLine xmlns:a14="http://schemas.microsoft.com/office/drawing/2010/main" w="9525">
+                <a:solidFill>
+                  <a:schemeClr val="tx1"/>
+                </a:solidFill>
+                <a:miter lim="800000"/>
+                <a:headEnd/>
+                <a:tailEnd/>
+              </a14:hiddenLine>
+            </a:ext>
+            <a:ext uri="{AF507438-7753-43E0-B8FC-AC1667EBCBE1}">
+              <a14:hiddenEffects xmlns:a14="http://schemas.microsoft.com/office/drawing/2010/main">
+                <a:effectLst>
+                  <a:outerShdw blurRad="63500" dist="38099" dir="2700000" algn="ctr" rotWithShape="0">
+                    <a:schemeClr val="bg2">
+                      <a:alpha val="74998"/>
+                    </a:schemeClr>
+                  </a:outerShdw>
+                </a:effectLst>
+              </a14:hiddenEffects>
+            </a:ext>
+          </a:extLst>
+        </p:spPr>
+        <p:txBody>
+          <a:bodyPr vert="horz" wrap="square" lIns="91440" tIns="45720" rIns="91440" bIns="45720" numCol="1" anchor="ctr" anchorCtr="0" compatLnSpc="1">
+            <a:prstTxWarp prst="textNoShape">
+              <a:avLst/>
+            </a:prstTxWarp>
+            <a:spAutoFit/>
+          </a:bodyPr>
+          <a:lstStyle/>
+          <a:p>
+            <a:endParaRPr lang="zh-CN" altLang="en-US"/>
+          </a:p>
+        </p:txBody>
+      </p:sp>
+      <p:sp>
+        <p:nvSpPr>
+          <p:cNvPr id="3" name="Rectangle 3"/>
+          <p:cNvSpPr>
+            <a:spLocks noChangeArrowheads="1"/>
+          </p:cNvSpPr>
+          <p:nvPr/>
+        </p:nvSpPr>
+        <p:spPr bwMode="auto">
+          <a:xfrm>
+            <a:off x="0" y="0"/>
+            <a:ext cx="12192000" cy="457200"/>
+          </a:xfrm>
+          <a:prstGeom prst="rect">
+            <a:avLst/>
+          </a:prstGeom>
+          <a:noFill/>
+          <a:ln>
+            <a:noFill/>
+          </a:ln>
+          <a:effectLst/>
+          <a:extLst>
+            <a:ext uri="{909E8E84-426E-40DD-AFC4-6F175D3DCCD1}">
+              <a14:hiddenFill xmlns:a14="http://schemas.microsoft.com/office/drawing/2010/main">
+                <a:solidFill>
+                  <a:schemeClr val="accent1"/>
+                </a:solidFill>
+              </a14:hiddenFill>
+            </a:ext>
+            <a:ext uri="{91240B29-F687-4F45-9708-019B960494DF}">
+              <a14:hiddenLine xmlns:a14="http://schemas.microsoft.com/office/drawing/2010/main" w="9525">
+                <a:solidFill>
+                  <a:schemeClr val="tx1"/>
+                </a:solidFill>
+                <a:miter lim="800000"/>
+                <a:headEnd/>
+                <a:tailEnd/>
+              </a14:hiddenLine>
+            </a:ext>
+            <a:ext uri="{AF507438-7753-43E0-B8FC-AC1667EBCBE1}">
+              <a14:hiddenEffects xmlns:a14="http://schemas.microsoft.com/office/drawing/2010/main">
+                <a:effectLst>
+                  <a:outerShdw dist="35921" dir="2700000" algn="ctr" rotWithShape="0">
+                    <a:schemeClr val="bg2"/>
+                  </a:outerShdw>
+                </a:effectLst>
+              </a14:hiddenEffects>
+            </a:ext>
+          </a:extLst>
+        </p:spPr>
+        <p:txBody>
+          <a:bodyPr vert="horz" wrap="none" lIns="91440" tIns="45720" rIns="91440" bIns="45720" numCol="1" anchor="ctr" anchorCtr="0" compatLnSpc="1">
+            <a:prstTxWarp prst="textNoShape">
+              <a:avLst/>
+            </a:prstTxWarp>
+            <a:spAutoFit/>
+          </a:bodyPr>
+          <a:lstStyle/>
+          <a:p>
+            <a:endParaRPr lang="zh-CN" altLang="en-US"/>
+          </a:p>
+        </p:txBody>
+      </p:sp>
+      <p:sp>
+        <p:nvSpPr>
+          <p:cNvPr id="7" name="内容占位符 2"/>
+          <p:cNvSpPr>
+            <a:spLocks noGrp="1"/>
+          </p:cNvSpPr>
+          <p:nvPr>
+            <p:ph idx="1"/>
+          </p:nvPr>
+        </p:nvSpPr>
+        <p:spPr>
+          <a:xfrm>
+            <a:off x="-319253" y="1528409"/>
+            <a:ext cx="6515100" cy="820271"/>
+          </a:xfrm>
+        </p:spPr>
+        <p:txBody>
+          <a:bodyPr>
+            <a:noAutofit/>
+          </a:bodyPr>
+          <a:lstStyle/>
+          <a:p>
+            <a:pPr lvl="3"/>
+            <a:r>
+              <a:rPr lang="en-US" altLang="zh-CN" sz="3400" b="1" dirty="0">
+                <a:latin typeface="微软雅黑" panose="020B0503020204020204" pitchFamily="34" charset="-122"/>
+                <a:ea typeface="微软雅黑" panose="020B0503020204020204" pitchFamily="34" charset="-122"/>
+              </a:rPr>
+              <a:t>   </a:t>
+            </a:r>
+            <a:r>
+              <a:rPr lang="zh-CN" altLang="en-US" sz="3400" b="1" dirty="0">
+                <a:latin typeface="微软雅黑" panose="020B0503020204020204" pitchFamily="34" charset="-122"/>
+                <a:ea typeface="微软雅黑" panose="020B0503020204020204" pitchFamily="34" charset="-122"/>
+              </a:rPr>
+              <a:t>项目展望</a:t>
+            </a:r>
+            <a:endParaRPr lang="zh-CN" altLang="zh-CN" sz="3400" b="1" dirty="0">
+              <a:latin typeface="微软雅黑" panose="020B0503020204020204" pitchFamily="34" charset="-122"/>
+              <a:ea typeface="微软雅黑" panose="020B0503020204020204" pitchFamily="34" charset="-122"/>
+            </a:endParaRPr>
+          </a:p>
+        </p:txBody>
+      </p:sp>
+      <p:sp>
+        <p:nvSpPr>
+          <p:cNvPr id="9" name="矩形 8"/>
+          <p:cNvSpPr/>
+          <p:nvPr/>
+        </p:nvSpPr>
+        <p:spPr>
+          <a:xfrm>
+            <a:off x="2050518" y="2287080"/>
+            <a:ext cx="7806404" cy="4031873"/>
+          </a:xfrm>
+          <a:prstGeom prst="rect">
+            <a:avLst/>
+          </a:prstGeom>
+        </p:spPr>
+        <p:txBody>
+          <a:bodyPr wrap="square">
+            <a:spAutoFit/>
+          </a:bodyPr>
+          <a:lstStyle/>
+          <a:p>
+            <a:pPr marL="571500" indent="-571500">
+              <a:lnSpc>
+                <a:spcPct val="200000"/>
+              </a:lnSpc>
+              <a:buFont typeface="+mj-lt"/>
+              <a:buAutoNum type="arabicPeriod"/>
+            </a:pPr>
+            <a:r>
+              <a:rPr lang="zh-CN" altLang="en-US" sz="3200" dirty="0">
+                <a:solidFill>
+                  <a:schemeClr val="bg2">
+                    <a:lumMod val="10000"/>
+                  </a:schemeClr>
+                </a:solidFill>
+                <a:latin typeface="微软雅黑" panose="020B0503020204020204" pitchFamily="34" charset="-122"/>
+                <a:ea typeface="微软雅黑" panose="020B0503020204020204" pitchFamily="34" charset="-122"/>
+              </a:rPr>
+              <a:t>完善公交大数据分析</a:t>
+            </a:r>
+            <a:endParaRPr lang="en-US" altLang="zh-CN" sz="3200" dirty="0">
+              <a:solidFill>
+                <a:schemeClr val="bg2">
+                  <a:lumMod val="10000"/>
+                </a:schemeClr>
+              </a:solidFill>
+              <a:latin typeface="微软雅黑" panose="020B0503020204020204" pitchFamily="34" charset="-122"/>
+              <a:ea typeface="微软雅黑" panose="020B0503020204020204" pitchFamily="34" charset="-122"/>
+            </a:endParaRPr>
+          </a:p>
+          <a:p>
+            <a:pPr marL="571500" indent="-571500">
+              <a:lnSpc>
+                <a:spcPct val="200000"/>
+              </a:lnSpc>
+              <a:buFont typeface="+mj-lt"/>
+              <a:buAutoNum type="arabicPeriod"/>
+            </a:pPr>
+            <a:r>
+              <a:rPr lang="zh-CN" altLang="en-US" sz="3200" dirty="0">
+                <a:solidFill>
+                  <a:schemeClr val="bg2">
+                    <a:lumMod val="10000"/>
+                  </a:schemeClr>
+                </a:solidFill>
+                <a:latin typeface="微软雅黑" panose="020B0503020204020204" pitchFamily="34" charset="-122"/>
+                <a:ea typeface="微软雅黑" panose="020B0503020204020204" pitchFamily="34" charset="-122"/>
+              </a:rPr>
+              <a:t>系统高并发优化</a:t>
+            </a:r>
+            <a:endParaRPr lang="en-US" altLang="zh-CN" sz="3200" dirty="0">
+              <a:solidFill>
+                <a:schemeClr val="bg2">
+                  <a:lumMod val="10000"/>
+                </a:schemeClr>
+              </a:solidFill>
+              <a:latin typeface="微软雅黑" panose="020B0503020204020204" pitchFamily="34" charset="-122"/>
+              <a:ea typeface="微软雅黑" panose="020B0503020204020204" pitchFamily="34" charset="-122"/>
+            </a:endParaRPr>
+          </a:p>
+          <a:p>
+            <a:pPr marL="571500" indent="-571500">
+              <a:lnSpc>
+                <a:spcPct val="200000"/>
+              </a:lnSpc>
+              <a:buFont typeface="+mj-lt"/>
+              <a:buAutoNum type="arabicPeriod"/>
+            </a:pPr>
+            <a:r>
+              <a:rPr lang="zh-CN" altLang="en-US" sz="3200" dirty="0">
+                <a:solidFill>
+                  <a:schemeClr val="bg2">
+                    <a:lumMod val="10000"/>
+                  </a:schemeClr>
+                </a:solidFill>
+                <a:latin typeface="微软雅黑" panose="020B0503020204020204" pitchFamily="34" charset="-122"/>
+                <a:ea typeface="微软雅黑" panose="020B0503020204020204" pitchFamily="34" charset="-122"/>
+              </a:rPr>
+              <a:t>多传感器融合、移动蜂窝基站辅助定位</a:t>
+            </a:r>
+            <a:endParaRPr lang="en-US" altLang="zh-CN" sz="3200" dirty="0">
+              <a:solidFill>
+                <a:schemeClr val="bg2">
+                  <a:lumMod val="10000"/>
+                </a:schemeClr>
+              </a:solidFill>
+              <a:latin typeface="微软雅黑" panose="020B0503020204020204" pitchFamily="34" charset="-122"/>
+              <a:ea typeface="微软雅黑" panose="020B0503020204020204" pitchFamily="34" charset="-122"/>
+            </a:endParaRPr>
+          </a:p>
+          <a:p>
+            <a:pPr>
+              <a:lnSpc>
+                <a:spcPct val="200000"/>
+              </a:lnSpc>
+            </a:pPr>
+            <a:endParaRPr lang="en-US" altLang="zh-CN" sz="3200" dirty="0">
+              <a:solidFill>
+                <a:schemeClr val="bg2">
+                  <a:lumMod val="10000"/>
+                </a:schemeClr>
+              </a:solidFill>
+              <a:latin typeface="微软雅黑" panose="020B0503020204020204" pitchFamily="34" charset="-122"/>
+              <a:ea typeface="微软雅黑" panose="020B0503020204020204" pitchFamily="34" charset="-122"/>
+            </a:endParaRPr>
+          </a:p>
+        </p:txBody>
+      </p:sp>
+    </p:spTree>
+    <p:extLst>
+      <p:ext uri="{BB962C8B-B14F-4D97-AF65-F5344CB8AC3E}">
+        <p14:creationId xmlns:p14="http://schemas.microsoft.com/office/powerpoint/2010/main" val="1041227805"/>
+      </p:ext>
+    </p:extLst>
+  </p:cSld>
+  <p:clrMapOvr>
+    <a:masterClrMapping/>
+  </p:clrMapOvr>
+</p:sld>
+</file>
+
+<file path=ppt/slides/slide15.xml><?xml version="1.0" encoding="utf-8"?>
+<p:sld xmlns:a="http://schemas.openxmlformats.org/drawingml/2006/main" xmlns:r="http://schemas.openxmlformats.org/officeDocument/2006/relationships" xmlns:p="http://schemas.openxmlformats.org/presentationml/2006/main">
+  <p:cSld>
+    <p:spTree>
+      <p:nvGrpSpPr>
+        <p:cNvPr id="1" name=""/>
+        <p:cNvGrpSpPr/>
+        <p:nvPr/>
+      </p:nvGrpSpPr>
+      <p:grpSpPr>
+        <a:xfrm>
+          <a:off x="0" y="0"/>
+          <a:ext cx="0" cy="0"/>
+          <a:chOff x="0" y="0"/>
+          <a:chExt cx="0" cy="0"/>
+        </a:xfrm>
+      </p:grpSpPr>
+      <p:sp>
+        <p:nvSpPr>
           <p:cNvPr id="4" name="矩形 3"/>
           <p:cNvSpPr/>
           <p:nvPr/>
         </p:nvSpPr>
         <p:spPr>
           <a:xfrm>
-            <a:off x="3829662" y="2469793"/>
-            <a:ext cx="2650084" cy="1569660"/>
+            <a:off x="4025180" y="2451219"/>
+            <a:ext cx="3877986" cy="1569660"/>
           </a:xfrm>
           <a:prstGeom prst="rect">
             <a:avLst/>
@@ -8000,8 +8969,10 @@
                   </a:schemeClr>
                 </a:solidFill>
                 <a:effectLst/>
+                <a:latin typeface="微软雅黑" panose="020B0503020204020204" pitchFamily="34" charset="-122"/>
+                <a:ea typeface="微软雅黑" panose="020B0503020204020204" pitchFamily="34" charset="-122"/>
               </a:rPr>
-              <a:t>谢谢</a:t>
+              <a:t>谢谢！</a:t>
             </a:r>
           </a:p>
         </p:txBody>
@@ -8632,10 +9603,10 @@
           <a:lstStyle/>
           <a:p>
             <a:r>
-              <a:rPr kumimoji="1" lang="zh-CN" altLang="en-US" sz="5400" dirty="0">
-                <a:latin typeface="STXingkai" charset="-122"/>
-                <a:ea typeface="STXingkai" charset="-122"/>
-                <a:cs typeface="STXingkai" charset="-122"/>
+              <a:rPr kumimoji="1" lang="zh-CN" altLang="en-US" sz="5400" b="1" dirty="0">
+                <a:latin typeface="微软雅黑" panose="020B0503020204020204" pitchFamily="34" charset="-122"/>
+                <a:ea typeface="微软雅黑" panose="020B0503020204020204" pitchFamily="34" charset="-122"/>
+                <a:cs typeface="STFangsong" charset="-122"/>
               </a:rPr>
               <a:t>主要内容</a:t>
             </a:r>
@@ -8650,8 +9621,8 @@
         </p:nvSpPr>
         <p:spPr>
           <a:xfrm>
-            <a:off x="2269953" y="2075655"/>
-            <a:ext cx="4397068" cy="707886"/>
+            <a:off x="2269952" y="1850805"/>
+            <a:ext cx="5959647" cy="707886"/>
           </a:xfrm>
           <a:prstGeom prst="rect">
             <a:avLst/>
@@ -8669,14 +9640,23 @@
               <a:buChar char="u"/>
             </a:pPr>
             <a:r>
-              <a:rPr lang="en-US" altLang="zh-CN" sz="4000" dirty="0"/>
+              <a:rPr lang="en-US" altLang="zh-CN" sz="4000" dirty="0">
+                <a:latin typeface="微软雅黑" panose="020B0503020204020204" pitchFamily="34" charset="-122"/>
+                <a:ea typeface="微软雅黑" panose="020B0503020204020204" pitchFamily="34" charset="-122"/>
+              </a:rPr>
               <a:t>  </a:t>
             </a:r>
             <a:r>
-              <a:rPr lang="zh-CN" altLang="en-US" sz="4000" dirty="0"/>
-              <a:t>项目简介</a:t>
-            </a:r>
-            <a:endParaRPr lang="en-US" altLang="zh-CN" sz="4000" dirty="0"/>
+              <a:rPr lang="zh-CN" altLang="en-US" sz="4000" dirty="0">
+                <a:latin typeface="微软雅黑" panose="020B0503020204020204" pitchFamily="34" charset="-122"/>
+                <a:ea typeface="微软雅黑" panose="020B0503020204020204" pitchFamily="34" charset="-122"/>
+              </a:rPr>
+              <a:t>项目背景及研究意义</a:t>
+            </a:r>
+            <a:endParaRPr lang="en-US" altLang="zh-CN" sz="4000" dirty="0">
+              <a:latin typeface="微软雅黑" panose="020B0503020204020204" pitchFamily="34" charset="-122"/>
+              <a:ea typeface="微软雅黑" panose="020B0503020204020204" pitchFamily="34" charset="-122"/>
+            </a:endParaRPr>
           </a:p>
         </p:txBody>
       </p:sp>
@@ -8688,8 +9668,8 @@
         </p:nvSpPr>
         <p:spPr>
           <a:xfrm>
-            <a:off x="2269953" y="3118991"/>
-            <a:ext cx="3050835" cy="707886"/>
+            <a:off x="2269953" y="2894141"/>
+            <a:ext cx="4586512" cy="707886"/>
           </a:xfrm>
           <a:prstGeom prst="rect">
             <a:avLst/>
@@ -8706,10 +9686,16 @@
               <a:buChar char="u"/>
             </a:pPr>
             <a:r>
-              <a:rPr lang="zh-CN" altLang="en-US" sz="4000" dirty="0"/>
-              <a:t>  技术介绍</a:t>
-            </a:r>
-            <a:endParaRPr lang="en-US" altLang="zh-CN" sz="4000" dirty="0"/>
+              <a:rPr lang="zh-CN" altLang="en-US" sz="4000" dirty="0">
+                <a:latin typeface="微软雅黑" panose="020B0503020204020204" pitchFamily="34" charset="-122"/>
+                <a:ea typeface="微软雅黑" panose="020B0503020204020204" pitchFamily="34" charset="-122"/>
+              </a:rPr>
+              <a:t>  系统设计及实现</a:t>
+            </a:r>
+            <a:endParaRPr lang="en-US" altLang="zh-CN" sz="4000" dirty="0">
+              <a:latin typeface="微软雅黑" panose="020B0503020204020204" pitchFamily="34" charset="-122"/>
+              <a:ea typeface="微软雅黑" panose="020B0503020204020204" pitchFamily="34" charset="-122"/>
+            </a:endParaRPr>
           </a:p>
         </p:txBody>
       </p:sp>
@@ -8721,8 +9707,8 @@
         </p:nvSpPr>
         <p:spPr>
           <a:xfrm>
-            <a:off x="2331236" y="4162327"/>
-            <a:ext cx="3050835" cy="707886"/>
+            <a:off x="2331236" y="3937477"/>
+            <a:ext cx="4073551" cy="707886"/>
           </a:xfrm>
           <a:prstGeom prst="rect">
             <a:avLst/>
@@ -8739,8 +9725,46 @@
               <a:buChar char="u"/>
             </a:pPr>
             <a:r>
-              <a:rPr lang="zh-CN" altLang="en-US" sz="4000" dirty="0"/>
-              <a:t>  系统展示</a:t>
+              <a:rPr lang="zh-CN" altLang="en-US" sz="4000" dirty="0">
+                <a:latin typeface="微软雅黑" panose="020B0503020204020204" pitchFamily="34" charset="-122"/>
+                <a:ea typeface="微软雅黑" panose="020B0503020204020204" pitchFamily="34" charset="-122"/>
+              </a:rPr>
+              <a:t>  系统成果展示</a:t>
+            </a:r>
+          </a:p>
+        </p:txBody>
+      </p:sp>
+      <p:sp>
+        <p:nvSpPr>
+          <p:cNvPr id="6" name="矩形 5"/>
+          <p:cNvSpPr/>
+          <p:nvPr/>
+        </p:nvSpPr>
+        <p:spPr>
+          <a:xfrm>
+            <a:off x="2331236" y="4980813"/>
+            <a:ext cx="3560590" cy="707886"/>
+          </a:xfrm>
+          <a:prstGeom prst="rect">
+            <a:avLst/>
+          </a:prstGeom>
+        </p:spPr>
+        <p:txBody>
+          <a:bodyPr wrap="none">
+            <a:spAutoFit/>
+          </a:bodyPr>
+          <a:lstStyle/>
+          <a:p>
+            <a:pPr marL="285750" indent="-285750">
+              <a:buFont typeface="Wingdings" panose="05000000000000000000" pitchFamily="2" charset="2"/>
+              <a:buChar char="u"/>
+            </a:pPr>
+            <a:r>
+              <a:rPr lang="zh-CN" altLang="en-US" sz="4000" dirty="0">
+                <a:latin typeface="微软雅黑" panose="020B0503020204020204" pitchFamily="34" charset="-122"/>
+                <a:ea typeface="微软雅黑" panose="020B0503020204020204" pitchFamily="34" charset="-122"/>
+              </a:rPr>
+              <a:t>  总结与展望</a:t>
             </a:r>
           </a:p>
         </p:txBody>
@@ -8922,6 +9946,59 @@
                       </p:childTnLst>
                     </p:cTn>
                   </p:par>
+                  <p:par>
+                    <p:cTn id="18" fill="hold">
+                      <p:stCondLst>
+                        <p:cond delay="indefinite"/>
+                      </p:stCondLst>
+                      <p:childTnLst>
+                        <p:par>
+                          <p:cTn id="19" fill="hold">
+                            <p:stCondLst>
+                              <p:cond delay="0"/>
+                            </p:stCondLst>
+                            <p:childTnLst>
+                              <p:par>
+                                <p:cTn id="20" presetID="16" presetClass="entr" presetSubtype="21" fill="hold" grpId="0" nodeType="clickEffect">
+                                  <p:stCondLst>
+                                    <p:cond delay="0"/>
+                                  </p:stCondLst>
+                                  <p:childTnLst>
+                                    <p:set>
+                                      <p:cBhvr>
+                                        <p:cTn id="21" dur="1" fill="hold">
+                                          <p:stCondLst>
+                                            <p:cond delay="0"/>
+                                          </p:stCondLst>
+                                        </p:cTn>
+                                        <p:tgtEl>
+                                          <p:spTgt spid="6"/>
+                                        </p:tgtEl>
+                                        <p:attrNameLst>
+                                          <p:attrName>style.visibility</p:attrName>
+                                        </p:attrNameLst>
+                                      </p:cBhvr>
+                                      <p:to>
+                                        <p:strVal val="visible"/>
+                                      </p:to>
+                                    </p:set>
+                                    <p:animEffect transition="in" filter="barn(inVertical)">
+                                      <p:cBhvr>
+                                        <p:cTn id="22" dur="500"/>
+                                        <p:tgtEl>
+                                          <p:spTgt spid="6"/>
+                                        </p:tgtEl>
+                                      </p:cBhvr>
+                                    </p:animEffect>
+                                  </p:childTnLst>
+                                </p:cTn>
+                              </p:par>
+                            </p:childTnLst>
+                          </p:cTn>
+                        </p:par>
+                      </p:childTnLst>
+                    </p:cTn>
+                  </p:par>
                 </p:childTnLst>
               </p:cTn>
               <p:prevCondLst>
@@ -8947,6 +10024,7 @@
       <p:bldP spid="9" grpId="0"/>
       <p:bldP spid="10" grpId="0"/>
       <p:bldP spid="11" grpId="0"/>
+      <p:bldP spid="6" grpId="0"/>
     </p:bldLst>
   </p:timing>
 </p:sld>
@@ -8992,13 +10070,24 @@
           <a:lstStyle/>
           <a:p>
             <a:r>
-              <a:rPr kumimoji="1" lang="zh-CN" altLang="en-US" dirty="0">
-                <a:latin typeface="STXingkai" charset="-122"/>
-                <a:ea typeface="STXingkai" charset="-122"/>
-                <a:cs typeface="STXingkai" charset="-122"/>
+              <a:rPr lang="en-US" altLang="zh-CN" sz="4400" b="1" dirty="0">
+                <a:latin typeface="微软雅黑" panose="020B0503020204020204" pitchFamily="34" charset="-122"/>
+                <a:ea typeface="微软雅黑" panose="020B0503020204020204" pitchFamily="34" charset="-122"/>
               </a:rPr>
-              <a:t>项目简介</a:t>
-            </a:r>
+              <a:t> </a:t>
+            </a:r>
+            <a:r>
+              <a:rPr lang="zh-CN" altLang="en-US" sz="4400" b="1" dirty="0">
+                <a:latin typeface="微软雅黑" panose="020B0503020204020204" pitchFamily="34" charset="-122"/>
+                <a:ea typeface="微软雅黑" panose="020B0503020204020204" pitchFamily="34" charset="-122"/>
+              </a:rPr>
+              <a:t>项目背景及研究意义</a:t>
+            </a:r>
+            <a:endParaRPr kumimoji="1" lang="zh-CN" altLang="en-US" sz="4400" b="1" dirty="0">
+              <a:latin typeface="微软雅黑" panose="020B0503020204020204" pitchFamily="34" charset="-122"/>
+              <a:ea typeface="微软雅黑" panose="020B0503020204020204" pitchFamily="34" charset="-122"/>
+              <a:cs typeface="STXingkai" charset="-122"/>
+            </a:endParaRPr>
           </a:p>
         </p:txBody>
       </p:sp>
@@ -9014,7 +10103,7 @@
         </p:nvSpPr>
         <p:spPr>
           <a:xfrm>
-            <a:off x="-134469" y="1522347"/>
+            <a:off x="-134469" y="1591961"/>
             <a:ext cx="6515100" cy="820271"/>
           </a:xfrm>
         </p:spPr>
@@ -9026,10 +10115,23 @@
           <a:p>
             <a:pPr lvl="2"/>
             <a:r>
-              <a:rPr lang="zh-CN" altLang="en-US" sz="3600" b="1" dirty="0"/>
-              <a:t>项目意义</a:t>
-            </a:r>
-            <a:endParaRPr lang="zh-CN" altLang="zh-CN" sz="3600" b="1" dirty="0"/>
+              <a:rPr lang="en-US" altLang="zh-CN" sz="3600" b="1" dirty="0">
+                <a:latin typeface="微软雅黑" panose="020B0503020204020204" pitchFamily="34" charset="-122"/>
+                <a:ea typeface="微软雅黑" panose="020B0503020204020204" pitchFamily="34" charset="-122"/>
+              </a:rPr>
+              <a:t>  </a:t>
+            </a:r>
+            <a:r>
+              <a:rPr lang="zh-CN" altLang="en-US" sz="3600" b="1" dirty="0">
+                <a:latin typeface="微软雅黑" panose="020B0503020204020204" pitchFamily="34" charset="-122"/>
+                <a:ea typeface="微软雅黑" panose="020B0503020204020204" pitchFamily="34" charset="-122"/>
+              </a:rPr>
+              <a:t>研究背景</a:t>
+            </a:r>
+            <a:endParaRPr lang="zh-CN" altLang="zh-CN" sz="3600" b="1" dirty="0">
+              <a:latin typeface="微软雅黑" panose="020B0503020204020204" pitchFamily="34" charset="-122"/>
+              <a:ea typeface="微软雅黑" panose="020B0503020204020204" pitchFamily="34" charset="-122"/>
+            </a:endParaRPr>
           </a:p>
         </p:txBody>
       </p:sp>
@@ -9041,8 +10143,8 @@
         </p:nvSpPr>
         <p:spPr>
           <a:xfrm>
-            <a:off x="1231103" y="2582460"/>
-            <a:ext cx="8052547" cy="2400657"/>
+            <a:off x="1945892" y="2493367"/>
+            <a:ext cx="8052547" cy="1631216"/>
           </a:xfrm>
           <a:prstGeom prst="rect">
             <a:avLst/>
@@ -9055,35 +10157,141 @@
           <a:lstStyle/>
           <a:p>
             <a:r>
-              <a:rPr lang="en-US" altLang="zh-CN" sz="2500" dirty="0">
-                <a:latin typeface="宋体" panose="02010600030101010101" pitchFamily="2" charset="-122"/>
-                <a:ea typeface="宋体" panose="02010600030101010101" pitchFamily="2" charset="-122"/>
+              <a:rPr lang="zh-CN" altLang="en-US" sz="2500" dirty="0">
+                <a:latin typeface="微软雅黑" panose="020B0503020204020204" pitchFamily="34" charset="-122"/>
+                <a:ea typeface="微软雅黑" panose="020B0503020204020204" pitchFamily="34" charset="-122"/>
               </a:rPr>
-              <a:t>	</a:t>
-            </a:r>
+              <a:t>乘客等候公交时无法知道：</a:t>
+            </a:r>
+            <a:endParaRPr lang="en-US" altLang="zh-CN" sz="2500" dirty="0">
+              <a:latin typeface="微软雅黑" panose="020B0503020204020204" pitchFamily="34" charset="-122"/>
+              <a:ea typeface="微软雅黑" panose="020B0503020204020204" pitchFamily="34" charset="-122"/>
+            </a:endParaRPr>
+          </a:p>
+          <a:p>
+            <a:endParaRPr lang="en-US" altLang="zh-CN" sz="2500" dirty="0">
+              <a:latin typeface="微软雅黑" panose="020B0503020204020204" pitchFamily="34" charset="-122"/>
+              <a:ea typeface="微软雅黑" panose="020B0503020204020204" pitchFamily="34" charset="-122"/>
+            </a:endParaRPr>
+          </a:p>
+          <a:p>
+            <a:pPr marL="457200" indent="-457200">
+              <a:buFont typeface="+mj-lt"/>
+              <a:buAutoNum type="arabicPeriod"/>
+            </a:pPr>
             <a:r>
               <a:rPr lang="zh-CN" altLang="en-US" sz="2500" dirty="0">
-                <a:latin typeface="宋体" panose="02010600030101010101" pitchFamily="2" charset="-122"/>
-                <a:ea typeface="宋体" panose="02010600030101010101" pitchFamily="2" charset="-122"/>
+                <a:latin typeface="微软雅黑" panose="020B0503020204020204" pitchFamily="34" charset="-122"/>
+                <a:ea typeface="微软雅黑" panose="020B0503020204020204" pitchFamily="34" charset="-122"/>
               </a:rPr>
-              <a:t>传统的公交系统，乘客等候公交车的时候无法知道公交车发车时间、到站时间以及车内的空余座位情况。</a:t>
+              <a:t>车辆实时位置</a:t>
             </a:r>
             <a:endParaRPr lang="en-US" altLang="zh-CN" sz="2500" dirty="0">
-              <a:latin typeface="宋体" panose="02010600030101010101" pitchFamily="2" charset="-122"/>
-              <a:ea typeface="宋体" panose="02010600030101010101" pitchFamily="2" charset="-122"/>
+              <a:latin typeface="微软雅黑" panose="020B0503020204020204" pitchFamily="34" charset="-122"/>
+              <a:ea typeface="微软雅黑" panose="020B0503020204020204" pitchFamily="34" charset="-122"/>
             </a:endParaRPr>
           </a:p>
           <a:p>
+            <a:pPr marL="457200" indent="-457200">
+              <a:buFont typeface="+mj-lt"/>
+              <a:buAutoNum type="arabicPeriod"/>
+            </a:pPr>
             <a:r>
               <a:rPr lang="zh-CN" altLang="en-US" sz="2500" dirty="0">
-                <a:latin typeface="宋体" panose="02010600030101010101" pitchFamily="2" charset="-122"/>
-                <a:ea typeface="宋体" panose="02010600030101010101" pitchFamily="2" charset="-122"/>
+                <a:latin typeface="微软雅黑" panose="020B0503020204020204" pitchFamily="34" charset="-122"/>
+                <a:ea typeface="微软雅黑" panose="020B0503020204020204" pitchFamily="34" charset="-122"/>
               </a:rPr>
-              <a:t>因此市民会因为“等公交”而耽误行程，从而放弃“绿色出行”，造成城市交通拥堵，公交运营公司也无法通过监控公交车实时情况来设置科学合理的路线和调度方案。</a:t>
-            </a:r>
-            <a:endParaRPr lang="zh-CN" altLang="zh-CN" sz="2500" dirty="0">
-              <a:latin typeface="宋体" panose="02010600030101010101" pitchFamily="2" charset="-122"/>
-              <a:ea typeface="宋体" panose="02010600030101010101" pitchFamily="2" charset="-122"/>
+              <a:t>车内的空余座位情况</a:t>
+            </a:r>
+            <a:endParaRPr lang="en-US" altLang="zh-CN" sz="2500" dirty="0">
+              <a:latin typeface="微软雅黑" panose="020B0503020204020204" pitchFamily="34" charset="-122"/>
+              <a:ea typeface="微软雅黑" panose="020B0503020204020204" pitchFamily="34" charset="-122"/>
+            </a:endParaRPr>
+          </a:p>
+        </p:txBody>
+      </p:sp>
+      <p:sp>
+        <p:nvSpPr>
+          <p:cNvPr id="4" name="矩形 3"/>
+          <p:cNvSpPr/>
+          <p:nvPr/>
+        </p:nvSpPr>
+        <p:spPr>
+          <a:xfrm>
+            <a:off x="1945892" y="4326948"/>
+            <a:ext cx="6096000" cy="861774"/>
+          </a:xfrm>
+          <a:prstGeom prst="rect">
+            <a:avLst/>
+          </a:prstGeom>
+        </p:spPr>
+        <p:txBody>
+          <a:bodyPr>
+            <a:spAutoFit/>
+          </a:bodyPr>
+          <a:lstStyle/>
+          <a:p>
+            <a:r>
+              <a:rPr lang="zh-CN" altLang="en-US" sz="2500" dirty="0">
+                <a:latin typeface="微软雅黑" panose="020B0503020204020204" pitchFamily="34" charset="-122"/>
+                <a:ea typeface="微软雅黑" panose="020B0503020204020204" pitchFamily="34" charset="-122"/>
+              </a:rPr>
+              <a:t>公交运营公司无法通过公交实时数据</a:t>
+            </a:r>
+            <a:endParaRPr lang="en-US" altLang="zh-CN" sz="2500" dirty="0">
+              <a:latin typeface="微软雅黑" panose="020B0503020204020204" pitchFamily="34" charset="-122"/>
+              <a:ea typeface="微软雅黑" panose="020B0503020204020204" pitchFamily="34" charset="-122"/>
+            </a:endParaRPr>
+          </a:p>
+          <a:p>
+            <a:r>
+              <a:rPr lang="zh-CN" altLang="en-US" sz="2500" dirty="0">
+                <a:latin typeface="微软雅黑" panose="020B0503020204020204" pitchFamily="34" charset="-122"/>
+                <a:ea typeface="微软雅黑" panose="020B0503020204020204" pitchFamily="34" charset="-122"/>
+              </a:rPr>
+              <a:t>来设置科学合理的路线和调度方案</a:t>
+            </a:r>
+            <a:endParaRPr lang="zh-CN" altLang="en-US" sz="2500" dirty="0"/>
+          </a:p>
+        </p:txBody>
+      </p:sp>
+      <p:sp>
+        <p:nvSpPr>
+          <p:cNvPr id="6" name="矩形 5"/>
+          <p:cNvSpPr/>
+          <p:nvPr/>
+        </p:nvSpPr>
+        <p:spPr>
+          <a:xfrm>
+            <a:off x="4171209" y="1738057"/>
+            <a:ext cx="4134465" cy="523220"/>
+          </a:xfrm>
+          <a:prstGeom prst="rect">
+            <a:avLst/>
+          </a:prstGeom>
+        </p:spPr>
+        <p:txBody>
+          <a:bodyPr wrap="none">
+            <a:spAutoFit/>
+          </a:bodyPr>
+          <a:lstStyle/>
+          <a:p>
+            <a:r>
+              <a:rPr lang="zh-CN" altLang="en-US" sz="2800" dirty="0">
+                <a:solidFill>
+                  <a:srgbClr val="0070C0"/>
+                </a:solidFill>
+                <a:latin typeface="微软雅黑" panose="020B0503020204020204" pitchFamily="34" charset="-122"/>
+                <a:ea typeface="微软雅黑" panose="020B0503020204020204" pitchFamily="34" charset="-122"/>
+              </a:rPr>
+              <a:t>传统的公交系统存在问题</a:t>
+            </a:r>
+            <a:endParaRPr lang="en-US" altLang="zh-CN" sz="2800" dirty="0">
+              <a:solidFill>
+                <a:srgbClr val="0070C0"/>
+              </a:solidFill>
+              <a:latin typeface="微软雅黑" panose="020B0503020204020204" pitchFamily="34" charset="-122"/>
+              <a:ea typeface="微软雅黑" panose="020B0503020204020204" pitchFamily="34" charset="-122"/>
             </a:endParaRPr>
           </a:p>
         </p:txBody>
@@ -9141,19 +10349,30 @@
           <a:lstStyle/>
           <a:p>
             <a:r>
-              <a:rPr kumimoji="1" lang="zh-CN" altLang="en-US" dirty="0">
-                <a:latin typeface="STXingkai" charset="-122"/>
-                <a:ea typeface="STXingkai" charset="-122"/>
-                <a:cs typeface="STXingkai" charset="-122"/>
+              <a:rPr lang="en-US" altLang="zh-CN" sz="4400" b="1" dirty="0">
+                <a:latin typeface="微软雅黑" panose="020B0503020204020204" pitchFamily="34" charset="-122"/>
+                <a:ea typeface="微软雅黑" panose="020B0503020204020204" pitchFamily="34" charset="-122"/>
               </a:rPr>
-              <a:t>项目简介</a:t>
-            </a:r>
-          </a:p>
-        </p:txBody>
-      </p:sp>
-      <p:sp>
-        <p:nvSpPr>
-          <p:cNvPr id="11" name="内容占位符 2"/>
+              <a:t> </a:t>
+            </a:r>
+            <a:r>
+              <a:rPr lang="zh-CN" altLang="en-US" sz="4400" b="1" dirty="0">
+                <a:latin typeface="微软雅黑" panose="020B0503020204020204" pitchFamily="34" charset="-122"/>
+                <a:ea typeface="微软雅黑" panose="020B0503020204020204" pitchFamily="34" charset="-122"/>
+              </a:rPr>
+              <a:t>项目背景及研究意义</a:t>
+            </a:r>
+            <a:endParaRPr kumimoji="1" lang="zh-CN" altLang="en-US" sz="4400" b="1" dirty="0">
+              <a:latin typeface="微软雅黑" panose="020B0503020204020204" pitchFamily="34" charset="-122"/>
+              <a:ea typeface="微软雅黑" panose="020B0503020204020204" pitchFamily="34" charset="-122"/>
+              <a:cs typeface="STXingkai" charset="-122"/>
+            </a:endParaRPr>
+          </a:p>
+        </p:txBody>
+      </p:sp>
+      <p:sp>
+        <p:nvSpPr>
+          <p:cNvPr id="3" name="内容占位符 2"/>
           <p:cNvSpPr>
             <a:spLocks noGrp="1"/>
           </p:cNvSpPr>
@@ -9163,7 +10382,7 @@
         </p:nvSpPr>
         <p:spPr>
           <a:xfrm>
-            <a:off x="-134469" y="1522347"/>
+            <a:off x="-134469" y="1591961"/>
             <a:ext cx="6515100" cy="820271"/>
           </a:xfrm>
         </p:spPr>
@@ -9175,41 +10394,306 @@
           <a:p>
             <a:pPr lvl="2"/>
             <a:r>
-              <a:rPr lang="zh-CN" altLang="en-US" sz="3600" b="1" dirty="0"/>
-              <a:t>系统功能</a:t>
-            </a:r>
-            <a:endParaRPr lang="zh-CN" altLang="zh-CN" sz="3600" b="1" dirty="0"/>
-          </a:p>
-        </p:txBody>
-      </p:sp>
-      <p:pic>
-        <p:nvPicPr>
-          <p:cNvPr id="12" name="图片 11"/>
-          <p:cNvPicPr>
-            <a:picLocks noChangeAspect="1"/>
-          </p:cNvPicPr>
+              <a:rPr lang="en-US" altLang="zh-CN" sz="3600" b="1" dirty="0">
+                <a:latin typeface="微软雅黑" panose="020B0503020204020204" pitchFamily="34" charset="-122"/>
+                <a:ea typeface="微软雅黑" panose="020B0503020204020204" pitchFamily="34" charset="-122"/>
+              </a:rPr>
+              <a:t>  </a:t>
+            </a:r>
+            <a:r>
+              <a:rPr lang="zh-CN" altLang="en-US" sz="3600" b="1" dirty="0">
+                <a:latin typeface="微软雅黑" panose="020B0503020204020204" pitchFamily="34" charset="-122"/>
+                <a:ea typeface="微软雅黑" panose="020B0503020204020204" pitchFamily="34" charset="-122"/>
+              </a:rPr>
+              <a:t>研究意义</a:t>
+            </a:r>
+            <a:endParaRPr lang="zh-CN" altLang="zh-CN" sz="3600" b="1" dirty="0">
+              <a:latin typeface="微软雅黑" panose="020B0503020204020204" pitchFamily="34" charset="-122"/>
+              <a:ea typeface="微软雅黑" panose="020B0503020204020204" pitchFamily="34" charset="-122"/>
+            </a:endParaRPr>
+          </a:p>
+        </p:txBody>
+      </p:sp>
+      <p:sp>
+        <p:nvSpPr>
+          <p:cNvPr id="7" name="矩形 6"/>
+          <p:cNvSpPr/>
           <p:nvPr/>
-        </p:nvPicPr>
-        <p:blipFill>
-          <a:blip r:embed="rId2"/>
-          <a:stretch>
-            <a:fillRect/>
-          </a:stretch>
-        </p:blipFill>
+        </p:nvSpPr>
         <p:spPr>
           <a:xfrm>
-            <a:off x="2440818" y="1921223"/>
-            <a:ext cx="5983653" cy="4613580"/>
+            <a:off x="2305986" y="4250207"/>
+            <a:ext cx="6096000" cy="2062103"/>
           </a:xfrm>
           <a:prstGeom prst="rect">
             <a:avLst/>
           </a:prstGeom>
         </p:spPr>
-      </p:pic>
+        <p:txBody>
+          <a:bodyPr>
+            <a:spAutoFit/>
+          </a:bodyPr>
+          <a:lstStyle/>
+          <a:p>
+            <a:pPr marL="571500" indent="-571500">
+              <a:buFont typeface="Arial" panose="020B0604020202020204" pitchFamily="34" charset="0"/>
+              <a:buChar char="•"/>
+            </a:pPr>
+            <a:r>
+              <a:rPr lang="zh-CN" altLang="en-US" sz="3200" dirty="0">
+                <a:solidFill>
+                  <a:schemeClr val="bg2">
+                    <a:lumMod val="10000"/>
+                  </a:schemeClr>
+                </a:solidFill>
+                <a:latin typeface="微软雅黑" panose="020B0503020204020204" pitchFamily="34" charset="-122"/>
+                <a:ea typeface="微软雅黑" panose="020B0503020204020204" pitchFamily="34" charset="-122"/>
+              </a:rPr>
+              <a:t>城市交通压力</a:t>
+            </a:r>
+          </a:p>
+          <a:p>
+            <a:pPr marL="571500" indent="-571500">
+              <a:buFont typeface="Arial" panose="020B0604020202020204" pitchFamily="34" charset="0"/>
+              <a:buChar char="•"/>
+            </a:pPr>
+            <a:r>
+              <a:rPr lang="zh-CN" altLang="en-US" sz="3200" dirty="0">
+                <a:solidFill>
+                  <a:schemeClr val="bg2">
+                    <a:lumMod val="10000"/>
+                  </a:schemeClr>
+                </a:solidFill>
+                <a:latin typeface="微软雅黑" panose="020B0503020204020204" pitchFamily="34" charset="-122"/>
+                <a:ea typeface="微软雅黑" panose="020B0503020204020204" pitchFamily="34" charset="-122"/>
+              </a:rPr>
+              <a:t>提高市民出行效率</a:t>
+            </a:r>
+          </a:p>
+          <a:p>
+            <a:pPr marL="571500" indent="-571500">
+              <a:buFont typeface="Arial" panose="020B0604020202020204" pitchFamily="34" charset="0"/>
+              <a:buChar char="•"/>
+            </a:pPr>
+            <a:r>
+              <a:rPr lang="zh-CN" altLang="en-US" sz="3200" dirty="0">
+                <a:solidFill>
+                  <a:schemeClr val="bg2">
+                    <a:lumMod val="10000"/>
+                  </a:schemeClr>
+                </a:solidFill>
+                <a:latin typeface="微软雅黑" panose="020B0503020204020204" pitchFamily="34" charset="-122"/>
+                <a:ea typeface="微软雅黑" panose="020B0503020204020204" pitchFamily="34" charset="-122"/>
+              </a:rPr>
+              <a:t>提高公交行业信息化水平</a:t>
+            </a:r>
+          </a:p>
+          <a:p>
+            <a:pPr marL="571500" indent="-571500">
+              <a:buFont typeface="Arial" panose="020B0604020202020204" pitchFamily="34" charset="0"/>
+              <a:buChar char="•"/>
+            </a:pPr>
+            <a:endParaRPr lang="en-US" altLang="zh-CN" sz="3200" dirty="0">
+              <a:solidFill>
+                <a:schemeClr val="bg2">
+                  <a:lumMod val="10000"/>
+                </a:schemeClr>
+              </a:solidFill>
+              <a:latin typeface="微软雅黑" panose="020B0503020204020204" pitchFamily="34" charset="-122"/>
+              <a:ea typeface="微软雅黑" panose="020B0503020204020204" pitchFamily="34" charset="-122"/>
+            </a:endParaRPr>
+          </a:p>
+        </p:txBody>
+      </p:sp>
+      <p:sp>
+        <p:nvSpPr>
+          <p:cNvPr id="8" name="矩形 7"/>
+          <p:cNvSpPr/>
+          <p:nvPr/>
+        </p:nvSpPr>
+        <p:spPr>
+          <a:xfrm>
+            <a:off x="2298491" y="2611927"/>
+            <a:ext cx="6096000" cy="1569660"/>
+          </a:xfrm>
+          <a:prstGeom prst="rect">
+            <a:avLst/>
+          </a:prstGeom>
+        </p:spPr>
+        <p:txBody>
+          <a:bodyPr>
+            <a:spAutoFit/>
+          </a:bodyPr>
+          <a:lstStyle/>
+          <a:p>
+            <a:pPr marL="571500" indent="-571500">
+              <a:buFont typeface="Arial" panose="020B0604020202020204" pitchFamily="34" charset="0"/>
+              <a:buChar char="•"/>
+            </a:pPr>
+            <a:r>
+              <a:rPr lang="zh-CN" altLang="en-US" sz="3200" dirty="0">
+                <a:solidFill>
+                  <a:schemeClr val="bg2">
+                    <a:lumMod val="10000"/>
+                  </a:schemeClr>
+                </a:solidFill>
+                <a:latin typeface="微软雅黑" panose="020B0503020204020204" pitchFamily="34" charset="-122"/>
+                <a:ea typeface="微软雅黑" panose="020B0503020204020204" pitchFamily="34" charset="-122"/>
+              </a:rPr>
+              <a:t>检测公交实时位置</a:t>
+            </a:r>
+            <a:endParaRPr lang="en-US" altLang="zh-CN" sz="3200" dirty="0">
+              <a:solidFill>
+                <a:schemeClr val="bg2">
+                  <a:lumMod val="10000"/>
+                </a:schemeClr>
+              </a:solidFill>
+              <a:latin typeface="微软雅黑" panose="020B0503020204020204" pitchFamily="34" charset="-122"/>
+              <a:ea typeface="微软雅黑" panose="020B0503020204020204" pitchFamily="34" charset="-122"/>
+            </a:endParaRPr>
+          </a:p>
+          <a:p>
+            <a:pPr marL="571500" indent="-571500">
+              <a:buFont typeface="Arial" panose="020B0604020202020204" pitchFamily="34" charset="0"/>
+              <a:buChar char="•"/>
+            </a:pPr>
+            <a:r>
+              <a:rPr lang="zh-CN" altLang="en-US" sz="3200" dirty="0">
+                <a:solidFill>
+                  <a:schemeClr val="bg2">
+                    <a:lumMod val="10000"/>
+                  </a:schemeClr>
+                </a:solidFill>
+                <a:latin typeface="微软雅黑" panose="020B0503020204020204" pitchFamily="34" charset="-122"/>
+                <a:ea typeface="微软雅黑" panose="020B0503020204020204" pitchFamily="34" charset="-122"/>
+              </a:rPr>
+              <a:t>检测公交空余座位</a:t>
+            </a:r>
+            <a:endParaRPr lang="en-US" altLang="zh-CN" sz="3200" dirty="0">
+              <a:solidFill>
+                <a:schemeClr val="bg2">
+                  <a:lumMod val="10000"/>
+                </a:schemeClr>
+              </a:solidFill>
+              <a:latin typeface="微软雅黑" panose="020B0503020204020204" pitchFamily="34" charset="-122"/>
+              <a:ea typeface="微软雅黑" panose="020B0503020204020204" pitchFamily="34" charset="-122"/>
+            </a:endParaRPr>
+          </a:p>
+          <a:p>
+            <a:pPr marL="571500" indent="-571500">
+              <a:buFont typeface="Arial" panose="020B0604020202020204" pitchFamily="34" charset="0"/>
+              <a:buChar char="•"/>
+            </a:pPr>
+            <a:r>
+              <a:rPr lang="zh-CN" altLang="en-US" sz="3200" dirty="0">
+                <a:solidFill>
+                  <a:schemeClr val="bg2">
+                    <a:lumMod val="10000"/>
+                  </a:schemeClr>
+                </a:solidFill>
+                <a:latin typeface="微软雅黑" panose="020B0503020204020204" pitchFamily="34" charset="-122"/>
+                <a:ea typeface="微软雅黑" panose="020B0503020204020204" pitchFamily="34" charset="-122"/>
+              </a:rPr>
+              <a:t>提供公交数据报表</a:t>
+            </a:r>
+            <a:endParaRPr lang="en-US" altLang="zh-CN" sz="3200" dirty="0">
+              <a:solidFill>
+                <a:schemeClr val="bg2">
+                  <a:lumMod val="10000"/>
+                </a:schemeClr>
+              </a:solidFill>
+              <a:latin typeface="微软雅黑" panose="020B0503020204020204" pitchFamily="34" charset="-122"/>
+              <a:ea typeface="微软雅黑" panose="020B0503020204020204" pitchFamily="34" charset="-122"/>
+            </a:endParaRPr>
+          </a:p>
+        </p:txBody>
+      </p:sp>
+      <p:sp>
+        <p:nvSpPr>
+          <p:cNvPr id="9" name="矩形 8"/>
+          <p:cNvSpPr/>
+          <p:nvPr/>
+        </p:nvSpPr>
+        <p:spPr>
+          <a:xfrm>
+            <a:off x="949371" y="2988756"/>
+            <a:ext cx="1419075" cy="707886"/>
+          </a:xfrm>
+          <a:prstGeom prst="rect">
+            <a:avLst/>
+          </a:prstGeom>
+        </p:spPr>
+        <p:txBody>
+          <a:bodyPr wrap="square">
+            <a:spAutoFit/>
+          </a:bodyPr>
+          <a:lstStyle/>
+          <a:p>
+            <a:r>
+              <a:rPr lang="zh-CN" altLang="en-US" sz="4000" b="1" dirty="0">
+                <a:solidFill>
+                  <a:srgbClr val="00B0F0"/>
+                </a:solidFill>
+                <a:latin typeface="微软雅黑" panose="020B0503020204020204" pitchFamily="34" charset="-122"/>
+                <a:ea typeface="微软雅黑" panose="020B0503020204020204" pitchFamily="34" charset="-122"/>
+              </a:rPr>
+              <a:t>实现</a:t>
+            </a:r>
+            <a:endParaRPr lang="en-US" altLang="zh-CN" sz="4000" b="1" dirty="0">
+              <a:solidFill>
+                <a:srgbClr val="00B0F0"/>
+              </a:solidFill>
+              <a:latin typeface="微软雅黑" panose="020B0503020204020204" pitchFamily="34" charset="-122"/>
+              <a:ea typeface="微软雅黑" panose="020B0503020204020204" pitchFamily="34" charset="-122"/>
+            </a:endParaRPr>
+          </a:p>
+        </p:txBody>
+      </p:sp>
+      <p:sp>
+        <p:nvSpPr>
+          <p:cNvPr id="10" name="矩形 9"/>
+          <p:cNvSpPr/>
+          <p:nvPr/>
+        </p:nvSpPr>
+        <p:spPr>
+          <a:xfrm>
+            <a:off x="956866" y="4681493"/>
+            <a:ext cx="1419075" cy="707886"/>
+          </a:xfrm>
+          <a:prstGeom prst="rect">
+            <a:avLst/>
+          </a:prstGeom>
+        </p:spPr>
+        <p:txBody>
+          <a:bodyPr wrap="square">
+            <a:spAutoFit/>
+          </a:bodyPr>
+          <a:lstStyle/>
+          <a:p>
+            <a:r>
+              <a:rPr lang="zh-CN" altLang="en-US" sz="4000" b="1" dirty="0">
+                <a:solidFill>
+                  <a:srgbClr val="00B0F0"/>
+                </a:solidFill>
+                <a:latin typeface="微软雅黑" panose="020B0503020204020204" pitchFamily="34" charset="-122"/>
+                <a:ea typeface="微软雅黑" panose="020B0503020204020204" pitchFamily="34" charset="-122"/>
+              </a:rPr>
+              <a:t>意义</a:t>
+            </a:r>
+            <a:endParaRPr lang="en-US" altLang="zh-CN" sz="4000" b="1" dirty="0">
+              <a:solidFill>
+                <a:srgbClr val="00B0F0"/>
+              </a:solidFill>
+              <a:latin typeface="微软雅黑" panose="020B0503020204020204" pitchFamily="34" charset="-122"/>
+              <a:ea typeface="微软雅黑" panose="020B0503020204020204" pitchFamily="34" charset="-122"/>
+            </a:endParaRPr>
+          </a:p>
+        </p:txBody>
+      </p:sp>
     </p:spTree>
     <p:extLst>
       <p:ext uri="{BB962C8B-B14F-4D97-AF65-F5344CB8AC3E}">
-        <p14:creationId xmlns:p14="http://schemas.microsoft.com/office/powerpoint/2010/main" val="2037900435"/>
+        <p14:creationId xmlns:p14="http://schemas.microsoft.com/office/powerpoint/2010/main" val="2408257798"/>
       </p:ext>
     </p:extLst>
   </p:cSld>
@@ -9249,7 +10733,7 @@
         <p:spPr>
           <a:xfrm>
             <a:off x="677334" y="609600"/>
-            <a:ext cx="4210672" cy="897466"/>
+            <a:ext cx="6550460" cy="762000"/>
           </a:xfrm>
         </p:spPr>
         <p:txBody>
@@ -9259,19 +10743,19 @@
           <a:lstStyle/>
           <a:p>
             <a:r>
-              <a:rPr kumimoji="1" lang="zh-CN" altLang="en-US" b="1" dirty="0">
-                <a:latin typeface="STXingkai" charset="-122"/>
-                <a:ea typeface="STXingkai" charset="-122"/>
+              <a:rPr kumimoji="1" lang="zh-CN" altLang="en-US" sz="4400" b="1" dirty="0">
+                <a:latin typeface="微软雅黑" panose="020B0503020204020204" pitchFamily="34" charset="-122"/>
+                <a:ea typeface="微软雅黑" panose="020B0503020204020204" pitchFamily="34" charset="-122"/>
                 <a:cs typeface="STXingkai" charset="-122"/>
               </a:rPr>
-              <a:t>技术介绍</a:t>
-            </a:r>
-          </a:p>
-        </p:txBody>
-      </p:sp>
-      <p:sp>
-        <p:nvSpPr>
-          <p:cNvPr id="9" name="内容占位符 2"/>
+              <a:t>系统设计及实现</a:t>
+            </a:r>
+          </a:p>
+        </p:txBody>
+      </p:sp>
+      <p:sp>
+        <p:nvSpPr>
+          <p:cNvPr id="3" name="内容占位符 2"/>
           <p:cNvSpPr>
             <a:spLocks noGrp="1"/>
           </p:cNvSpPr>
@@ -9281,7 +10765,7 @@
         </p:nvSpPr>
         <p:spPr>
           <a:xfrm>
-            <a:off x="-134469" y="1522347"/>
+            <a:off x="-134469" y="1591961"/>
             <a:ext cx="6515100" cy="820271"/>
           </a:xfrm>
         </p:spPr>
@@ -9293,190 +10777,44 @@
           <a:p>
             <a:pPr lvl="2"/>
             <a:r>
-              <a:rPr lang="zh-CN" altLang="en-US" sz="3600" b="1" dirty="0"/>
-              <a:t>硬件</a:t>
-            </a:r>
-            <a:endParaRPr lang="zh-CN" altLang="zh-CN" sz="3600" b="1" dirty="0"/>
-          </a:p>
-        </p:txBody>
-      </p:sp>
-      <p:sp>
-        <p:nvSpPr>
-          <p:cNvPr id="6" name="Rectangle 1"/>
-          <p:cNvSpPr>
-            <a:spLocks noChangeArrowheads="1"/>
-          </p:cNvSpPr>
-          <p:nvPr/>
-        </p:nvSpPr>
-        <p:spPr bwMode="auto">
-          <a:xfrm>
-            <a:off x="0" y="0"/>
-            <a:ext cx="12192000" cy="0"/>
-          </a:xfrm>
-          <a:prstGeom prst="rect">
-            <a:avLst/>
-          </a:prstGeom>
-          <a:noFill/>
-          <a:ln>
-            <a:noFill/>
-          </a:ln>
-          <a:effectLst/>
-          <a:extLst>
-            <a:ext uri="{909E8E84-426E-40DD-AFC4-6F175D3DCCD1}">
-              <a14:hiddenFill xmlns:a14="http://schemas.microsoft.com/office/drawing/2010/main">
-                <a:solidFill>
-                  <a:schemeClr val="accent1"/>
-                </a:solidFill>
-              </a14:hiddenFill>
-            </a:ext>
-            <a:ext uri="{91240B29-F687-4F45-9708-019B960494DF}">
-              <a14:hiddenLine xmlns:a14="http://schemas.microsoft.com/office/drawing/2010/main" w="9525">
-                <a:solidFill>
-                  <a:schemeClr val="tx1"/>
-                </a:solidFill>
-                <a:miter lim="800000"/>
-                <a:headEnd/>
-                <a:tailEnd/>
-              </a14:hiddenLine>
-            </a:ext>
-            <a:ext uri="{AF507438-7753-43E0-B8FC-AC1667EBCBE1}">
-              <a14:hiddenEffects xmlns:a14="http://schemas.microsoft.com/office/drawing/2010/main">
-                <a:effectLst>
-                  <a:outerShdw dist="35921" dir="2700000" algn="ctr" rotWithShape="0">
-                    <a:schemeClr val="bg2"/>
-                  </a:outerShdw>
-                </a:effectLst>
-              </a14:hiddenEffects>
-            </a:ext>
-          </a:extLst>
-        </p:spPr>
-        <p:txBody>
-          <a:bodyPr vert="horz" wrap="none" lIns="91440" tIns="45720" rIns="91440" bIns="45720" numCol="1" anchor="ctr" anchorCtr="0" compatLnSpc="1">
-            <a:prstTxWarp prst="textNoShape">
-              <a:avLst/>
-            </a:prstTxWarp>
-            <a:spAutoFit/>
-          </a:bodyPr>
-          <a:lstStyle/>
-          <a:p>
-            <a:endParaRPr lang="zh-CN" altLang="en-US"/>
+              <a:rPr lang="en-US" altLang="zh-CN" sz="3600" b="1" dirty="0">
+                <a:latin typeface="微软雅黑" panose="020B0503020204020204" pitchFamily="34" charset="-122"/>
+                <a:ea typeface="微软雅黑" panose="020B0503020204020204" pitchFamily="34" charset="-122"/>
+              </a:rPr>
+              <a:t>  </a:t>
+            </a:r>
+            <a:r>
+              <a:rPr lang="zh-CN" altLang="en-US" sz="3600" b="1" dirty="0">
+                <a:latin typeface="微软雅黑" panose="020B0503020204020204" pitchFamily="34" charset="-122"/>
+                <a:ea typeface="微软雅黑" panose="020B0503020204020204" pitchFamily="34" charset="-122"/>
+              </a:rPr>
+              <a:t>功能模块</a:t>
+            </a:r>
+            <a:endParaRPr lang="zh-CN" altLang="zh-CN" sz="3600" b="1" dirty="0">
+              <a:latin typeface="微软雅黑" panose="020B0503020204020204" pitchFamily="34" charset="-122"/>
+              <a:ea typeface="微软雅黑" panose="020B0503020204020204" pitchFamily="34" charset="-122"/>
+            </a:endParaRPr>
           </a:p>
         </p:txBody>
       </p:sp>
       <p:pic>
         <p:nvPicPr>
-          <p:cNvPr id="15" name="图片 14"/>
+          <p:cNvPr id="11" name="图片 10"/>
           <p:cNvPicPr>
             <a:picLocks noChangeAspect="1"/>
           </p:cNvPicPr>
           <p:nvPr/>
         </p:nvPicPr>
         <p:blipFill>
-          <a:blip r:embed="rId3" cstate="screen">
-            <a:extLst>
-              <a:ext uri="{28A0092B-C50C-407E-A947-70E740481C1C}">
-                <a14:useLocalDpi xmlns:a14="http://schemas.microsoft.com/office/drawing/2010/main"/>
-              </a:ext>
-            </a:extLst>
-          </a:blip>
+          <a:blip r:embed="rId2"/>
           <a:stretch>
             <a:fillRect/>
           </a:stretch>
         </p:blipFill>
         <p:spPr>
           <a:xfrm>
-            <a:off x="1236106" y="3273929"/>
-            <a:ext cx="3595167" cy="2675227"/>
-          </a:xfrm>
-          <a:prstGeom prst="rect">
-            <a:avLst/>
-          </a:prstGeom>
-        </p:spPr>
-      </p:pic>
-      <p:pic>
-        <p:nvPicPr>
-          <p:cNvPr id="16" name="图片 15"/>
-          <p:cNvPicPr>
-            <a:picLocks noChangeAspect="1"/>
-          </p:cNvPicPr>
-          <p:nvPr/>
-        </p:nvPicPr>
-        <p:blipFill>
-          <a:blip r:embed="rId4" cstate="screen">
-            <a:extLst>
-              <a:ext uri="{28A0092B-C50C-407E-A947-70E740481C1C}">
-                <a14:useLocalDpi xmlns:a14="http://schemas.microsoft.com/office/drawing/2010/main"/>
-              </a:ext>
-            </a:extLst>
-          </a:blip>
-          <a:stretch>
-            <a:fillRect/>
-          </a:stretch>
-        </p:blipFill>
-        <p:spPr>
-          <a:xfrm>
-            <a:off x="2782670" y="1058333"/>
-            <a:ext cx="2472821" cy="1751582"/>
-          </a:xfrm>
-          <a:prstGeom prst="rect">
-            <a:avLst/>
-          </a:prstGeom>
-        </p:spPr>
-      </p:pic>
-      <p:pic>
-        <p:nvPicPr>
-          <p:cNvPr id="17" name="图片 16"/>
-          <p:cNvPicPr>
-            <a:picLocks noChangeAspect="1"/>
-          </p:cNvPicPr>
-          <p:nvPr/>
-        </p:nvPicPr>
-        <p:blipFill>
-          <a:blip r:embed="rId5" cstate="screen">
-            <a:extLst>
-              <a:ext uri="{28A0092B-C50C-407E-A947-70E740481C1C}">
-                <a14:useLocalDpi xmlns:a14="http://schemas.microsoft.com/office/drawing/2010/main"/>
-              </a:ext>
-            </a:extLst>
-          </a:blip>
-          <a:stretch>
-            <a:fillRect/>
-          </a:stretch>
-        </p:blipFill>
-        <p:spPr>
-          <a:xfrm>
-            <a:off x="6096000" y="609600"/>
-            <a:ext cx="2667762" cy="2370204"/>
-          </a:xfrm>
-          <a:prstGeom prst="rect">
-            <a:avLst/>
-          </a:prstGeom>
-        </p:spPr>
-      </p:pic>
-      <p:pic>
-        <p:nvPicPr>
-          <p:cNvPr id="18" name="图片 17"/>
-          <p:cNvPicPr>
-            <a:picLocks noChangeAspect="1"/>
-          </p:cNvPicPr>
-          <p:nvPr/>
-        </p:nvPicPr>
-        <p:blipFill>
-          <a:blip r:embed="rId6" cstate="screen">
-            <a:extLst>
-              <a:ext uri="{28A0092B-C50C-407E-A947-70E740481C1C}">
-                <a14:useLocalDpi xmlns:a14="http://schemas.microsoft.com/office/drawing/2010/main"/>
-              </a:ext>
-            </a:extLst>
-          </a:blip>
-          <a:stretch>
-            <a:fillRect/>
-          </a:stretch>
-        </p:blipFill>
-        <p:spPr>
-          <a:xfrm>
-            <a:off x="5737708" y="3434350"/>
-            <a:ext cx="2130628" cy="2675227"/>
+            <a:off x="2440818" y="1921223"/>
+            <a:ext cx="5983653" cy="4613580"/>
           </a:xfrm>
           <a:prstGeom prst="rect">
             <a:avLst/>
@@ -9486,7 +10824,7 @@
     </p:spTree>
     <p:extLst>
       <p:ext uri="{BB962C8B-B14F-4D97-AF65-F5344CB8AC3E}">
-        <p14:creationId xmlns:p14="http://schemas.microsoft.com/office/powerpoint/2010/main" val="2783418759"/>
+        <p14:creationId xmlns:p14="http://schemas.microsoft.com/office/powerpoint/2010/main" val="2781066047"/>
       </p:ext>
     </p:extLst>
   </p:cSld>
@@ -9513,9 +10851,86 @@
           <a:chExt cx="0" cy="0"/>
         </a:xfrm>
       </p:grpSpPr>
+      <p:sp>
+        <p:nvSpPr>
+          <p:cNvPr id="2" name="标题 1"/>
+          <p:cNvSpPr>
+            <a:spLocks noGrp="1"/>
+          </p:cNvSpPr>
+          <p:nvPr>
+            <p:ph type="title"/>
+          </p:nvPr>
+        </p:nvSpPr>
+        <p:spPr>
+          <a:xfrm>
+            <a:off x="677334" y="609600"/>
+            <a:ext cx="6550460" cy="762000"/>
+          </a:xfrm>
+        </p:spPr>
+        <p:txBody>
+          <a:bodyPr>
+            <a:normAutofit/>
+          </a:bodyPr>
+          <a:lstStyle/>
+          <a:p>
+            <a:r>
+              <a:rPr kumimoji="1" lang="zh-CN" altLang="en-US" sz="4400" b="1" dirty="0">
+                <a:latin typeface="微软雅黑" panose="020B0503020204020204" pitchFamily="34" charset="-122"/>
+                <a:ea typeface="微软雅黑" panose="020B0503020204020204" pitchFamily="34" charset="-122"/>
+                <a:cs typeface="STXingkai" charset="-122"/>
+              </a:rPr>
+              <a:t>系统设计及实现</a:t>
+            </a:r>
+          </a:p>
+        </p:txBody>
+      </p:sp>
+      <p:sp>
+        <p:nvSpPr>
+          <p:cNvPr id="3" name="内容占位符 2"/>
+          <p:cNvSpPr>
+            <a:spLocks noGrp="1"/>
+          </p:cNvSpPr>
+          <p:nvPr>
+            <p:ph idx="1"/>
+          </p:nvPr>
+        </p:nvSpPr>
+        <p:spPr>
+          <a:xfrm>
+            <a:off x="-134469" y="1591961"/>
+            <a:ext cx="6515100" cy="820271"/>
+          </a:xfrm>
+        </p:spPr>
+        <p:txBody>
+          <a:bodyPr>
+            <a:noAutofit/>
+          </a:bodyPr>
+          <a:lstStyle/>
+          <a:p>
+            <a:pPr lvl="2"/>
+            <a:r>
+              <a:rPr lang="en-US" altLang="zh-CN" sz="3600" b="1" dirty="0">
+                <a:latin typeface="微软雅黑" panose="020B0503020204020204" pitchFamily="34" charset="-122"/>
+                <a:ea typeface="微软雅黑" panose="020B0503020204020204" pitchFamily="34" charset="-122"/>
+              </a:rPr>
+              <a:t>  </a:t>
+            </a:r>
+            <a:r>
+              <a:rPr lang="zh-CN" altLang="en-US" sz="3600" b="1" dirty="0">
+                <a:latin typeface="微软雅黑" panose="020B0503020204020204" pitchFamily="34" charset="-122"/>
+                <a:ea typeface="微软雅黑" panose="020B0503020204020204" pitchFamily="34" charset="-122"/>
+              </a:rPr>
+              <a:t>硬件技术</a:t>
+            </a:r>
+            <a:endParaRPr lang="zh-CN" altLang="zh-CN" sz="3600" b="1" dirty="0">
+              <a:latin typeface="微软雅黑" panose="020B0503020204020204" pitchFamily="34" charset="-122"/>
+              <a:ea typeface="微软雅黑" panose="020B0503020204020204" pitchFamily="34" charset="-122"/>
+            </a:endParaRPr>
+          </a:p>
+        </p:txBody>
+      </p:sp>
       <p:pic>
         <p:nvPicPr>
-          <p:cNvPr id="4" name="图片 3"/>
+          <p:cNvPr id="5" name="图片 4"/>
           <p:cNvPicPr>
             <a:picLocks noChangeAspect="1"/>
           </p:cNvPicPr>
@@ -9535,47 +10950,14 @@
         </p:blipFill>
         <p:spPr>
           <a:xfrm>
-            <a:off x="4164939" y="5451132"/>
-            <a:ext cx="1625870" cy="679252"/>
+            <a:off x="2367900" y="3803318"/>
+            <a:ext cx="3595167" cy="2675227"/>
           </a:xfrm>
           <a:prstGeom prst="rect">
             <a:avLst/>
           </a:prstGeom>
         </p:spPr>
       </p:pic>
-      <p:sp>
-        <p:nvSpPr>
-          <p:cNvPr id="11" name="标题 1"/>
-          <p:cNvSpPr>
-            <a:spLocks noGrp="1"/>
-          </p:cNvSpPr>
-          <p:nvPr>
-            <p:ph type="title"/>
-          </p:nvPr>
-        </p:nvSpPr>
-        <p:spPr>
-          <a:xfrm>
-            <a:off x="677334" y="609600"/>
-            <a:ext cx="4210672" cy="897466"/>
-          </a:xfrm>
-        </p:spPr>
-        <p:txBody>
-          <a:bodyPr>
-            <a:normAutofit/>
-          </a:bodyPr>
-          <a:lstStyle/>
-          <a:p>
-            <a:r>
-              <a:rPr kumimoji="1" lang="zh-CN" altLang="en-US" b="1" dirty="0">
-                <a:latin typeface="STXingkai" charset="-122"/>
-                <a:ea typeface="STXingkai" charset="-122"/>
-                <a:cs typeface="STXingkai" charset="-122"/>
-              </a:rPr>
-              <a:t>技术介绍</a:t>
-            </a:r>
-          </a:p>
-        </p:txBody>
-      </p:sp>
       <p:pic>
         <p:nvPicPr>
           <p:cNvPr id="6" name="图片 5"/>
@@ -9584,7 +10966,7 @@
           </p:cNvPicPr>
           <p:nvPr/>
         </p:nvPicPr>
-        <p:blipFill rotWithShape="1">
+        <p:blipFill>
           <a:blip r:embed="rId3" cstate="screen">
             <a:extLst>
               <a:ext uri="{28A0092B-C50C-407E-A947-70E740481C1C}">
@@ -9592,805 +10974,23 @@
               </a:ext>
             </a:extLst>
           </a:blip>
-          <a:srcRect/>
-          <a:stretch/>
+          <a:stretch>
+            <a:fillRect/>
+          </a:stretch>
         </p:blipFill>
         <p:spPr>
           <a:xfrm>
-            <a:off x="4103810" y="4126846"/>
-            <a:ext cx="2245053" cy="856669"/>
+            <a:off x="3914464" y="1587722"/>
+            <a:ext cx="2472821" cy="1751582"/>
           </a:xfrm>
           <a:prstGeom prst="rect">
             <a:avLst/>
           </a:prstGeom>
         </p:spPr>
       </p:pic>
-      <p:sp>
-        <p:nvSpPr>
-          <p:cNvPr id="7" name="内容占位符 2"/>
-          <p:cNvSpPr txBox="1">
-            <a:spLocks/>
-          </p:cNvSpPr>
-          <p:nvPr/>
-        </p:nvSpPr>
-        <p:spPr>
-          <a:xfrm>
-            <a:off x="337278" y="1757047"/>
-            <a:ext cx="4294683" cy="1198871"/>
-          </a:xfrm>
-          <a:prstGeom prst="rect">
-            <a:avLst/>
-          </a:prstGeom>
-        </p:spPr>
-        <p:txBody>
-          <a:bodyPr vert="horz" lIns="91440" tIns="45720" rIns="91440" bIns="45720" rtlCol="0">
-            <a:noAutofit/>
-          </a:bodyPr>
-          <a:lstStyle>
-            <a:lvl1pPr marL="342900" indent="-342900" algn="l" defTabSz="457200" rtl="0" eaLnBrk="1" latinLnBrk="0" hangingPunct="1">
-              <a:spcBef>
-                <a:spcPts val="1000"/>
-              </a:spcBef>
-              <a:spcAft>
-                <a:spcPts val="0"/>
-              </a:spcAft>
-              <a:buClr>
-                <a:schemeClr val="accent1"/>
-              </a:buClr>
-              <a:buSzPct val="80000"/>
-              <a:buFont typeface="Wingdings 3" charset="2"/>
-              <a:buChar char=""/>
-              <a:defRPr sz="1800" kern="1200">
-                <a:solidFill>
-                  <a:schemeClr val="tx1">
-                    <a:lumMod val="75000"/>
-                    <a:lumOff val="25000"/>
-                  </a:schemeClr>
-                </a:solidFill>
-                <a:latin typeface="+mn-lt"/>
-                <a:ea typeface="+mn-ea"/>
-                <a:cs typeface="+mn-cs"/>
-              </a:defRPr>
-            </a:lvl1pPr>
-            <a:lvl2pPr marL="742950" indent="-285750" algn="l" defTabSz="457200" rtl="0" eaLnBrk="1" latinLnBrk="0" hangingPunct="1">
-              <a:spcBef>
-                <a:spcPts val="1000"/>
-              </a:spcBef>
-              <a:spcAft>
-                <a:spcPts val="0"/>
-              </a:spcAft>
-              <a:buClr>
-                <a:schemeClr val="accent1"/>
-              </a:buClr>
-              <a:buSzPct val="80000"/>
-              <a:buFont typeface="Wingdings 3" charset="2"/>
-              <a:buChar char=""/>
-              <a:defRPr sz="1600" kern="1200">
-                <a:solidFill>
-                  <a:schemeClr val="tx1">
-                    <a:lumMod val="75000"/>
-                    <a:lumOff val="25000"/>
-                  </a:schemeClr>
-                </a:solidFill>
-                <a:latin typeface="+mn-lt"/>
-                <a:ea typeface="+mn-ea"/>
-                <a:cs typeface="+mn-cs"/>
-              </a:defRPr>
-            </a:lvl2pPr>
-            <a:lvl3pPr marL="1143000" indent="-228600" algn="l" defTabSz="457200" rtl="0" eaLnBrk="1" latinLnBrk="0" hangingPunct="1">
-              <a:spcBef>
-                <a:spcPts val="1000"/>
-              </a:spcBef>
-              <a:spcAft>
-                <a:spcPts val="0"/>
-              </a:spcAft>
-              <a:buClr>
-                <a:schemeClr val="accent1"/>
-              </a:buClr>
-              <a:buSzPct val="80000"/>
-              <a:buFont typeface="Wingdings 3" charset="2"/>
-              <a:buChar char=""/>
-              <a:defRPr sz="1400" kern="1200">
-                <a:solidFill>
-                  <a:schemeClr val="tx1">
-                    <a:lumMod val="75000"/>
-                    <a:lumOff val="25000"/>
-                  </a:schemeClr>
-                </a:solidFill>
-                <a:latin typeface="+mn-lt"/>
-                <a:ea typeface="+mn-ea"/>
-                <a:cs typeface="+mn-cs"/>
-              </a:defRPr>
-            </a:lvl3pPr>
-            <a:lvl4pPr marL="1600200" indent="-228600" algn="l" defTabSz="457200" rtl="0" eaLnBrk="1" latinLnBrk="0" hangingPunct="1">
-              <a:spcBef>
-                <a:spcPts val="1000"/>
-              </a:spcBef>
-              <a:spcAft>
-                <a:spcPts val="0"/>
-              </a:spcAft>
-              <a:buClr>
-                <a:schemeClr val="accent1"/>
-              </a:buClr>
-              <a:buSzPct val="80000"/>
-              <a:buFont typeface="Wingdings 3" charset="2"/>
-              <a:buChar char=""/>
-              <a:defRPr sz="1200" kern="1200">
-                <a:solidFill>
-                  <a:schemeClr val="tx1">
-                    <a:lumMod val="75000"/>
-                    <a:lumOff val="25000"/>
-                  </a:schemeClr>
-                </a:solidFill>
-                <a:latin typeface="+mn-lt"/>
-                <a:ea typeface="+mn-ea"/>
-                <a:cs typeface="+mn-cs"/>
-              </a:defRPr>
-            </a:lvl4pPr>
-            <a:lvl5pPr marL="2057400" indent="-228600" algn="l" defTabSz="457200" rtl="0" eaLnBrk="1" latinLnBrk="0" hangingPunct="1">
-              <a:spcBef>
-                <a:spcPts val="1000"/>
-              </a:spcBef>
-              <a:spcAft>
-                <a:spcPts val="0"/>
-              </a:spcAft>
-              <a:buClr>
-                <a:schemeClr val="accent1"/>
-              </a:buClr>
-              <a:buSzPct val="80000"/>
-              <a:buFont typeface="Wingdings 3" charset="2"/>
-              <a:buChar char=""/>
-              <a:defRPr sz="1200" kern="1200">
-                <a:solidFill>
-                  <a:schemeClr val="tx1">
-                    <a:lumMod val="75000"/>
-                    <a:lumOff val="25000"/>
-                  </a:schemeClr>
-                </a:solidFill>
-                <a:latin typeface="+mn-lt"/>
-                <a:ea typeface="+mn-ea"/>
-                <a:cs typeface="+mn-cs"/>
-              </a:defRPr>
-            </a:lvl5pPr>
-            <a:lvl6pPr marL="2514600" indent="-228600" algn="l" defTabSz="457200" rtl="0" eaLnBrk="1" latinLnBrk="0" hangingPunct="1">
-              <a:spcBef>
-                <a:spcPts val="1000"/>
-              </a:spcBef>
-              <a:spcAft>
-                <a:spcPts val="0"/>
-              </a:spcAft>
-              <a:buClr>
-                <a:schemeClr val="accent1"/>
-              </a:buClr>
-              <a:buSzPct val="80000"/>
-              <a:buFont typeface="Wingdings 3" charset="2"/>
-              <a:buChar char=""/>
-              <a:defRPr sz="1200" kern="1200">
-                <a:solidFill>
-                  <a:schemeClr val="tx1">
-                    <a:lumMod val="75000"/>
-                    <a:lumOff val="25000"/>
-                  </a:schemeClr>
-                </a:solidFill>
-                <a:latin typeface="+mn-lt"/>
-                <a:ea typeface="+mn-ea"/>
-                <a:cs typeface="+mn-cs"/>
-              </a:defRPr>
-            </a:lvl6pPr>
-            <a:lvl7pPr marL="2971800" indent="-228600" algn="l" defTabSz="457200" rtl="0" eaLnBrk="1" latinLnBrk="0" hangingPunct="1">
-              <a:spcBef>
-                <a:spcPts val="1000"/>
-              </a:spcBef>
-              <a:spcAft>
-                <a:spcPts val="0"/>
-              </a:spcAft>
-              <a:buClr>
-                <a:schemeClr val="accent1"/>
-              </a:buClr>
-              <a:buSzPct val="80000"/>
-              <a:buFont typeface="Wingdings 3" charset="2"/>
-              <a:buChar char=""/>
-              <a:defRPr sz="1200" kern="1200">
-                <a:solidFill>
-                  <a:schemeClr val="tx1">
-                    <a:lumMod val="75000"/>
-                    <a:lumOff val="25000"/>
-                  </a:schemeClr>
-                </a:solidFill>
-                <a:latin typeface="+mn-lt"/>
-                <a:ea typeface="+mn-ea"/>
-                <a:cs typeface="+mn-cs"/>
-              </a:defRPr>
-            </a:lvl7pPr>
-            <a:lvl8pPr marL="3429000" indent="-228600" algn="l" defTabSz="457200" rtl="0" eaLnBrk="1" latinLnBrk="0" hangingPunct="1">
-              <a:spcBef>
-                <a:spcPts val="1000"/>
-              </a:spcBef>
-              <a:spcAft>
-                <a:spcPts val="0"/>
-              </a:spcAft>
-              <a:buClr>
-                <a:schemeClr val="accent1"/>
-              </a:buClr>
-              <a:buSzPct val="80000"/>
-              <a:buFont typeface="Wingdings 3" charset="2"/>
-              <a:buChar char=""/>
-              <a:defRPr sz="1200" kern="1200">
-                <a:solidFill>
-                  <a:schemeClr val="tx1">
-                    <a:lumMod val="75000"/>
-                    <a:lumOff val="25000"/>
-                  </a:schemeClr>
-                </a:solidFill>
-                <a:latin typeface="+mn-lt"/>
-                <a:ea typeface="+mn-ea"/>
-                <a:cs typeface="+mn-cs"/>
-              </a:defRPr>
-            </a:lvl8pPr>
-            <a:lvl9pPr marL="3886200" indent="-228600" algn="l" defTabSz="457200" rtl="0" eaLnBrk="1" latinLnBrk="0" hangingPunct="1">
-              <a:spcBef>
-                <a:spcPts val="1000"/>
-              </a:spcBef>
-              <a:spcAft>
-                <a:spcPts val="0"/>
-              </a:spcAft>
-              <a:buClr>
-                <a:schemeClr val="accent1"/>
-              </a:buClr>
-              <a:buSzPct val="80000"/>
-              <a:buFont typeface="Wingdings 3" charset="2"/>
-              <a:buChar char=""/>
-              <a:defRPr sz="1200" kern="1200">
-                <a:solidFill>
-                  <a:schemeClr val="tx1">
-                    <a:lumMod val="75000"/>
-                    <a:lumOff val="25000"/>
-                  </a:schemeClr>
-                </a:solidFill>
-                <a:latin typeface="+mn-lt"/>
-                <a:ea typeface="+mn-ea"/>
-                <a:cs typeface="+mn-cs"/>
-              </a:defRPr>
-            </a:lvl9pPr>
-          </a:lstStyle>
-          <a:p>
-            <a:pPr lvl="1">
-              <a:buFont typeface="Wingdings" panose="05000000000000000000" pitchFamily="2" charset="2"/>
-              <a:buChar char="u"/>
-            </a:pPr>
-            <a:r>
-              <a:rPr lang="zh-CN" altLang="en-US" sz="4000" b="1" dirty="0"/>
-              <a:t>客户端</a:t>
-            </a:r>
-            <a:endParaRPr lang="zh-CN" altLang="zh-CN" sz="4000" b="1" dirty="0"/>
-          </a:p>
-        </p:txBody>
-      </p:sp>
-      <p:sp>
-        <p:nvSpPr>
-          <p:cNvPr id="9" name="内容占位符 2"/>
-          <p:cNvSpPr txBox="1">
-            <a:spLocks/>
-          </p:cNvSpPr>
-          <p:nvPr/>
-        </p:nvSpPr>
-        <p:spPr>
-          <a:xfrm>
-            <a:off x="-149899" y="2939578"/>
-            <a:ext cx="13334398" cy="1198871"/>
-          </a:xfrm>
-          <a:prstGeom prst="rect">
-            <a:avLst/>
-          </a:prstGeom>
-        </p:spPr>
-        <p:txBody>
-          <a:bodyPr vert="horz" lIns="91440" tIns="45720" rIns="91440" bIns="45720" rtlCol="0">
-            <a:noAutofit/>
-          </a:bodyPr>
-          <a:lstStyle>
-            <a:lvl1pPr marL="342900" indent="-342900" algn="l" defTabSz="457200" rtl="0" eaLnBrk="1" latinLnBrk="0" hangingPunct="1">
-              <a:spcBef>
-                <a:spcPts val="1000"/>
-              </a:spcBef>
-              <a:spcAft>
-                <a:spcPts val="0"/>
-              </a:spcAft>
-              <a:buClr>
-                <a:schemeClr val="accent1"/>
-              </a:buClr>
-              <a:buSzPct val="80000"/>
-              <a:buFont typeface="Wingdings 3" charset="2"/>
-              <a:buChar char=""/>
-              <a:defRPr sz="1800" kern="1200">
-                <a:solidFill>
-                  <a:schemeClr val="tx1">
-                    <a:lumMod val="75000"/>
-                    <a:lumOff val="25000"/>
-                  </a:schemeClr>
-                </a:solidFill>
-                <a:latin typeface="+mn-lt"/>
-                <a:ea typeface="+mn-ea"/>
-                <a:cs typeface="+mn-cs"/>
-              </a:defRPr>
-            </a:lvl1pPr>
-            <a:lvl2pPr marL="742950" indent="-285750" algn="l" defTabSz="457200" rtl="0" eaLnBrk="1" latinLnBrk="0" hangingPunct="1">
-              <a:spcBef>
-                <a:spcPts val="1000"/>
-              </a:spcBef>
-              <a:spcAft>
-                <a:spcPts val="0"/>
-              </a:spcAft>
-              <a:buClr>
-                <a:schemeClr val="accent1"/>
-              </a:buClr>
-              <a:buSzPct val="80000"/>
-              <a:buFont typeface="Wingdings 3" charset="2"/>
-              <a:buChar char=""/>
-              <a:defRPr sz="1600" kern="1200">
-                <a:solidFill>
-                  <a:schemeClr val="tx1">
-                    <a:lumMod val="75000"/>
-                    <a:lumOff val="25000"/>
-                  </a:schemeClr>
-                </a:solidFill>
-                <a:latin typeface="+mn-lt"/>
-                <a:ea typeface="+mn-ea"/>
-                <a:cs typeface="+mn-cs"/>
-              </a:defRPr>
-            </a:lvl2pPr>
-            <a:lvl3pPr marL="1143000" indent="-228600" algn="l" defTabSz="457200" rtl="0" eaLnBrk="1" latinLnBrk="0" hangingPunct="1">
-              <a:spcBef>
-                <a:spcPts val="1000"/>
-              </a:spcBef>
-              <a:spcAft>
-                <a:spcPts val="0"/>
-              </a:spcAft>
-              <a:buClr>
-                <a:schemeClr val="accent1"/>
-              </a:buClr>
-              <a:buSzPct val="80000"/>
-              <a:buFont typeface="Wingdings 3" charset="2"/>
-              <a:buChar char=""/>
-              <a:defRPr sz="1400" kern="1200">
-                <a:solidFill>
-                  <a:schemeClr val="tx1">
-                    <a:lumMod val="75000"/>
-                    <a:lumOff val="25000"/>
-                  </a:schemeClr>
-                </a:solidFill>
-                <a:latin typeface="+mn-lt"/>
-                <a:ea typeface="+mn-ea"/>
-                <a:cs typeface="+mn-cs"/>
-              </a:defRPr>
-            </a:lvl3pPr>
-            <a:lvl4pPr marL="1600200" indent="-228600" algn="l" defTabSz="457200" rtl="0" eaLnBrk="1" latinLnBrk="0" hangingPunct="1">
-              <a:spcBef>
-                <a:spcPts val="1000"/>
-              </a:spcBef>
-              <a:spcAft>
-                <a:spcPts val="0"/>
-              </a:spcAft>
-              <a:buClr>
-                <a:schemeClr val="accent1"/>
-              </a:buClr>
-              <a:buSzPct val="80000"/>
-              <a:buFont typeface="Wingdings 3" charset="2"/>
-              <a:buChar char=""/>
-              <a:defRPr sz="1200" kern="1200">
-                <a:solidFill>
-                  <a:schemeClr val="tx1">
-                    <a:lumMod val="75000"/>
-                    <a:lumOff val="25000"/>
-                  </a:schemeClr>
-                </a:solidFill>
-                <a:latin typeface="+mn-lt"/>
-                <a:ea typeface="+mn-ea"/>
-                <a:cs typeface="+mn-cs"/>
-              </a:defRPr>
-            </a:lvl4pPr>
-            <a:lvl5pPr marL="2057400" indent="-228600" algn="l" defTabSz="457200" rtl="0" eaLnBrk="1" latinLnBrk="0" hangingPunct="1">
-              <a:spcBef>
-                <a:spcPts val="1000"/>
-              </a:spcBef>
-              <a:spcAft>
-                <a:spcPts val="0"/>
-              </a:spcAft>
-              <a:buClr>
-                <a:schemeClr val="accent1"/>
-              </a:buClr>
-              <a:buSzPct val="80000"/>
-              <a:buFont typeface="Wingdings 3" charset="2"/>
-              <a:buChar char=""/>
-              <a:defRPr sz="1200" kern="1200">
-                <a:solidFill>
-                  <a:schemeClr val="tx1">
-                    <a:lumMod val="75000"/>
-                    <a:lumOff val="25000"/>
-                  </a:schemeClr>
-                </a:solidFill>
-                <a:latin typeface="+mn-lt"/>
-                <a:ea typeface="+mn-ea"/>
-                <a:cs typeface="+mn-cs"/>
-              </a:defRPr>
-            </a:lvl5pPr>
-            <a:lvl6pPr marL="2514600" indent="-228600" algn="l" defTabSz="457200" rtl="0" eaLnBrk="1" latinLnBrk="0" hangingPunct="1">
-              <a:spcBef>
-                <a:spcPts val="1000"/>
-              </a:spcBef>
-              <a:spcAft>
-                <a:spcPts val="0"/>
-              </a:spcAft>
-              <a:buClr>
-                <a:schemeClr val="accent1"/>
-              </a:buClr>
-              <a:buSzPct val="80000"/>
-              <a:buFont typeface="Wingdings 3" charset="2"/>
-              <a:buChar char=""/>
-              <a:defRPr sz="1200" kern="1200">
-                <a:solidFill>
-                  <a:schemeClr val="tx1">
-                    <a:lumMod val="75000"/>
-                    <a:lumOff val="25000"/>
-                  </a:schemeClr>
-                </a:solidFill>
-                <a:latin typeface="+mn-lt"/>
-                <a:ea typeface="+mn-ea"/>
-                <a:cs typeface="+mn-cs"/>
-              </a:defRPr>
-            </a:lvl6pPr>
-            <a:lvl7pPr marL="2971800" indent="-228600" algn="l" defTabSz="457200" rtl="0" eaLnBrk="1" latinLnBrk="0" hangingPunct="1">
-              <a:spcBef>
-                <a:spcPts val="1000"/>
-              </a:spcBef>
-              <a:spcAft>
-                <a:spcPts val="0"/>
-              </a:spcAft>
-              <a:buClr>
-                <a:schemeClr val="accent1"/>
-              </a:buClr>
-              <a:buSzPct val="80000"/>
-              <a:buFont typeface="Wingdings 3" charset="2"/>
-              <a:buChar char=""/>
-              <a:defRPr sz="1200" kern="1200">
-                <a:solidFill>
-                  <a:schemeClr val="tx1">
-                    <a:lumMod val="75000"/>
-                    <a:lumOff val="25000"/>
-                  </a:schemeClr>
-                </a:solidFill>
-                <a:latin typeface="+mn-lt"/>
-                <a:ea typeface="+mn-ea"/>
-                <a:cs typeface="+mn-cs"/>
-              </a:defRPr>
-            </a:lvl7pPr>
-            <a:lvl8pPr marL="3429000" indent="-228600" algn="l" defTabSz="457200" rtl="0" eaLnBrk="1" latinLnBrk="0" hangingPunct="1">
-              <a:spcBef>
-                <a:spcPts val="1000"/>
-              </a:spcBef>
-              <a:spcAft>
-                <a:spcPts val="0"/>
-              </a:spcAft>
-              <a:buClr>
-                <a:schemeClr val="accent1"/>
-              </a:buClr>
-              <a:buSzPct val="80000"/>
-              <a:buFont typeface="Wingdings 3" charset="2"/>
-              <a:buChar char=""/>
-              <a:defRPr sz="1200" kern="1200">
-                <a:solidFill>
-                  <a:schemeClr val="tx1">
-                    <a:lumMod val="75000"/>
-                    <a:lumOff val="25000"/>
-                  </a:schemeClr>
-                </a:solidFill>
-                <a:latin typeface="+mn-lt"/>
-                <a:ea typeface="+mn-ea"/>
-                <a:cs typeface="+mn-cs"/>
-              </a:defRPr>
-            </a:lvl8pPr>
-            <a:lvl9pPr marL="3886200" indent="-228600" algn="l" defTabSz="457200" rtl="0" eaLnBrk="1" latinLnBrk="0" hangingPunct="1">
-              <a:spcBef>
-                <a:spcPts val="1000"/>
-              </a:spcBef>
-              <a:spcAft>
-                <a:spcPts val="0"/>
-              </a:spcAft>
-              <a:buClr>
-                <a:schemeClr val="accent1"/>
-              </a:buClr>
-              <a:buSzPct val="80000"/>
-              <a:buFont typeface="Wingdings 3" charset="2"/>
-              <a:buChar char=""/>
-              <a:defRPr sz="1200" kern="1200">
-                <a:solidFill>
-                  <a:schemeClr val="tx1">
-                    <a:lumMod val="75000"/>
-                    <a:lumOff val="25000"/>
-                  </a:schemeClr>
-                </a:solidFill>
-                <a:latin typeface="+mn-lt"/>
-                <a:ea typeface="+mn-ea"/>
-                <a:cs typeface="+mn-cs"/>
-              </a:defRPr>
-            </a:lvl9pPr>
-          </a:lstStyle>
-          <a:p>
-            <a:pPr lvl="2">
-              <a:buFont typeface="Wingdings" panose="05000000000000000000" pitchFamily="2" charset="2"/>
-              <a:buChar char="u"/>
-            </a:pPr>
-            <a:r>
-              <a:rPr lang="zh-CN" altLang="en-US" sz="4000" b="1" dirty="0"/>
-              <a:t>服务端</a:t>
-            </a:r>
-            <a:endParaRPr lang="zh-CN" altLang="zh-CN" sz="4000" b="1" dirty="0"/>
-          </a:p>
-        </p:txBody>
-      </p:sp>
-      <p:sp>
-        <p:nvSpPr>
-          <p:cNvPr id="10" name="内容占位符 2"/>
-          <p:cNvSpPr txBox="1">
-            <a:spLocks/>
-          </p:cNvSpPr>
-          <p:nvPr/>
-        </p:nvSpPr>
-        <p:spPr>
-          <a:xfrm>
-            <a:off x="-149899" y="4129604"/>
-            <a:ext cx="6001837" cy="1198871"/>
-          </a:xfrm>
-          <a:prstGeom prst="rect">
-            <a:avLst/>
-          </a:prstGeom>
-        </p:spPr>
-        <p:txBody>
-          <a:bodyPr vert="horz" lIns="91440" tIns="45720" rIns="91440" bIns="45720" rtlCol="0">
-            <a:noAutofit/>
-          </a:bodyPr>
-          <a:lstStyle>
-            <a:lvl1pPr marL="342900" indent="-342900" algn="l" defTabSz="457200" rtl="0" eaLnBrk="1" latinLnBrk="0" hangingPunct="1">
-              <a:spcBef>
-                <a:spcPts val="1000"/>
-              </a:spcBef>
-              <a:spcAft>
-                <a:spcPts val="0"/>
-              </a:spcAft>
-              <a:buClr>
-                <a:schemeClr val="accent1"/>
-              </a:buClr>
-              <a:buSzPct val="80000"/>
-              <a:buFont typeface="Wingdings 3" charset="2"/>
-              <a:buChar char=""/>
-              <a:defRPr sz="1800" kern="1200">
-                <a:solidFill>
-                  <a:schemeClr val="tx1">
-                    <a:lumMod val="75000"/>
-                    <a:lumOff val="25000"/>
-                  </a:schemeClr>
-                </a:solidFill>
-                <a:latin typeface="+mn-lt"/>
-                <a:ea typeface="+mn-ea"/>
-                <a:cs typeface="+mn-cs"/>
-              </a:defRPr>
-            </a:lvl1pPr>
-            <a:lvl2pPr marL="742950" indent="-285750" algn="l" defTabSz="457200" rtl="0" eaLnBrk="1" latinLnBrk="0" hangingPunct="1">
-              <a:spcBef>
-                <a:spcPts val="1000"/>
-              </a:spcBef>
-              <a:spcAft>
-                <a:spcPts val="0"/>
-              </a:spcAft>
-              <a:buClr>
-                <a:schemeClr val="accent1"/>
-              </a:buClr>
-              <a:buSzPct val="80000"/>
-              <a:buFont typeface="Wingdings 3" charset="2"/>
-              <a:buChar char=""/>
-              <a:defRPr sz="1600" kern="1200">
-                <a:solidFill>
-                  <a:schemeClr val="tx1">
-                    <a:lumMod val="75000"/>
-                    <a:lumOff val="25000"/>
-                  </a:schemeClr>
-                </a:solidFill>
-                <a:latin typeface="+mn-lt"/>
-                <a:ea typeface="+mn-ea"/>
-                <a:cs typeface="+mn-cs"/>
-              </a:defRPr>
-            </a:lvl2pPr>
-            <a:lvl3pPr marL="1143000" indent="-228600" algn="l" defTabSz="457200" rtl="0" eaLnBrk="1" latinLnBrk="0" hangingPunct="1">
-              <a:spcBef>
-                <a:spcPts val="1000"/>
-              </a:spcBef>
-              <a:spcAft>
-                <a:spcPts val="0"/>
-              </a:spcAft>
-              <a:buClr>
-                <a:schemeClr val="accent1"/>
-              </a:buClr>
-              <a:buSzPct val="80000"/>
-              <a:buFont typeface="Wingdings 3" charset="2"/>
-              <a:buChar char=""/>
-              <a:defRPr sz="1400" kern="1200">
-                <a:solidFill>
-                  <a:schemeClr val="tx1">
-                    <a:lumMod val="75000"/>
-                    <a:lumOff val="25000"/>
-                  </a:schemeClr>
-                </a:solidFill>
-                <a:latin typeface="+mn-lt"/>
-                <a:ea typeface="+mn-ea"/>
-                <a:cs typeface="+mn-cs"/>
-              </a:defRPr>
-            </a:lvl3pPr>
-            <a:lvl4pPr marL="1600200" indent="-228600" algn="l" defTabSz="457200" rtl="0" eaLnBrk="1" latinLnBrk="0" hangingPunct="1">
-              <a:spcBef>
-                <a:spcPts val="1000"/>
-              </a:spcBef>
-              <a:spcAft>
-                <a:spcPts val="0"/>
-              </a:spcAft>
-              <a:buClr>
-                <a:schemeClr val="accent1"/>
-              </a:buClr>
-              <a:buSzPct val="80000"/>
-              <a:buFont typeface="Wingdings 3" charset="2"/>
-              <a:buChar char=""/>
-              <a:defRPr sz="1200" kern="1200">
-                <a:solidFill>
-                  <a:schemeClr val="tx1">
-                    <a:lumMod val="75000"/>
-                    <a:lumOff val="25000"/>
-                  </a:schemeClr>
-                </a:solidFill>
-                <a:latin typeface="+mn-lt"/>
-                <a:ea typeface="+mn-ea"/>
-                <a:cs typeface="+mn-cs"/>
-              </a:defRPr>
-            </a:lvl4pPr>
-            <a:lvl5pPr marL="2057400" indent="-228600" algn="l" defTabSz="457200" rtl="0" eaLnBrk="1" latinLnBrk="0" hangingPunct="1">
-              <a:spcBef>
-                <a:spcPts val="1000"/>
-              </a:spcBef>
-              <a:spcAft>
-                <a:spcPts val="0"/>
-              </a:spcAft>
-              <a:buClr>
-                <a:schemeClr val="accent1"/>
-              </a:buClr>
-              <a:buSzPct val="80000"/>
-              <a:buFont typeface="Wingdings 3" charset="2"/>
-              <a:buChar char=""/>
-              <a:defRPr sz="1200" kern="1200">
-                <a:solidFill>
-                  <a:schemeClr val="tx1">
-                    <a:lumMod val="75000"/>
-                    <a:lumOff val="25000"/>
-                  </a:schemeClr>
-                </a:solidFill>
-                <a:latin typeface="+mn-lt"/>
-                <a:ea typeface="+mn-ea"/>
-                <a:cs typeface="+mn-cs"/>
-              </a:defRPr>
-            </a:lvl5pPr>
-            <a:lvl6pPr marL="2514600" indent="-228600" algn="l" defTabSz="457200" rtl="0" eaLnBrk="1" latinLnBrk="0" hangingPunct="1">
-              <a:spcBef>
-                <a:spcPts val="1000"/>
-              </a:spcBef>
-              <a:spcAft>
-                <a:spcPts val="0"/>
-              </a:spcAft>
-              <a:buClr>
-                <a:schemeClr val="accent1"/>
-              </a:buClr>
-              <a:buSzPct val="80000"/>
-              <a:buFont typeface="Wingdings 3" charset="2"/>
-              <a:buChar char=""/>
-              <a:defRPr sz="1200" kern="1200">
-                <a:solidFill>
-                  <a:schemeClr val="tx1">
-                    <a:lumMod val="75000"/>
-                    <a:lumOff val="25000"/>
-                  </a:schemeClr>
-                </a:solidFill>
-                <a:latin typeface="+mn-lt"/>
-                <a:ea typeface="+mn-ea"/>
-                <a:cs typeface="+mn-cs"/>
-              </a:defRPr>
-            </a:lvl6pPr>
-            <a:lvl7pPr marL="2971800" indent="-228600" algn="l" defTabSz="457200" rtl="0" eaLnBrk="1" latinLnBrk="0" hangingPunct="1">
-              <a:spcBef>
-                <a:spcPts val="1000"/>
-              </a:spcBef>
-              <a:spcAft>
-                <a:spcPts val="0"/>
-              </a:spcAft>
-              <a:buClr>
-                <a:schemeClr val="accent1"/>
-              </a:buClr>
-              <a:buSzPct val="80000"/>
-              <a:buFont typeface="Wingdings 3" charset="2"/>
-              <a:buChar char=""/>
-              <a:defRPr sz="1200" kern="1200">
-                <a:solidFill>
-                  <a:schemeClr val="tx1">
-                    <a:lumMod val="75000"/>
-                    <a:lumOff val="25000"/>
-                  </a:schemeClr>
-                </a:solidFill>
-                <a:latin typeface="+mn-lt"/>
-                <a:ea typeface="+mn-ea"/>
-                <a:cs typeface="+mn-cs"/>
-              </a:defRPr>
-            </a:lvl7pPr>
-            <a:lvl8pPr marL="3429000" indent="-228600" algn="l" defTabSz="457200" rtl="0" eaLnBrk="1" latinLnBrk="0" hangingPunct="1">
-              <a:spcBef>
-                <a:spcPts val="1000"/>
-              </a:spcBef>
-              <a:spcAft>
-                <a:spcPts val="0"/>
-              </a:spcAft>
-              <a:buClr>
-                <a:schemeClr val="accent1"/>
-              </a:buClr>
-              <a:buSzPct val="80000"/>
-              <a:buFont typeface="Wingdings 3" charset="2"/>
-              <a:buChar char=""/>
-              <a:defRPr sz="1200" kern="1200">
-                <a:solidFill>
-                  <a:schemeClr val="tx1">
-                    <a:lumMod val="75000"/>
-                    <a:lumOff val="25000"/>
-                  </a:schemeClr>
-                </a:solidFill>
-                <a:latin typeface="+mn-lt"/>
-                <a:ea typeface="+mn-ea"/>
-                <a:cs typeface="+mn-cs"/>
-              </a:defRPr>
-            </a:lvl8pPr>
-            <a:lvl9pPr marL="3886200" indent="-228600" algn="l" defTabSz="457200" rtl="0" eaLnBrk="1" latinLnBrk="0" hangingPunct="1">
-              <a:spcBef>
-                <a:spcPts val="1000"/>
-              </a:spcBef>
-              <a:spcAft>
-                <a:spcPts val="0"/>
-              </a:spcAft>
-              <a:buClr>
-                <a:schemeClr val="accent1"/>
-              </a:buClr>
-              <a:buSzPct val="80000"/>
-              <a:buFont typeface="Wingdings 3" charset="2"/>
-              <a:buChar char=""/>
-              <a:defRPr sz="1200" kern="1200">
-                <a:solidFill>
-                  <a:schemeClr val="tx1">
-                    <a:lumMod val="75000"/>
-                    <a:lumOff val="25000"/>
-                  </a:schemeClr>
-                </a:solidFill>
-                <a:latin typeface="+mn-lt"/>
-                <a:ea typeface="+mn-ea"/>
-                <a:cs typeface="+mn-cs"/>
-              </a:defRPr>
-            </a:lvl9pPr>
-          </a:lstStyle>
-          <a:p>
-            <a:pPr lvl="2">
-              <a:buFont typeface="Wingdings" panose="05000000000000000000" pitchFamily="2" charset="2"/>
-              <a:buChar char="u"/>
-            </a:pPr>
-            <a:r>
-              <a:rPr lang="zh-CN" altLang="en-US" sz="4000" b="1" dirty="0"/>
-              <a:t>数据库</a:t>
-            </a:r>
-            <a:endParaRPr lang="zh-CN" altLang="zh-CN" sz="4000" b="1" dirty="0"/>
-          </a:p>
-        </p:txBody>
-      </p:sp>
       <p:pic>
         <p:nvPicPr>
-          <p:cNvPr id="2" name="图片 1"/>
+          <p:cNvPr id="7" name="图片 6"/>
           <p:cNvPicPr>
             <a:picLocks noChangeAspect="1"/>
           </p:cNvPicPr>
@@ -10410,8 +11010,8 @@
         </p:blipFill>
         <p:spPr>
           <a:xfrm>
-            <a:off x="3962622" y="1625373"/>
-            <a:ext cx="1338677" cy="986797"/>
+            <a:off x="7227794" y="1138989"/>
+            <a:ext cx="2667762" cy="2370204"/>
           </a:xfrm>
           <a:prstGeom prst="rect">
             <a:avLst/>
@@ -10420,7 +11020,7 @@
       </p:pic>
       <p:pic>
         <p:nvPicPr>
-          <p:cNvPr id="3" name="图片 2"/>
+          <p:cNvPr id="8" name="图片 7"/>
           <p:cNvPicPr>
             <a:picLocks noChangeAspect="1"/>
           </p:cNvPicPr>
@@ -10440,388 +11040,8 @@
         </p:blipFill>
         <p:spPr>
           <a:xfrm>
-            <a:off x="5790809" y="1623368"/>
-            <a:ext cx="1326352" cy="1066040"/>
-          </a:xfrm>
-          <a:prstGeom prst="rect">
-            <a:avLst/>
-          </a:prstGeom>
-        </p:spPr>
-      </p:pic>
-      <p:sp>
-        <p:nvSpPr>
-          <p:cNvPr id="12" name="内容占位符 2"/>
-          <p:cNvSpPr txBox="1">
-            <a:spLocks/>
-          </p:cNvSpPr>
-          <p:nvPr/>
-        </p:nvSpPr>
-        <p:spPr>
-          <a:xfrm>
-            <a:off x="-149900" y="5376176"/>
-            <a:ext cx="4253710" cy="1198871"/>
-          </a:xfrm>
-          <a:prstGeom prst="rect">
-            <a:avLst/>
-          </a:prstGeom>
-        </p:spPr>
-        <p:txBody>
-          <a:bodyPr vert="horz" lIns="91440" tIns="45720" rIns="91440" bIns="45720" rtlCol="0">
-            <a:noAutofit/>
-          </a:bodyPr>
-          <a:lstStyle>
-            <a:lvl1pPr marL="342900" indent="-342900" algn="l" defTabSz="457200" rtl="0" eaLnBrk="1" latinLnBrk="0" hangingPunct="1">
-              <a:spcBef>
-                <a:spcPts val="1000"/>
-              </a:spcBef>
-              <a:spcAft>
-                <a:spcPts val="0"/>
-              </a:spcAft>
-              <a:buClr>
-                <a:schemeClr val="accent1"/>
-              </a:buClr>
-              <a:buSzPct val="80000"/>
-              <a:buFont typeface="Wingdings 3" charset="2"/>
-              <a:buChar char=""/>
-              <a:defRPr sz="1800" kern="1200">
-                <a:solidFill>
-                  <a:schemeClr val="tx1">
-                    <a:lumMod val="75000"/>
-                    <a:lumOff val="25000"/>
-                  </a:schemeClr>
-                </a:solidFill>
-                <a:latin typeface="+mn-lt"/>
-                <a:ea typeface="+mn-ea"/>
-                <a:cs typeface="+mn-cs"/>
-              </a:defRPr>
-            </a:lvl1pPr>
-            <a:lvl2pPr marL="742950" indent="-285750" algn="l" defTabSz="457200" rtl="0" eaLnBrk="1" latinLnBrk="0" hangingPunct="1">
-              <a:spcBef>
-                <a:spcPts val="1000"/>
-              </a:spcBef>
-              <a:spcAft>
-                <a:spcPts val="0"/>
-              </a:spcAft>
-              <a:buClr>
-                <a:schemeClr val="accent1"/>
-              </a:buClr>
-              <a:buSzPct val="80000"/>
-              <a:buFont typeface="Wingdings 3" charset="2"/>
-              <a:buChar char=""/>
-              <a:defRPr sz="1600" kern="1200">
-                <a:solidFill>
-                  <a:schemeClr val="tx1">
-                    <a:lumMod val="75000"/>
-                    <a:lumOff val="25000"/>
-                  </a:schemeClr>
-                </a:solidFill>
-                <a:latin typeface="+mn-lt"/>
-                <a:ea typeface="+mn-ea"/>
-                <a:cs typeface="+mn-cs"/>
-              </a:defRPr>
-            </a:lvl2pPr>
-            <a:lvl3pPr marL="1143000" indent="-228600" algn="l" defTabSz="457200" rtl="0" eaLnBrk="1" latinLnBrk="0" hangingPunct="1">
-              <a:spcBef>
-                <a:spcPts val="1000"/>
-              </a:spcBef>
-              <a:spcAft>
-                <a:spcPts val="0"/>
-              </a:spcAft>
-              <a:buClr>
-                <a:schemeClr val="accent1"/>
-              </a:buClr>
-              <a:buSzPct val="80000"/>
-              <a:buFont typeface="Wingdings 3" charset="2"/>
-              <a:buChar char=""/>
-              <a:defRPr sz="1400" kern="1200">
-                <a:solidFill>
-                  <a:schemeClr val="tx1">
-                    <a:lumMod val="75000"/>
-                    <a:lumOff val="25000"/>
-                  </a:schemeClr>
-                </a:solidFill>
-                <a:latin typeface="+mn-lt"/>
-                <a:ea typeface="+mn-ea"/>
-                <a:cs typeface="+mn-cs"/>
-              </a:defRPr>
-            </a:lvl3pPr>
-            <a:lvl4pPr marL="1600200" indent="-228600" algn="l" defTabSz="457200" rtl="0" eaLnBrk="1" latinLnBrk="0" hangingPunct="1">
-              <a:spcBef>
-                <a:spcPts val="1000"/>
-              </a:spcBef>
-              <a:spcAft>
-                <a:spcPts val="0"/>
-              </a:spcAft>
-              <a:buClr>
-                <a:schemeClr val="accent1"/>
-              </a:buClr>
-              <a:buSzPct val="80000"/>
-              <a:buFont typeface="Wingdings 3" charset="2"/>
-              <a:buChar char=""/>
-              <a:defRPr sz="1200" kern="1200">
-                <a:solidFill>
-                  <a:schemeClr val="tx1">
-                    <a:lumMod val="75000"/>
-                    <a:lumOff val="25000"/>
-                  </a:schemeClr>
-                </a:solidFill>
-                <a:latin typeface="+mn-lt"/>
-                <a:ea typeface="+mn-ea"/>
-                <a:cs typeface="+mn-cs"/>
-              </a:defRPr>
-            </a:lvl4pPr>
-            <a:lvl5pPr marL="2057400" indent="-228600" algn="l" defTabSz="457200" rtl="0" eaLnBrk="1" latinLnBrk="0" hangingPunct="1">
-              <a:spcBef>
-                <a:spcPts val="1000"/>
-              </a:spcBef>
-              <a:spcAft>
-                <a:spcPts val="0"/>
-              </a:spcAft>
-              <a:buClr>
-                <a:schemeClr val="accent1"/>
-              </a:buClr>
-              <a:buSzPct val="80000"/>
-              <a:buFont typeface="Wingdings 3" charset="2"/>
-              <a:buChar char=""/>
-              <a:defRPr sz="1200" kern="1200">
-                <a:solidFill>
-                  <a:schemeClr val="tx1">
-                    <a:lumMod val="75000"/>
-                    <a:lumOff val="25000"/>
-                  </a:schemeClr>
-                </a:solidFill>
-                <a:latin typeface="+mn-lt"/>
-                <a:ea typeface="+mn-ea"/>
-                <a:cs typeface="+mn-cs"/>
-              </a:defRPr>
-            </a:lvl5pPr>
-            <a:lvl6pPr marL="2514600" indent="-228600" algn="l" defTabSz="457200" rtl="0" eaLnBrk="1" latinLnBrk="0" hangingPunct="1">
-              <a:spcBef>
-                <a:spcPts val="1000"/>
-              </a:spcBef>
-              <a:spcAft>
-                <a:spcPts val="0"/>
-              </a:spcAft>
-              <a:buClr>
-                <a:schemeClr val="accent1"/>
-              </a:buClr>
-              <a:buSzPct val="80000"/>
-              <a:buFont typeface="Wingdings 3" charset="2"/>
-              <a:buChar char=""/>
-              <a:defRPr sz="1200" kern="1200">
-                <a:solidFill>
-                  <a:schemeClr val="tx1">
-                    <a:lumMod val="75000"/>
-                    <a:lumOff val="25000"/>
-                  </a:schemeClr>
-                </a:solidFill>
-                <a:latin typeface="+mn-lt"/>
-                <a:ea typeface="+mn-ea"/>
-                <a:cs typeface="+mn-cs"/>
-              </a:defRPr>
-            </a:lvl6pPr>
-            <a:lvl7pPr marL="2971800" indent="-228600" algn="l" defTabSz="457200" rtl="0" eaLnBrk="1" latinLnBrk="0" hangingPunct="1">
-              <a:spcBef>
-                <a:spcPts val="1000"/>
-              </a:spcBef>
-              <a:spcAft>
-                <a:spcPts val="0"/>
-              </a:spcAft>
-              <a:buClr>
-                <a:schemeClr val="accent1"/>
-              </a:buClr>
-              <a:buSzPct val="80000"/>
-              <a:buFont typeface="Wingdings 3" charset="2"/>
-              <a:buChar char=""/>
-              <a:defRPr sz="1200" kern="1200">
-                <a:solidFill>
-                  <a:schemeClr val="tx1">
-                    <a:lumMod val="75000"/>
-                    <a:lumOff val="25000"/>
-                  </a:schemeClr>
-                </a:solidFill>
-                <a:latin typeface="+mn-lt"/>
-                <a:ea typeface="+mn-ea"/>
-                <a:cs typeface="+mn-cs"/>
-              </a:defRPr>
-            </a:lvl7pPr>
-            <a:lvl8pPr marL="3429000" indent="-228600" algn="l" defTabSz="457200" rtl="0" eaLnBrk="1" latinLnBrk="0" hangingPunct="1">
-              <a:spcBef>
-                <a:spcPts val="1000"/>
-              </a:spcBef>
-              <a:spcAft>
-                <a:spcPts val="0"/>
-              </a:spcAft>
-              <a:buClr>
-                <a:schemeClr val="accent1"/>
-              </a:buClr>
-              <a:buSzPct val="80000"/>
-              <a:buFont typeface="Wingdings 3" charset="2"/>
-              <a:buChar char=""/>
-              <a:defRPr sz="1200" kern="1200">
-                <a:solidFill>
-                  <a:schemeClr val="tx1">
-                    <a:lumMod val="75000"/>
-                    <a:lumOff val="25000"/>
-                  </a:schemeClr>
-                </a:solidFill>
-                <a:latin typeface="+mn-lt"/>
-                <a:ea typeface="+mn-ea"/>
-                <a:cs typeface="+mn-cs"/>
-              </a:defRPr>
-            </a:lvl8pPr>
-            <a:lvl9pPr marL="3886200" indent="-228600" algn="l" defTabSz="457200" rtl="0" eaLnBrk="1" latinLnBrk="0" hangingPunct="1">
-              <a:spcBef>
-                <a:spcPts val="1000"/>
-              </a:spcBef>
-              <a:spcAft>
-                <a:spcPts val="0"/>
-              </a:spcAft>
-              <a:buClr>
-                <a:schemeClr val="accent1"/>
-              </a:buClr>
-              <a:buSzPct val="80000"/>
-              <a:buFont typeface="Wingdings 3" charset="2"/>
-              <a:buChar char=""/>
-              <a:defRPr sz="1200" kern="1200">
-                <a:solidFill>
-                  <a:schemeClr val="tx1">
-                    <a:lumMod val="75000"/>
-                    <a:lumOff val="25000"/>
-                  </a:schemeClr>
-                </a:solidFill>
-                <a:latin typeface="+mn-lt"/>
-                <a:ea typeface="+mn-ea"/>
-                <a:cs typeface="+mn-cs"/>
-              </a:defRPr>
-            </a:lvl9pPr>
-          </a:lstStyle>
-          <a:p>
-            <a:pPr lvl="2">
-              <a:buFont typeface="Wingdings" panose="05000000000000000000" pitchFamily="2" charset="2"/>
-              <a:buChar char="u"/>
-            </a:pPr>
-            <a:r>
-              <a:rPr lang="zh-CN" altLang="en-US" sz="4000" b="1" dirty="0"/>
-              <a:t>版本管理</a:t>
-            </a:r>
-            <a:endParaRPr lang="zh-CN" altLang="zh-CN" sz="4000" b="1" dirty="0"/>
-          </a:p>
-        </p:txBody>
-      </p:sp>
-      <p:pic>
-        <p:nvPicPr>
-          <p:cNvPr id="8" name="图片 7"/>
-          <p:cNvPicPr>
-            <a:picLocks noChangeAspect="1"/>
-          </p:cNvPicPr>
-          <p:nvPr/>
-        </p:nvPicPr>
-        <p:blipFill>
-          <a:blip r:embed="rId6" cstate="screen">
-            <a:extLst>
-              <a:ext uri="{28A0092B-C50C-407E-A947-70E740481C1C}">
-                <a14:useLocalDpi xmlns:a14="http://schemas.microsoft.com/office/drawing/2010/main"/>
-              </a:ext>
-            </a:extLst>
-          </a:blip>
-          <a:stretch>
-            <a:fillRect/>
-          </a:stretch>
-        </p:blipFill>
-        <p:spPr>
-          <a:xfrm>
-            <a:off x="6763067" y="3924430"/>
-            <a:ext cx="1836767" cy="965309"/>
-          </a:xfrm>
-          <a:prstGeom prst="rect">
-            <a:avLst/>
-          </a:prstGeom>
-        </p:spPr>
-      </p:pic>
-      <p:pic>
-        <p:nvPicPr>
-          <p:cNvPr id="13" name="图片 12"/>
-          <p:cNvPicPr>
-            <a:picLocks noChangeAspect="1"/>
-          </p:cNvPicPr>
-          <p:nvPr/>
-        </p:nvPicPr>
-        <p:blipFill>
-          <a:blip r:embed="rId7" cstate="screen">
-            <a:extLst>
-              <a:ext uri="{28A0092B-C50C-407E-A947-70E740481C1C}">
-                <a14:useLocalDpi xmlns:a14="http://schemas.microsoft.com/office/drawing/2010/main"/>
-              </a:ext>
-            </a:extLst>
-          </a:blip>
-          <a:stretch>
-            <a:fillRect/>
-          </a:stretch>
-        </p:blipFill>
-        <p:spPr>
-          <a:xfrm>
-            <a:off x="3962622" y="2876063"/>
-            <a:ext cx="1475509" cy="911000"/>
-          </a:xfrm>
-          <a:prstGeom prst="rect">
-            <a:avLst/>
-          </a:prstGeom>
-        </p:spPr>
-      </p:pic>
-      <p:pic>
-        <p:nvPicPr>
-          <p:cNvPr id="17" name="图片 16"/>
-          <p:cNvPicPr>
-            <a:picLocks noChangeAspect="1"/>
-          </p:cNvPicPr>
-          <p:nvPr/>
-        </p:nvPicPr>
-        <p:blipFill rotWithShape="1">
-          <a:blip r:embed="rId8" cstate="screen">
-            <a:extLst>
-              <a:ext uri="{28A0092B-C50C-407E-A947-70E740481C1C}">
-                <a14:useLocalDpi xmlns:a14="http://schemas.microsoft.com/office/drawing/2010/main"/>
-              </a:ext>
-            </a:extLst>
-          </a:blip>
-          <a:srcRect/>
-          <a:stretch/>
-        </p:blipFill>
-        <p:spPr>
-          <a:xfrm>
-            <a:off x="5679084" y="2954503"/>
-            <a:ext cx="2068702" cy="871409"/>
-          </a:xfrm>
-          <a:prstGeom prst="rect">
-            <a:avLst/>
-          </a:prstGeom>
-        </p:spPr>
-      </p:pic>
-      <p:pic>
-        <p:nvPicPr>
-          <p:cNvPr id="19" name="图片 18"/>
-          <p:cNvPicPr>
-            <a:picLocks noChangeAspect="1"/>
-          </p:cNvPicPr>
-          <p:nvPr/>
-        </p:nvPicPr>
-        <p:blipFill>
-          <a:blip r:embed="rId9" cstate="screen">
-            <a:extLst>
-              <a:ext uri="{28A0092B-C50C-407E-A947-70E740481C1C}">
-                <a14:useLocalDpi xmlns:a14="http://schemas.microsoft.com/office/drawing/2010/main"/>
-              </a:ext>
-            </a:extLst>
-          </a:blip>
-          <a:stretch>
-            <a:fillRect/>
-          </a:stretch>
-        </p:blipFill>
-        <p:spPr>
-          <a:xfrm>
-            <a:off x="8261535" y="2818316"/>
-            <a:ext cx="1181843" cy="942410"/>
+            <a:off x="6869502" y="3963739"/>
+            <a:ext cx="2130628" cy="2675227"/>
           </a:xfrm>
           <a:prstGeom prst="rect">
             <a:avLst/>
@@ -10831,7 +11051,7 @@
     </p:spTree>
     <p:extLst>
       <p:ext uri="{BB962C8B-B14F-4D97-AF65-F5344CB8AC3E}">
-        <p14:creationId xmlns:p14="http://schemas.microsoft.com/office/powerpoint/2010/main" val="3686872691"/>
+        <p14:creationId xmlns:p14="http://schemas.microsoft.com/office/powerpoint/2010/main" val="3119334478"/>
       </p:ext>
     </p:extLst>
   </p:cSld>
@@ -10870,8 +11090,8 @@
         </p:nvSpPr>
         <p:spPr>
           <a:xfrm>
-            <a:off x="677334" y="609600"/>
-            <a:ext cx="4210672" cy="897466"/>
+            <a:off x="677334" y="287315"/>
+            <a:ext cx="6550460" cy="762000"/>
           </a:xfrm>
         </p:spPr>
         <p:txBody>
@@ -10881,112 +11101,1370 @@
           <a:lstStyle/>
           <a:p>
             <a:r>
-              <a:rPr lang="zh-CN" altLang="en-US" b="1" dirty="0">
-                <a:latin typeface="STXingkai" charset="-122"/>
-                <a:ea typeface="STXingkai" charset="-122"/>
+              <a:rPr kumimoji="1" lang="zh-CN" altLang="en-US" sz="4400" b="1" dirty="0">
+                <a:latin typeface="微软雅黑" panose="020B0503020204020204" pitchFamily="34" charset="-122"/>
+                <a:ea typeface="微软雅黑" panose="020B0503020204020204" pitchFamily="34" charset="-122"/>
                 <a:cs typeface="STXingkai" charset="-122"/>
               </a:rPr>
-              <a:t>系统架构设计</a:t>
-            </a:r>
-            <a:endParaRPr kumimoji="1" lang="zh-CN" altLang="en-US" dirty="0">
-              <a:latin typeface="STXingkai" charset="-122"/>
-              <a:ea typeface="STXingkai" charset="-122"/>
-              <a:cs typeface="STXingkai" charset="-122"/>
-            </a:endParaRPr>
-          </a:p>
-        </p:txBody>
-      </p:sp>
-      <p:sp>
-        <p:nvSpPr>
-          <p:cNvPr id="6" name="Rectangle 1"/>
-          <p:cNvSpPr>
-            <a:spLocks noChangeArrowheads="1"/>
-          </p:cNvSpPr>
-          <p:nvPr/>
-        </p:nvSpPr>
-        <p:spPr bwMode="auto">
-          <a:xfrm>
-            <a:off x="0" y="0"/>
-            <a:ext cx="12192000" cy="0"/>
-          </a:xfrm>
-          <a:prstGeom prst="rect">
-            <a:avLst/>
-          </a:prstGeom>
-          <a:noFill/>
-          <a:ln>
-            <a:noFill/>
-          </a:ln>
-          <a:effectLst/>
-          <a:extLst>
-            <a:ext uri="{909E8E84-426E-40DD-AFC4-6F175D3DCCD1}">
-              <a14:hiddenFill xmlns:a14="http://schemas.microsoft.com/office/drawing/2010/main">
-                <a:solidFill>
-                  <a:schemeClr val="accent1"/>
-                </a:solidFill>
-              </a14:hiddenFill>
-            </a:ext>
-            <a:ext uri="{91240B29-F687-4F45-9708-019B960494DF}">
-              <a14:hiddenLine xmlns:a14="http://schemas.microsoft.com/office/drawing/2010/main" w="9525">
-                <a:solidFill>
-                  <a:schemeClr val="tx1"/>
-                </a:solidFill>
-                <a:miter lim="800000"/>
-                <a:headEnd/>
-                <a:tailEnd/>
-              </a14:hiddenLine>
-            </a:ext>
-            <a:ext uri="{AF507438-7753-43E0-B8FC-AC1667EBCBE1}">
-              <a14:hiddenEffects xmlns:a14="http://schemas.microsoft.com/office/drawing/2010/main">
-                <a:effectLst>
-                  <a:outerShdw dist="35921" dir="2700000" algn="ctr" rotWithShape="0">
-                    <a:schemeClr val="bg2"/>
-                  </a:outerShdw>
-                </a:effectLst>
-              </a14:hiddenEffects>
-            </a:ext>
-          </a:extLst>
-        </p:spPr>
-        <p:txBody>
-          <a:bodyPr vert="horz" wrap="none" lIns="91440" tIns="45720" rIns="91440" bIns="45720" numCol="1" anchor="ctr" anchorCtr="0" compatLnSpc="1">
-            <a:prstTxWarp prst="textNoShape">
-              <a:avLst/>
-            </a:prstTxWarp>
-            <a:spAutoFit/>
-          </a:bodyPr>
-          <a:lstStyle/>
-          <a:p>
-            <a:endParaRPr lang="zh-CN" altLang="en-US"/>
+              <a:t>系统设计及实现</a:t>
+            </a:r>
           </a:p>
         </p:txBody>
       </p:sp>
       <p:pic>
         <p:nvPicPr>
-          <p:cNvPr id="3" name="图片 2"/>
+          <p:cNvPr id="9" name="图片 8"/>
           <p:cNvPicPr>
             <a:picLocks noChangeAspect="1"/>
           </p:cNvPicPr>
           <p:nvPr/>
         </p:nvPicPr>
         <p:blipFill>
-          <a:blip r:embed="rId2"/>
+          <a:blip r:embed="rId2" cstate="screen">
+            <a:extLst>
+              <a:ext uri="{28A0092B-C50C-407E-A947-70E740481C1C}">
+                <a14:useLocalDpi xmlns:a14="http://schemas.microsoft.com/office/drawing/2010/main"/>
+              </a:ext>
+            </a:extLst>
+          </a:blip>
           <a:stretch>
             <a:fillRect/>
           </a:stretch>
         </p:blipFill>
         <p:spPr>
           <a:xfrm>
-            <a:off x="834189" y="1507066"/>
-            <a:ext cx="8229600" cy="4328715"/>
+            <a:off x="4437041" y="5873611"/>
+            <a:ext cx="1625870" cy="679252"/>
           </a:xfrm>
           <a:prstGeom prst="rect">
             <a:avLst/>
           </a:prstGeom>
         </p:spPr>
       </p:pic>
+      <p:pic>
+        <p:nvPicPr>
+          <p:cNvPr id="10" name="图片 9"/>
+          <p:cNvPicPr>
+            <a:picLocks noChangeAspect="1"/>
+          </p:cNvPicPr>
+          <p:nvPr/>
+        </p:nvPicPr>
+        <p:blipFill rotWithShape="1">
+          <a:blip r:embed="rId3" cstate="screen">
+            <a:extLst>
+              <a:ext uri="{28A0092B-C50C-407E-A947-70E740481C1C}">
+                <a14:useLocalDpi xmlns:a14="http://schemas.microsoft.com/office/drawing/2010/main"/>
+              </a:ext>
+            </a:extLst>
+          </a:blip>
+          <a:srcRect/>
+          <a:stretch/>
+        </p:blipFill>
+        <p:spPr>
+          <a:xfrm>
+            <a:off x="4375912" y="4549325"/>
+            <a:ext cx="2245053" cy="856669"/>
+          </a:xfrm>
+          <a:prstGeom prst="rect">
+            <a:avLst/>
+          </a:prstGeom>
+        </p:spPr>
+      </p:pic>
+      <p:sp>
+        <p:nvSpPr>
+          <p:cNvPr id="11" name="内容占位符 2"/>
+          <p:cNvSpPr txBox="1">
+            <a:spLocks/>
+          </p:cNvSpPr>
+          <p:nvPr/>
+        </p:nvSpPr>
+        <p:spPr>
+          <a:xfrm>
+            <a:off x="609380" y="2179526"/>
+            <a:ext cx="4294683" cy="1198871"/>
+          </a:xfrm>
+          <a:prstGeom prst="rect">
+            <a:avLst/>
+          </a:prstGeom>
+        </p:spPr>
+        <p:txBody>
+          <a:bodyPr vert="horz" lIns="91440" tIns="45720" rIns="91440" bIns="45720" rtlCol="0">
+            <a:noAutofit/>
+          </a:bodyPr>
+          <a:lstStyle>
+            <a:lvl1pPr marL="342900" indent="-342900" algn="l" defTabSz="457200" rtl="0" eaLnBrk="1" latinLnBrk="0" hangingPunct="1">
+              <a:spcBef>
+                <a:spcPts val="1000"/>
+              </a:spcBef>
+              <a:spcAft>
+                <a:spcPts val="0"/>
+              </a:spcAft>
+              <a:buClr>
+                <a:schemeClr val="accent1"/>
+              </a:buClr>
+              <a:buSzPct val="80000"/>
+              <a:buFont typeface="Wingdings 3" charset="2"/>
+              <a:buChar char=""/>
+              <a:defRPr sz="1800" kern="1200">
+                <a:solidFill>
+                  <a:schemeClr val="tx1">
+                    <a:lumMod val="75000"/>
+                    <a:lumOff val="25000"/>
+                  </a:schemeClr>
+                </a:solidFill>
+                <a:latin typeface="+mn-lt"/>
+                <a:ea typeface="+mn-ea"/>
+                <a:cs typeface="+mn-cs"/>
+              </a:defRPr>
+            </a:lvl1pPr>
+            <a:lvl2pPr marL="742950" indent="-285750" algn="l" defTabSz="457200" rtl="0" eaLnBrk="1" latinLnBrk="0" hangingPunct="1">
+              <a:spcBef>
+                <a:spcPts val="1000"/>
+              </a:spcBef>
+              <a:spcAft>
+                <a:spcPts val="0"/>
+              </a:spcAft>
+              <a:buClr>
+                <a:schemeClr val="accent1"/>
+              </a:buClr>
+              <a:buSzPct val="80000"/>
+              <a:buFont typeface="Wingdings 3" charset="2"/>
+              <a:buChar char=""/>
+              <a:defRPr sz="1600" kern="1200">
+                <a:solidFill>
+                  <a:schemeClr val="tx1">
+                    <a:lumMod val="75000"/>
+                    <a:lumOff val="25000"/>
+                  </a:schemeClr>
+                </a:solidFill>
+                <a:latin typeface="+mn-lt"/>
+                <a:ea typeface="+mn-ea"/>
+                <a:cs typeface="+mn-cs"/>
+              </a:defRPr>
+            </a:lvl2pPr>
+            <a:lvl3pPr marL="1143000" indent="-228600" algn="l" defTabSz="457200" rtl="0" eaLnBrk="1" latinLnBrk="0" hangingPunct="1">
+              <a:spcBef>
+                <a:spcPts val="1000"/>
+              </a:spcBef>
+              <a:spcAft>
+                <a:spcPts val="0"/>
+              </a:spcAft>
+              <a:buClr>
+                <a:schemeClr val="accent1"/>
+              </a:buClr>
+              <a:buSzPct val="80000"/>
+              <a:buFont typeface="Wingdings 3" charset="2"/>
+              <a:buChar char=""/>
+              <a:defRPr sz="1400" kern="1200">
+                <a:solidFill>
+                  <a:schemeClr val="tx1">
+                    <a:lumMod val="75000"/>
+                    <a:lumOff val="25000"/>
+                  </a:schemeClr>
+                </a:solidFill>
+                <a:latin typeface="+mn-lt"/>
+                <a:ea typeface="+mn-ea"/>
+                <a:cs typeface="+mn-cs"/>
+              </a:defRPr>
+            </a:lvl3pPr>
+            <a:lvl4pPr marL="1600200" indent="-228600" algn="l" defTabSz="457200" rtl="0" eaLnBrk="1" latinLnBrk="0" hangingPunct="1">
+              <a:spcBef>
+                <a:spcPts val="1000"/>
+              </a:spcBef>
+              <a:spcAft>
+                <a:spcPts val="0"/>
+              </a:spcAft>
+              <a:buClr>
+                <a:schemeClr val="accent1"/>
+              </a:buClr>
+              <a:buSzPct val="80000"/>
+              <a:buFont typeface="Wingdings 3" charset="2"/>
+              <a:buChar char=""/>
+              <a:defRPr sz="1200" kern="1200">
+                <a:solidFill>
+                  <a:schemeClr val="tx1">
+                    <a:lumMod val="75000"/>
+                    <a:lumOff val="25000"/>
+                  </a:schemeClr>
+                </a:solidFill>
+                <a:latin typeface="+mn-lt"/>
+                <a:ea typeface="+mn-ea"/>
+                <a:cs typeface="+mn-cs"/>
+              </a:defRPr>
+            </a:lvl4pPr>
+            <a:lvl5pPr marL="2057400" indent="-228600" algn="l" defTabSz="457200" rtl="0" eaLnBrk="1" latinLnBrk="0" hangingPunct="1">
+              <a:spcBef>
+                <a:spcPts val="1000"/>
+              </a:spcBef>
+              <a:spcAft>
+                <a:spcPts val="0"/>
+              </a:spcAft>
+              <a:buClr>
+                <a:schemeClr val="accent1"/>
+              </a:buClr>
+              <a:buSzPct val="80000"/>
+              <a:buFont typeface="Wingdings 3" charset="2"/>
+              <a:buChar char=""/>
+              <a:defRPr sz="1200" kern="1200">
+                <a:solidFill>
+                  <a:schemeClr val="tx1">
+                    <a:lumMod val="75000"/>
+                    <a:lumOff val="25000"/>
+                  </a:schemeClr>
+                </a:solidFill>
+                <a:latin typeface="+mn-lt"/>
+                <a:ea typeface="+mn-ea"/>
+                <a:cs typeface="+mn-cs"/>
+              </a:defRPr>
+            </a:lvl5pPr>
+            <a:lvl6pPr marL="2514600" indent="-228600" algn="l" defTabSz="457200" rtl="0" eaLnBrk="1" latinLnBrk="0" hangingPunct="1">
+              <a:spcBef>
+                <a:spcPts val="1000"/>
+              </a:spcBef>
+              <a:spcAft>
+                <a:spcPts val="0"/>
+              </a:spcAft>
+              <a:buClr>
+                <a:schemeClr val="accent1"/>
+              </a:buClr>
+              <a:buSzPct val="80000"/>
+              <a:buFont typeface="Wingdings 3" charset="2"/>
+              <a:buChar char=""/>
+              <a:defRPr sz="1200" kern="1200">
+                <a:solidFill>
+                  <a:schemeClr val="tx1">
+                    <a:lumMod val="75000"/>
+                    <a:lumOff val="25000"/>
+                  </a:schemeClr>
+                </a:solidFill>
+                <a:latin typeface="+mn-lt"/>
+                <a:ea typeface="+mn-ea"/>
+                <a:cs typeface="+mn-cs"/>
+              </a:defRPr>
+            </a:lvl6pPr>
+            <a:lvl7pPr marL="2971800" indent="-228600" algn="l" defTabSz="457200" rtl="0" eaLnBrk="1" latinLnBrk="0" hangingPunct="1">
+              <a:spcBef>
+                <a:spcPts val="1000"/>
+              </a:spcBef>
+              <a:spcAft>
+                <a:spcPts val="0"/>
+              </a:spcAft>
+              <a:buClr>
+                <a:schemeClr val="accent1"/>
+              </a:buClr>
+              <a:buSzPct val="80000"/>
+              <a:buFont typeface="Wingdings 3" charset="2"/>
+              <a:buChar char=""/>
+              <a:defRPr sz="1200" kern="1200">
+                <a:solidFill>
+                  <a:schemeClr val="tx1">
+                    <a:lumMod val="75000"/>
+                    <a:lumOff val="25000"/>
+                  </a:schemeClr>
+                </a:solidFill>
+                <a:latin typeface="+mn-lt"/>
+                <a:ea typeface="+mn-ea"/>
+                <a:cs typeface="+mn-cs"/>
+              </a:defRPr>
+            </a:lvl7pPr>
+            <a:lvl8pPr marL="3429000" indent="-228600" algn="l" defTabSz="457200" rtl="0" eaLnBrk="1" latinLnBrk="0" hangingPunct="1">
+              <a:spcBef>
+                <a:spcPts val="1000"/>
+              </a:spcBef>
+              <a:spcAft>
+                <a:spcPts val="0"/>
+              </a:spcAft>
+              <a:buClr>
+                <a:schemeClr val="accent1"/>
+              </a:buClr>
+              <a:buSzPct val="80000"/>
+              <a:buFont typeface="Wingdings 3" charset="2"/>
+              <a:buChar char=""/>
+              <a:defRPr sz="1200" kern="1200">
+                <a:solidFill>
+                  <a:schemeClr val="tx1">
+                    <a:lumMod val="75000"/>
+                    <a:lumOff val="25000"/>
+                  </a:schemeClr>
+                </a:solidFill>
+                <a:latin typeface="+mn-lt"/>
+                <a:ea typeface="+mn-ea"/>
+                <a:cs typeface="+mn-cs"/>
+              </a:defRPr>
+            </a:lvl8pPr>
+            <a:lvl9pPr marL="3886200" indent="-228600" algn="l" defTabSz="457200" rtl="0" eaLnBrk="1" latinLnBrk="0" hangingPunct="1">
+              <a:spcBef>
+                <a:spcPts val="1000"/>
+              </a:spcBef>
+              <a:spcAft>
+                <a:spcPts val="0"/>
+              </a:spcAft>
+              <a:buClr>
+                <a:schemeClr val="accent1"/>
+              </a:buClr>
+              <a:buSzPct val="80000"/>
+              <a:buFont typeface="Wingdings 3" charset="2"/>
+              <a:buChar char=""/>
+              <a:defRPr sz="1200" kern="1200">
+                <a:solidFill>
+                  <a:schemeClr val="tx1">
+                    <a:lumMod val="75000"/>
+                    <a:lumOff val="25000"/>
+                  </a:schemeClr>
+                </a:solidFill>
+                <a:latin typeface="+mn-lt"/>
+                <a:ea typeface="+mn-ea"/>
+                <a:cs typeface="+mn-cs"/>
+              </a:defRPr>
+            </a:lvl9pPr>
+          </a:lstStyle>
+          <a:p>
+            <a:pPr lvl="1">
+              <a:buFont typeface="Wingdings" panose="05000000000000000000" pitchFamily="2" charset="2"/>
+              <a:buChar char="u"/>
+            </a:pPr>
+            <a:r>
+              <a:rPr lang="zh-CN" altLang="en-US" sz="3200" b="1" dirty="0">
+                <a:latin typeface="微软雅黑" panose="020B0503020204020204" pitchFamily="34" charset="-122"/>
+                <a:ea typeface="微软雅黑" panose="020B0503020204020204" pitchFamily="34" charset="-122"/>
+              </a:rPr>
+              <a:t>客户端</a:t>
+            </a:r>
+            <a:endParaRPr lang="zh-CN" altLang="zh-CN" sz="3200" b="1" dirty="0">
+              <a:latin typeface="微软雅黑" panose="020B0503020204020204" pitchFamily="34" charset="-122"/>
+              <a:ea typeface="微软雅黑" panose="020B0503020204020204" pitchFamily="34" charset="-122"/>
+            </a:endParaRPr>
+          </a:p>
+        </p:txBody>
+      </p:sp>
+      <p:sp>
+        <p:nvSpPr>
+          <p:cNvPr id="12" name="内容占位符 2"/>
+          <p:cNvSpPr txBox="1">
+            <a:spLocks/>
+          </p:cNvSpPr>
+          <p:nvPr/>
+        </p:nvSpPr>
+        <p:spPr>
+          <a:xfrm>
+            <a:off x="122203" y="3362057"/>
+            <a:ext cx="13334398" cy="1198871"/>
+          </a:xfrm>
+          <a:prstGeom prst="rect">
+            <a:avLst/>
+          </a:prstGeom>
+        </p:spPr>
+        <p:txBody>
+          <a:bodyPr vert="horz" lIns="91440" tIns="45720" rIns="91440" bIns="45720" rtlCol="0">
+            <a:noAutofit/>
+          </a:bodyPr>
+          <a:lstStyle>
+            <a:lvl1pPr marL="342900" indent="-342900" algn="l" defTabSz="457200" rtl="0" eaLnBrk="1" latinLnBrk="0" hangingPunct="1">
+              <a:spcBef>
+                <a:spcPts val="1000"/>
+              </a:spcBef>
+              <a:spcAft>
+                <a:spcPts val="0"/>
+              </a:spcAft>
+              <a:buClr>
+                <a:schemeClr val="accent1"/>
+              </a:buClr>
+              <a:buSzPct val="80000"/>
+              <a:buFont typeface="Wingdings 3" charset="2"/>
+              <a:buChar char=""/>
+              <a:defRPr sz="1800" kern="1200">
+                <a:solidFill>
+                  <a:schemeClr val="tx1">
+                    <a:lumMod val="75000"/>
+                    <a:lumOff val="25000"/>
+                  </a:schemeClr>
+                </a:solidFill>
+                <a:latin typeface="+mn-lt"/>
+                <a:ea typeface="+mn-ea"/>
+                <a:cs typeface="+mn-cs"/>
+              </a:defRPr>
+            </a:lvl1pPr>
+            <a:lvl2pPr marL="742950" indent="-285750" algn="l" defTabSz="457200" rtl="0" eaLnBrk="1" latinLnBrk="0" hangingPunct="1">
+              <a:spcBef>
+                <a:spcPts val="1000"/>
+              </a:spcBef>
+              <a:spcAft>
+                <a:spcPts val="0"/>
+              </a:spcAft>
+              <a:buClr>
+                <a:schemeClr val="accent1"/>
+              </a:buClr>
+              <a:buSzPct val="80000"/>
+              <a:buFont typeface="Wingdings 3" charset="2"/>
+              <a:buChar char=""/>
+              <a:defRPr sz="1600" kern="1200">
+                <a:solidFill>
+                  <a:schemeClr val="tx1">
+                    <a:lumMod val="75000"/>
+                    <a:lumOff val="25000"/>
+                  </a:schemeClr>
+                </a:solidFill>
+                <a:latin typeface="+mn-lt"/>
+                <a:ea typeface="+mn-ea"/>
+                <a:cs typeface="+mn-cs"/>
+              </a:defRPr>
+            </a:lvl2pPr>
+            <a:lvl3pPr marL="1143000" indent="-228600" algn="l" defTabSz="457200" rtl="0" eaLnBrk="1" latinLnBrk="0" hangingPunct="1">
+              <a:spcBef>
+                <a:spcPts val="1000"/>
+              </a:spcBef>
+              <a:spcAft>
+                <a:spcPts val="0"/>
+              </a:spcAft>
+              <a:buClr>
+                <a:schemeClr val="accent1"/>
+              </a:buClr>
+              <a:buSzPct val="80000"/>
+              <a:buFont typeface="Wingdings 3" charset="2"/>
+              <a:buChar char=""/>
+              <a:defRPr sz="1400" kern="1200">
+                <a:solidFill>
+                  <a:schemeClr val="tx1">
+                    <a:lumMod val="75000"/>
+                    <a:lumOff val="25000"/>
+                  </a:schemeClr>
+                </a:solidFill>
+                <a:latin typeface="+mn-lt"/>
+                <a:ea typeface="+mn-ea"/>
+                <a:cs typeface="+mn-cs"/>
+              </a:defRPr>
+            </a:lvl3pPr>
+            <a:lvl4pPr marL="1600200" indent="-228600" algn="l" defTabSz="457200" rtl="0" eaLnBrk="1" latinLnBrk="0" hangingPunct="1">
+              <a:spcBef>
+                <a:spcPts val="1000"/>
+              </a:spcBef>
+              <a:spcAft>
+                <a:spcPts val="0"/>
+              </a:spcAft>
+              <a:buClr>
+                <a:schemeClr val="accent1"/>
+              </a:buClr>
+              <a:buSzPct val="80000"/>
+              <a:buFont typeface="Wingdings 3" charset="2"/>
+              <a:buChar char=""/>
+              <a:defRPr sz="1200" kern="1200">
+                <a:solidFill>
+                  <a:schemeClr val="tx1">
+                    <a:lumMod val="75000"/>
+                    <a:lumOff val="25000"/>
+                  </a:schemeClr>
+                </a:solidFill>
+                <a:latin typeface="+mn-lt"/>
+                <a:ea typeface="+mn-ea"/>
+                <a:cs typeface="+mn-cs"/>
+              </a:defRPr>
+            </a:lvl4pPr>
+            <a:lvl5pPr marL="2057400" indent="-228600" algn="l" defTabSz="457200" rtl="0" eaLnBrk="1" latinLnBrk="0" hangingPunct="1">
+              <a:spcBef>
+                <a:spcPts val="1000"/>
+              </a:spcBef>
+              <a:spcAft>
+                <a:spcPts val="0"/>
+              </a:spcAft>
+              <a:buClr>
+                <a:schemeClr val="accent1"/>
+              </a:buClr>
+              <a:buSzPct val="80000"/>
+              <a:buFont typeface="Wingdings 3" charset="2"/>
+              <a:buChar char=""/>
+              <a:defRPr sz="1200" kern="1200">
+                <a:solidFill>
+                  <a:schemeClr val="tx1">
+                    <a:lumMod val="75000"/>
+                    <a:lumOff val="25000"/>
+                  </a:schemeClr>
+                </a:solidFill>
+                <a:latin typeface="+mn-lt"/>
+                <a:ea typeface="+mn-ea"/>
+                <a:cs typeface="+mn-cs"/>
+              </a:defRPr>
+            </a:lvl5pPr>
+            <a:lvl6pPr marL="2514600" indent="-228600" algn="l" defTabSz="457200" rtl="0" eaLnBrk="1" latinLnBrk="0" hangingPunct="1">
+              <a:spcBef>
+                <a:spcPts val="1000"/>
+              </a:spcBef>
+              <a:spcAft>
+                <a:spcPts val="0"/>
+              </a:spcAft>
+              <a:buClr>
+                <a:schemeClr val="accent1"/>
+              </a:buClr>
+              <a:buSzPct val="80000"/>
+              <a:buFont typeface="Wingdings 3" charset="2"/>
+              <a:buChar char=""/>
+              <a:defRPr sz="1200" kern="1200">
+                <a:solidFill>
+                  <a:schemeClr val="tx1">
+                    <a:lumMod val="75000"/>
+                    <a:lumOff val="25000"/>
+                  </a:schemeClr>
+                </a:solidFill>
+                <a:latin typeface="+mn-lt"/>
+                <a:ea typeface="+mn-ea"/>
+                <a:cs typeface="+mn-cs"/>
+              </a:defRPr>
+            </a:lvl6pPr>
+            <a:lvl7pPr marL="2971800" indent="-228600" algn="l" defTabSz="457200" rtl="0" eaLnBrk="1" latinLnBrk="0" hangingPunct="1">
+              <a:spcBef>
+                <a:spcPts val="1000"/>
+              </a:spcBef>
+              <a:spcAft>
+                <a:spcPts val="0"/>
+              </a:spcAft>
+              <a:buClr>
+                <a:schemeClr val="accent1"/>
+              </a:buClr>
+              <a:buSzPct val="80000"/>
+              <a:buFont typeface="Wingdings 3" charset="2"/>
+              <a:buChar char=""/>
+              <a:defRPr sz="1200" kern="1200">
+                <a:solidFill>
+                  <a:schemeClr val="tx1">
+                    <a:lumMod val="75000"/>
+                    <a:lumOff val="25000"/>
+                  </a:schemeClr>
+                </a:solidFill>
+                <a:latin typeface="+mn-lt"/>
+                <a:ea typeface="+mn-ea"/>
+                <a:cs typeface="+mn-cs"/>
+              </a:defRPr>
+            </a:lvl7pPr>
+            <a:lvl8pPr marL="3429000" indent="-228600" algn="l" defTabSz="457200" rtl="0" eaLnBrk="1" latinLnBrk="0" hangingPunct="1">
+              <a:spcBef>
+                <a:spcPts val="1000"/>
+              </a:spcBef>
+              <a:spcAft>
+                <a:spcPts val="0"/>
+              </a:spcAft>
+              <a:buClr>
+                <a:schemeClr val="accent1"/>
+              </a:buClr>
+              <a:buSzPct val="80000"/>
+              <a:buFont typeface="Wingdings 3" charset="2"/>
+              <a:buChar char=""/>
+              <a:defRPr sz="1200" kern="1200">
+                <a:solidFill>
+                  <a:schemeClr val="tx1">
+                    <a:lumMod val="75000"/>
+                    <a:lumOff val="25000"/>
+                  </a:schemeClr>
+                </a:solidFill>
+                <a:latin typeface="+mn-lt"/>
+                <a:ea typeface="+mn-ea"/>
+                <a:cs typeface="+mn-cs"/>
+              </a:defRPr>
+            </a:lvl8pPr>
+            <a:lvl9pPr marL="3886200" indent="-228600" algn="l" defTabSz="457200" rtl="0" eaLnBrk="1" latinLnBrk="0" hangingPunct="1">
+              <a:spcBef>
+                <a:spcPts val="1000"/>
+              </a:spcBef>
+              <a:spcAft>
+                <a:spcPts val="0"/>
+              </a:spcAft>
+              <a:buClr>
+                <a:schemeClr val="accent1"/>
+              </a:buClr>
+              <a:buSzPct val="80000"/>
+              <a:buFont typeface="Wingdings 3" charset="2"/>
+              <a:buChar char=""/>
+              <a:defRPr sz="1200" kern="1200">
+                <a:solidFill>
+                  <a:schemeClr val="tx1">
+                    <a:lumMod val="75000"/>
+                    <a:lumOff val="25000"/>
+                  </a:schemeClr>
+                </a:solidFill>
+                <a:latin typeface="+mn-lt"/>
+                <a:ea typeface="+mn-ea"/>
+                <a:cs typeface="+mn-cs"/>
+              </a:defRPr>
+            </a:lvl9pPr>
+          </a:lstStyle>
+          <a:p>
+            <a:pPr lvl="2">
+              <a:buFont typeface="Wingdings" panose="05000000000000000000" pitchFamily="2" charset="2"/>
+              <a:buChar char="u"/>
+            </a:pPr>
+            <a:r>
+              <a:rPr lang="zh-CN" altLang="en-US" sz="3200" b="1" dirty="0">
+                <a:latin typeface="微软雅黑" panose="020B0503020204020204" pitchFamily="34" charset="-122"/>
+                <a:ea typeface="微软雅黑" panose="020B0503020204020204" pitchFamily="34" charset="-122"/>
+              </a:rPr>
+              <a:t>服务端</a:t>
+            </a:r>
+            <a:endParaRPr lang="zh-CN" altLang="zh-CN" sz="3200" b="1" dirty="0">
+              <a:latin typeface="微软雅黑" panose="020B0503020204020204" pitchFamily="34" charset="-122"/>
+              <a:ea typeface="微软雅黑" panose="020B0503020204020204" pitchFamily="34" charset="-122"/>
+            </a:endParaRPr>
+          </a:p>
+        </p:txBody>
+      </p:sp>
+      <p:sp>
+        <p:nvSpPr>
+          <p:cNvPr id="13" name="内容占位符 2"/>
+          <p:cNvSpPr txBox="1">
+            <a:spLocks/>
+          </p:cNvSpPr>
+          <p:nvPr/>
+        </p:nvSpPr>
+        <p:spPr>
+          <a:xfrm>
+            <a:off x="122203" y="4552083"/>
+            <a:ext cx="6001837" cy="1198871"/>
+          </a:xfrm>
+          <a:prstGeom prst="rect">
+            <a:avLst/>
+          </a:prstGeom>
+        </p:spPr>
+        <p:txBody>
+          <a:bodyPr vert="horz" lIns="91440" tIns="45720" rIns="91440" bIns="45720" rtlCol="0">
+            <a:noAutofit/>
+          </a:bodyPr>
+          <a:lstStyle>
+            <a:lvl1pPr marL="342900" indent="-342900" algn="l" defTabSz="457200" rtl="0" eaLnBrk="1" latinLnBrk="0" hangingPunct="1">
+              <a:spcBef>
+                <a:spcPts val="1000"/>
+              </a:spcBef>
+              <a:spcAft>
+                <a:spcPts val="0"/>
+              </a:spcAft>
+              <a:buClr>
+                <a:schemeClr val="accent1"/>
+              </a:buClr>
+              <a:buSzPct val="80000"/>
+              <a:buFont typeface="Wingdings 3" charset="2"/>
+              <a:buChar char=""/>
+              <a:defRPr sz="1800" kern="1200">
+                <a:solidFill>
+                  <a:schemeClr val="tx1">
+                    <a:lumMod val="75000"/>
+                    <a:lumOff val="25000"/>
+                  </a:schemeClr>
+                </a:solidFill>
+                <a:latin typeface="+mn-lt"/>
+                <a:ea typeface="+mn-ea"/>
+                <a:cs typeface="+mn-cs"/>
+              </a:defRPr>
+            </a:lvl1pPr>
+            <a:lvl2pPr marL="742950" indent="-285750" algn="l" defTabSz="457200" rtl="0" eaLnBrk="1" latinLnBrk="0" hangingPunct="1">
+              <a:spcBef>
+                <a:spcPts val="1000"/>
+              </a:spcBef>
+              <a:spcAft>
+                <a:spcPts val="0"/>
+              </a:spcAft>
+              <a:buClr>
+                <a:schemeClr val="accent1"/>
+              </a:buClr>
+              <a:buSzPct val="80000"/>
+              <a:buFont typeface="Wingdings 3" charset="2"/>
+              <a:buChar char=""/>
+              <a:defRPr sz="1600" kern="1200">
+                <a:solidFill>
+                  <a:schemeClr val="tx1">
+                    <a:lumMod val="75000"/>
+                    <a:lumOff val="25000"/>
+                  </a:schemeClr>
+                </a:solidFill>
+                <a:latin typeface="+mn-lt"/>
+                <a:ea typeface="+mn-ea"/>
+                <a:cs typeface="+mn-cs"/>
+              </a:defRPr>
+            </a:lvl2pPr>
+            <a:lvl3pPr marL="1143000" indent="-228600" algn="l" defTabSz="457200" rtl="0" eaLnBrk="1" latinLnBrk="0" hangingPunct="1">
+              <a:spcBef>
+                <a:spcPts val="1000"/>
+              </a:spcBef>
+              <a:spcAft>
+                <a:spcPts val="0"/>
+              </a:spcAft>
+              <a:buClr>
+                <a:schemeClr val="accent1"/>
+              </a:buClr>
+              <a:buSzPct val="80000"/>
+              <a:buFont typeface="Wingdings 3" charset="2"/>
+              <a:buChar char=""/>
+              <a:defRPr sz="1400" kern="1200">
+                <a:solidFill>
+                  <a:schemeClr val="tx1">
+                    <a:lumMod val="75000"/>
+                    <a:lumOff val="25000"/>
+                  </a:schemeClr>
+                </a:solidFill>
+                <a:latin typeface="+mn-lt"/>
+                <a:ea typeface="+mn-ea"/>
+                <a:cs typeface="+mn-cs"/>
+              </a:defRPr>
+            </a:lvl3pPr>
+            <a:lvl4pPr marL="1600200" indent="-228600" algn="l" defTabSz="457200" rtl="0" eaLnBrk="1" latinLnBrk="0" hangingPunct="1">
+              <a:spcBef>
+                <a:spcPts val="1000"/>
+              </a:spcBef>
+              <a:spcAft>
+                <a:spcPts val="0"/>
+              </a:spcAft>
+              <a:buClr>
+                <a:schemeClr val="accent1"/>
+              </a:buClr>
+              <a:buSzPct val="80000"/>
+              <a:buFont typeface="Wingdings 3" charset="2"/>
+              <a:buChar char=""/>
+              <a:defRPr sz="1200" kern="1200">
+                <a:solidFill>
+                  <a:schemeClr val="tx1">
+                    <a:lumMod val="75000"/>
+                    <a:lumOff val="25000"/>
+                  </a:schemeClr>
+                </a:solidFill>
+                <a:latin typeface="+mn-lt"/>
+                <a:ea typeface="+mn-ea"/>
+                <a:cs typeface="+mn-cs"/>
+              </a:defRPr>
+            </a:lvl4pPr>
+            <a:lvl5pPr marL="2057400" indent="-228600" algn="l" defTabSz="457200" rtl="0" eaLnBrk="1" latinLnBrk="0" hangingPunct="1">
+              <a:spcBef>
+                <a:spcPts val="1000"/>
+              </a:spcBef>
+              <a:spcAft>
+                <a:spcPts val="0"/>
+              </a:spcAft>
+              <a:buClr>
+                <a:schemeClr val="accent1"/>
+              </a:buClr>
+              <a:buSzPct val="80000"/>
+              <a:buFont typeface="Wingdings 3" charset="2"/>
+              <a:buChar char=""/>
+              <a:defRPr sz="1200" kern="1200">
+                <a:solidFill>
+                  <a:schemeClr val="tx1">
+                    <a:lumMod val="75000"/>
+                    <a:lumOff val="25000"/>
+                  </a:schemeClr>
+                </a:solidFill>
+                <a:latin typeface="+mn-lt"/>
+                <a:ea typeface="+mn-ea"/>
+                <a:cs typeface="+mn-cs"/>
+              </a:defRPr>
+            </a:lvl5pPr>
+            <a:lvl6pPr marL="2514600" indent="-228600" algn="l" defTabSz="457200" rtl="0" eaLnBrk="1" latinLnBrk="0" hangingPunct="1">
+              <a:spcBef>
+                <a:spcPts val="1000"/>
+              </a:spcBef>
+              <a:spcAft>
+                <a:spcPts val="0"/>
+              </a:spcAft>
+              <a:buClr>
+                <a:schemeClr val="accent1"/>
+              </a:buClr>
+              <a:buSzPct val="80000"/>
+              <a:buFont typeface="Wingdings 3" charset="2"/>
+              <a:buChar char=""/>
+              <a:defRPr sz="1200" kern="1200">
+                <a:solidFill>
+                  <a:schemeClr val="tx1">
+                    <a:lumMod val="75000"/>
+                    <a:lumOff val="25000"/>
+                  </a:schemeClr>
+                </a:solidFill>
+                <a:latin typeface="+mn-lt"/>
+                <a:ea typeface="+mn-ea"/>
+                <a:cs typeface="+mn-cs"/>
+              </a:defRPr>
+            </a:lvl6pPr>
+            <a:lvl7pPr marL="2971800" indent="-228600" algn="l" defTabSz="457200" rtl="0" eaLnBrk="1" latinLnBrk="0" hangingPunct="1">
+              <a:spcBef>
+                <a:spcPts val="1000"/>
+              </a:spcBef>
+              <a:spcAft>
+                <a:spcPts val="0"/>
+              </a:spcAft>
+              <a:buClr>
+                <a:schemeClr val="accent1"/>
+              </a:buClr>
+              <a:buSzPct val="80000"/>
+              <a:buFont typeface="Wingdings 3" charset="2"/>
+              <a:buChar char=""/>
+              <a:defRPr sz="1200" kern="1200">
+                <a:solidFill>
+                  <a:schemeClr val="tx1">
+                    <a:lumMod val="75000"/>
+                    <a:lumOff val="25000"/>
+                  </a:schemeClr>
+                </a:solidFill>
+                <a:latin typeface="+mn-lt"/>
+                <a:ea typeface="+mn-ea"/>
+                <a:cs typeface="+mn-cs"/>
+              </a:defRPr>
+            </a:lvl7pPr>
+            <a:lvl8pPr marL="3429000" indent="-228600" algn="l" defTabSz="457200" rtl="0" eaLnBrk="1" latinLnBrk="0" hangingPunct="1">
+              <a:spcBef>
+                <a:spcPts val="1000"/>
+              </a:spcBef>
+              <a:spcAft>
+                <a:spcPts val="0"/>
+              </a:spcAft>
+              <a:buClr>
+                <a:schemeClr val="accent1"/>
+              </a:buClr>
+              <a:buSzPct val="80000"/>
+              <a:buFont typeface="Wingdings 3" charset="2"/>
+              <a:buChar char=""/>
+              <a:defRPr sz="1200" kern="1200">
+                <a:solidFill>
+                  <a:schemeClr val="tx1">
+                    <a:lumMod val="75000"/>
+                    <a:lumOff val="25000"/>
+                  </a:schemeClr>
+                </a:solidFill>
+                <a:latin typeface="+mn-lt"/>
+                <a:ea typeface="+mn-ea"/>
+                <a:cs typeface="+mn-cs"/>
+              </a:defRPr>
+            </a:lvl8pPr>
+            <a:lvl9pPr marL="3886200" indent="-228600" algn="l" defTabSz="457200" rtl="0" eaLnBrk="1" latinLnBrk="0" hangingPunct="1">
+              <a:spcBef>
+                <a:spcPts val="1000"/>
+              </a:spcBef>
+              <a:spcAft>
+                <a:spcPts val="0"/>
+              </a:spcAft>
+              <a:buClr>
+                <a:schemeClr val="accent1"/>
+              </a:buClr>
+              <a:buSzPct val="80000"/>
+              <a:buFont typeface="Wingdings 3" charset="2"/>
+              <a:buChar char=""/>
+              <a:defRPr sz="1200" kern="1200">
+                <a:solidFill>
+                  <a:schemeClr val="tx1">
+                    <a:lumMod val="75000"/>
+                    <a:lumOff val="25000"/>
+                  </a:schemeClr>
+                </a:solidFill>
+                <a:latin typeface="+mn-lt"/>
+                <a:ea typeface="+mn-ea"/>
+                <a:cs typeface="+mn-cs"/>
+              </a:defRPr>
+            </a:lvl9pPr>
+          </a:lstStyle>
+          <a:p>
+            <a:pPr lvl="2">
+              <a:buFont typeface="Wingdings" panose="05000000000000000000" pitchFamily="2" charset="2"/>
+              <a:buChar char="u"/>
+            </a:pPr>
+            <a:r>
+              <a:rPr lang="zh-CN" altLang="en-US" sz="3200" b="1" dirty="0">
+                <a:latin typeface="微软雅黑" panose="020B0503020204020204" pitchFamily="34" charset="-122"/>
+                <a:ea typeface="微软雅黑" panose="020B0503020204020204" pitchFamily="34" charset="-122"/>
+              </a:rPr>
+              <a:t>数据库</a:t>
+            </a:r>
+            <a:endParaRPr lang="zh-CN" altLang="zh-CN" sz="3200" b="1" dirty="0">
+              <a:latin typeface="微软雅黑" panose="020B0503020204020204" pitchFamily="34" charset="-122"/>
+              <a:ea typeface="微软雅黑" panose="020B0503020204020204" pitchFamily="34" charset="-122"/>
+            </a:endParaRPr>
+          </a:p>
+        </p:txBody>
+      </p:sp>
+      <p:pic>
+        <p:nvPicPr>
+          <p:cNvPr id="14" name="图片 13"/>
+          <p:cNvPicPr>
+            <a:picLocks noChangeAspect="1"/>
+          </p:cNvPicPr>
+          <p:nvPr/>
+        </p:nvPicPr>
+        <p:blipFill>
+          <a:blip r:embed="rId4" cstate="screen">
+            <a:extLst>
+              <a:ext uri="{28A0092B-C50C-407E-A947-70E740481C1C}">
+                <a14:useLocalDpi xmlns:a14="http://schemas.microsoft.com/office/drawing/2010/main"/>
+              </a:ext>
+            </a:extLst>
+          </a:blip>
+          <a:stretch>
+            <a:fillRect/>
+          </a:stretch>
+        </p:blipFill>
+        <p:spPr>
+          <a:xfrm>
+            <a:off x="4234724" y="2047852"/>
+            <a:ext cx="1338677" cy="986797"/>
+          </a:xfrm>
+          <a:prstGeom prst="rect">
+            <a:avLst/>
+          </a:prstGeom>
+        </p:spPr>
+      </p:pic>
+      <p:pic>
+        <p:nvPicPr>
+          <p:cNvPr id="15" name="图片 14"/>
+          <p:cNvPicPr>
+            <a:picLocks noChangeAspect="1"/>
+          </p:cNvPicPr>
+          <p:nvPr/>
+        </p:nvPicPr>
+        <p:blipFill>
+          <a:blip r:embed="rId5" cstate="screen">
+            <a:extLst>
+              <a:ext uri="{28A0092B-C50C-407E-A947-70E740481C1C}">
+                <a14:useLocalDpi xmlns:a14="http://schemas.microsoft.com/office/drawing/2010/main"/>
+              </a:ext>
+            </a:extLst>
+          </a:blip>
+          <a:stretch>
+            <a:fillRect/>
+          </a:stretch>
+        </p:blipFill>
+        <p:spPr>
+          <a:xfrm>
+            <a:off x="6062911" y="2045847"/>
+            <a:ext cx="1326352" cy="1066040"/>
+          </a:xfrm>
+          <a:prstGeom prst="rect">
+            <a:avLst/>
+          </a:prstGeom>
+        </p:spPr>
+      </p:pic>
+      <p:sp>
+        <p:nvSpPr>
+          <p:cNvPr id="16" name="内容占位符 2"/>
+          <p:cNvSpPr txBox="1">
+            <a:spLocks/>
+          </p:cNvSpPr>
+          <p:nvPr/>
+        </p:nvSpPr>
+        <p:spPr>
+          <a:xfrm>
+            <a:off x="122202" y="5798655"/>
+            <a:ext cx="4253710" cy="1198871"/>
+          </a:xfrm>
+          <a:prstGeom prst="rect">
+            <a:avLst/>
+          </a:prstGeom>
+        </p:spPr>
+        <p:txBody>
+          <a:bodyPr vert="horz" lIns="91440" tIns="45720" rIns="91440" bIns="45720" rtlCol="0">
+            <a:noAutofit/>
+          </a:bodyPr>
+          <a:lstStyle>
+            <a:lvl1pPr marL="342900" indent="-342900" algn="l" defTabSz="457200" rtl="0" eaLnBrk="1" latinLnBrk="0" hangingPunct="1">
+              <a:spcBef>
+                <a:spcPts val="1000"/>
+              </a:spcBef>
+              <a:spcAft>
+                <a:spcPts val="0"/>
+              </a:spcAft>
+              <a:buClr>
+                <a:schemeClr val="accent1"/>
+              </a:buClr>
+              <a:buSzPct val="80000"/>
+              <a:buFont typeface="Wingdings 3" charset="2"/>
+              <a:buChar char=""/>
+              <a:defRPr sz="1800" kern="1200">
+                <a:solidFill>
+                  <a:schemeClr val="tx1">
+                    <a:lumMod val="75000"/>
+                    <a:lumOff val="25000"/>
+                  </a:schemeClr>
+                </a:solidFill>
+                <a:latin typeface="+mn-lt"/>
+                <a:ea typeface="+mn-ea"/>
+                <a:cs typeface="+mn-cs"/>
+              </a:defRPr>
+            </a:lvl1pPr>
+            <a:lvl2pPr marL="742950" indent="-285750" algn="l" defTabSz="457200" rtl="0" eaLnBrk="1" latinLnBrk="0" hangingPunct="1">
+              <a:spcBef>
+                <a:spcPts val="1000"/>
+              </a:spcBef>
+              <a:spcAft>
+                <a:spcPts val="0"/>
+              </a:spcAft>
+              <a:buClr>
+                <a:schemeClr val="accent1"/>
+              </a:buClr>
+              <a:buSzPct val="80000"/>
+              <a:buFont typeface="Wingdings 3" charset="2"/>
+              <a:buChar char=""/>
+              <a:defRPr sz="1600" kern="1200">
+                <a:solidFill>
+                  <a:schemeClr val="tx1">
+                    <a:lumMod val="75000"/>
+                    <a:lumOff val="25000"/>
+                  </a:schemeClr>
+                </a:solidFill>
+                <a:latin typeface="+mn-lt"/>
+                <a:ea typeface="+mn-ea"/>
+                <a:cs typeface="+mn-cs"/>
+              </a:defRPr>
+            </a:lvl2pPr>
+            <a:lvl3pPr marL="1143000" indent="-228600" algn="l" defTabSz="457200" rtl="0" eaLnBrk="1" latinLnBrk="0" hangingPunct="1">
+              <a:spcBef>
+                <a:spcPts val="1000"/>
+              </a:spcBef>
+              <a:spcAft>
+                <a:spcPts val="0"/>
+              </a:spcAft>
+              <a:buClr>
+                <a:schemeClr val="accent1"/>
+              </a:buClr>
+              <a:buSzPct val="80000"/>
+              <a:buFont typeface="Wingdings 3" charset="2"/>
+              <a:buChar char=""/>
+              <a:defRPr sz="1400" kern="1200">
+                <a:solidFill>
+                  <a:schemeClr val="tx1">
+                    <a:lumMod val="75000"/>
+                    <a:lumOff val="25000"/>
+                  </a:schemeClr>
+                </a:solidFill>
+                <a:latin typeface="+mn-lt"/>
+                <a:ea typeface="+mn-ea"/>
+                <a:cs typeface="+mn-cs"/>
+              </a:defRPr>
+            </a:lvl3pPr>
+            <a:lvl4pPr marL="1600200" indent="-228600" algn="l" defTabSz="457200" rtl="0" eaLnBrk="1" latinLnBrk="0" hangingPunct="1">
+              <a:spcBef>
+                <a:spcPts val="1000"/>
+              </a:spcBef>
+              <a:spcAft>
+                <a:spcPts val="0"/>
+              </a:spcAft>
+              <a:buClr>
+                <a:schemeClr val="accent1"/>
+              </a:buClr>
+              <a:buSzPct val="80000"/>
+              <a:buFont typeface="Wingdings 3" charset="2"/>
+              <a:buChar char=""/>
+              <a:defRPr sz="1200" kern="1200">
+                <a:solidFill>
+                  <a:schemeClr val="tx1">
+                    <a:lumMod val="75000"/>
+                    <a:lumOff val="25000"/>
+                  </a:schemeClr>
+                </a:solidFill>
+                <a:latin typeface="+mn-lt"/>
+                <a:ea typeface="+mn-ea"/>
+                <a:cs typeface="+mn-cs"/>
+              </a:defRPr>
+            </a:lvl4pPr>
+            <a:lvl5pPr marL="2057400" indent="-228600" algn="l" defTabSz="457200" rtl="0" eaLnBrk="1" latinLnBrk="0" hangingPunct="1">
+              <a:spcBef>
+                <a:spcPts val="1000"/>
+              </a:spcBef>
+              <a:spcAft>
+                <a:spcPts val="0"/>
+              </a:spcAft>
+              <a:buClr>
+                <a:schemeClr val="accent1"/>
+              </a:buClr>
+              <a:buSzPct val="80000"/>
+              <a:buFont typeface="Wingdings 3" charset="2"/>
+              <a:buChar char=""/>
+              <a:defRPr sz="1200" kern="1200">
+                <a:solidFill>
+                  <a:schemeClr val="tx1">
+                    <a:lumMod val="75000"/>
+                    <a:lumOff val="25000"/>
+                  </a:schemeClr>
+                </a:solidFill>
+                <a:latin typeface="+mn-lt"/>
+                <a:ea typeface="+mn-ea"/>
+                <a:cs typeface="+mn-cs"/>
+              </a:defRPr>
+            </a:lvl5pPr>
+            <a:lvl6pPr marL="2514600" indent="-228600" algn="l" defTabSz="457200" rtl="0" eaLnBrk="1" latinLnBrk="0" hangingPunct="1">
+              <a:spcBef>
+                <a:spcPts val="1000"/>
+              </a:spcBef>
+              <a:spcAft>
+                <a:spcPts val="0"/>
+              </a:spcAft>
+              <a:buClr>
+                <a:schemeClr val="accent1"/>
+              </a:buClr>
+              <a:buSzPct val="80000"/>
+              <a:buFont typeface="Wingdings 3" charset="2"/>
+              <a:buChar char=""/>
+              <a:defRPr sz="1200" kern="1200">
+                <a:solidFill>
+                  <a:schemeClr val="tx1">
+                    <a:lumMod val="75000"/>
+                    <a:lumOff val="25000"/>
+                  </a:schemeClr>
+                </a:solidFill>
+                <a:latin typeface="+mn-lt"/>
+                <a:ea typeface="+mn-ea"/>
+                <a:cs typeface="+mn-cs"/>
+              </a:defRPr>
+            </a:lvl6pPr>
+            <a:lvl7pPr marL="2971800" indent="-228600" algn="l" defTabSz="457200" rtl="0" eaLnBrk="1" latinLnBrk="0" hangingPunct="1">
+              <a:spcBef>
+                <a:spcPts val="1000"/>
+              </a:spcBef>
+              <a:spcAft>
+                <a:spcPts val="0"/>
+              </a:spcAft>
+              <a:buClr>
+                <a:schemeClr val="accent1"/>
+              </a:buClr>
+              <a:buSzPct val="80000"/>
+              <a:buFont typeface="Wingdings 3" charset="2"/>
+              <a:buChar char=""/>
+              <a:defRPr sz="1200" kern="1200">
+                <a:solidFill>
+                  <a:schemeClr val="tx1">
+                    <a:lumMod val="75000"/>
+                    <a:lumOff val="25000"/>
+                  </a:schemeClr>
+                </a:solidFill>
+                <a:latin typeface="+mn-lt"/>
+                <a:ea typeface="+mn-ea"/>
+                <a:cs typeface="+mn-cs"/>
+              </a:defRPr>
+            </a:lvl7pPr>
+            <a:lvl8pPr marL="3429000" indent="-228600" algn="l" defTabSz="457200" rtl="0" eaLnBrk="1" latinLnBrk="0" hangingPunct="1">
+              <a:spcBef>
+                <a:spcPts val="1000"/>
+              </a:spcBef>
+              <a:spcAft>
+                <a:spcPts val="0"/>
+              </a:spcAft>
+              <a:buClr>
+                <a:schemeClr val="accent1"/>
+              </a:buClr>
+              <a:buSzPct val="80000"/>
+              <a:buFont typeface="Wingdings 3" charset="2"/>
+              <a:buChar char=""/>
+              <a:defRPr sz="1200" kern="1200">
+                <a:solidFill>
+                  <a:schemeClr val="tx1">
+                    <a:lumMod val="75000"/>
+                    <a:lumOff val="25000"/>
+                  </a:schemeClr>
+                </a:solidFill>
+                <a:latin typeface="+mn-lt"/>
+                <a:ea typeface="+mn-ea"/>
+                <a:cs typeface="+mn-cs"/>
+              </a:defRPr>
+            </a:lvl8pPr>
+            <a:lvl9pPr marL="3886200" indent="-228600" algn="l" defTabSz="457200" rtl="0" eaLnBrk="1" latinLnBrk="0" hangingPunct="1">
+              <a:spcBef>
+                <a:spcPts val="1000"/>
+              </a:spcBef>
+              <a:spcAft>
+                <a:spcPts val="0"/>
+              </a:spcAft>
+              <a:buClr>
+                <a:schemeClr val="accent1"/>
+              </a:buClr>
+              <a:buSzPct val="80000"/>
+              <a:buFont typeface="Wingdings 3" charset="2"/>
+              <a:buChar char=""/>
+              <a:defRPr sz="1200" kern="1200">
+                <a:solidFill>
+                  <a:schemeClr val="tx1">
+                    <a:lumMod val="75000"/>
+                    <a:lumOff val="25000"/>
+                  </a:schemeClr>
+                </a:solidFill>
+                <a:latin typeface="+mn-lt"/>
+                <a:ea typeface="+mn-ea"/>
+                <a:cs typeface="+mn-cs"/>
+              </a:defRPr>
+            </a:lvl9pPr>
+          </a:lstStyle>
+          <a:p>
+            <a:pPr lvl="2">
+              <a:buFont typeface="Wingdings" panose="05000000000000000000" pitchFamily="2" charset="2"/>
+              <a:buChar char="u"/>
+            </a:pPr>
+            <a:r>
+              <a:rPr lang="zh-CN" altLang="en-US" sz="3200" b="1" dirty="0">
+                <a:latin typeface="微软雅黑" panose="020B0503020204020204" pitchFamily="34" charset="-122"/>
+                <a:ea typeface="微软雅黑" panose="020B0503020204020204" pitchFamily="34" charset="-122"/>
+              </a:rPr>
+              <a:t>版本管理</a:t>
+            </a:r>
+            <a:endParaRPr lang="zh-CN" altLang="zh-CN" sz="3200" b="1" dirty="0">
+              <a:latin typeface="微软雅黑" panose="020B0503020204020204" pitchFamily="34" charset="-122"/>
+              <a:ea typeface="微软雅黑" panose="020B0503020204020204" pitchFamily="34" charset="-122"/>
+            </a:endParaRPr>
+          </a:p>
+        </p:txBody>
+      </p:sp>
+      <p:pic>
+        <p:nvPicPr>
+          <p:cNvPr id="17" name="图片 16"/>
+          <p:cNvPicPr>
+            <a:picLocks noChangeAspect="1"/>
+          </p:cNvPicPr>
+          <p:nvPr/>
+        </p:nvPicPr>
+        <p:blipFill>
+          <a:blip r:embed="rId6" cstate="screen">
+            <a:extLst>
+              <a:ext uri="{28A0092B-C50C-407E-A947-70E740481C1C}">
+                <a14:useLocalDpi xmlns:a14="http://schemas.microsoft.com/office/drawing/2010/main"/>
+              </a:ext>
+            </a:extLst>
+          </a:blip>
+          <a:stretch>
+            <a:fillRect/>
+          </a:stretch>
+        </p:blipFill>
+        <p:spPr>
+          <a:xfrm>
+            <a:off x="7035169" y="4346909"/>
+            <a:ext cx="1836767" cy="965309"/>
+          </a:xfrm>
+          <a:prstGeom prst="rect">
+            <a:avLst/>
+          </a:prstGeom>
+        </p:spPr>
+      </p:pic>
+      <p:pic>
+        <p:nvPicPr>
+          <p:cNvPr id="18" name="图片 17"/>
+          <p:cNvPicPr>
+            <a:picLocks noChangeAspect="1"/>
+          </p:cNvPicPr>
+          <p:nvPr/>
+        </p:nvPicPr>
+        <p:blipFill>
+          <a:blip r:embed="rId7" cstate="screen">
+            <a:extLst>
+              <a:ext uri="{28A0092B-C50C-407E-A947-70E740481C1C}">
+                <a14:useLocalDpi xmlns:a14="http://schemas.microsoft.com/office/drawing/2010/main"/>
+              </a:ext>
+            </a:extLst>
+          </a:blip>
+          <a:stretch>
+            <a:fillRect/>
+          </a:stretch>
+        </p:blipFill>
+        <p:spPr>
+          <a:xfrm>
+            <a:off x="4234724" y="3298542"/>
+            <a:ext cx="1475509" cy="911000"/>
+          </a:xfrm>
+          <a:prstGeom prst="rect">
+            <a:avLst/>
+          </a:prstGeom>
+        </p:spPr>
+      </p:pic>
+      <p:pic>
+        <p:nvPicPr>
+          <p:cNvPr id="19" name="图片 18"/>
+          <p:cNvPicPr>
+            <a:picLocks noChangeAspect="1"/>
+          </p:cNvPicPr>
+          <p:nvPr/>
+        </p:nvPicPr>
+        <p:blipFill rotWithShape="1">
+          <a:blip r:embed="rId8" cstate="screen">
+            <a:extLst>
+              <a:ext uri="{28A0092B-C50C-407E-A947-70E740481C1C}">
+                <a14:useLocalDpi xmlns:a14="http://schemas.microsoft.com/office/drawing/2010/main"/>
+              </a:ext>
+            </a:extLst>
+          </a:blip>
+          <a:srcRect/>
+          <a:stretch/>
+        </p:blipFill>
+        <p:spPr>
+          <a:xfrm>
+            <a:off x="5951186" y="3376982"/>
+            <a:ext cx="2068702" cy="871409"/>
+          </a:xfrm>
+          <a:prstGeom prst="rect">
+            <a:avLst/>
+          </a:prstGeom>
+        </p:spPr>
+      </p:pic>
+      <p:pic>
+        <p:nvPicPr>
+          <p:cNvPr id="20" name="图片 19"/>
+          <p:cNvPicPr>
+            <a:picLocks noChangeAspect="1"/>
+          </p:cNvPicPr>
+          <p:nvPr/>
+        </p:nvPicPr>
+        <p:blipFill>
+          <a:blip r:embed="rId9" cstate="screen">
+            <a:extLst>
+              <a:ext uri="{28A0092B-C50C-407E-A947-70E740481C1C}">
+                <a14:useLocalDpi xmlns:a14="http://schemas.microsoft.com/office/drawing/2010/main"/>
+              </a:ext>
+            </a:extLst>
+          </a:blip>
+          <a:stretch>
+            <a:fillRect/>
+          </a:stretch>
+        </p:blipFill>
+        <p:spPr>
+          <a:xfrm>
+            <a:off x="8533637" y="3240795"/>
+            <a:ext cx="1181843" cy="942410"/>
+          </a:xfrm>
+          <a:prstGeom prst="rect">
+            <a:avLst/>
+          </a:prstGeom>
+        </p:spPr>
+      </p:pic>
+      <p:sp>
+        <p:nvSpPr>
+          <p:cNvPr id="26" name="内容占位符 2"/>
+          <p:cNvSpPr>
+            <a:spLocks noGrp="1"/>
+          </p:cNvSpPr>
+          <p:nvPr>
+            <p:ph idx="1"/>
+          </p:nvPr>
+        </p:nvSpPr>
+        <p:spPr>
+          <a:xfrm>
+            <a:off x="-134429" y="1172136"/>
+            <a:ext cx="6515100" cy="820271"/>
+          </a:xfrm>
+        </p:spPr>
+        <p:txBody>
+          <a:bodyPr>
+            <a:noAutofit/>
+          </a:bodyPr>
+          <a:lstStyle/>
+          <a:p>
+            <a:pPr lvl="2"/>
+            <a:r>
+              <a:rPr lang="en-US" altLang="zh-CN" sz="3600" b="1" dirty="0">
+                <a:latin typeface="微软雅黑" panose="020B0503020204020204" pitchFamily="34" charset="-122"/>
+                <a:ea typeface="微软雅黑" panose="020B0503020204020204" pitchFamily="34" charset="-122"/>
+              </a:rPr>
+              <a:t>  </a:t>
+            </a:r>
+            <a:r>
+              <a:rPr lang="zh-CN" altLang="en-US" sz="3600" b="1" dirty="0">
+                <a:latin typeface="微软雅黑" panose="020B0503020204020204" pitchFamily="34" charset="-122"/>
+                <a:ea typeface="微软雅黑" panose="020B0503020204020204" pitchFamily="34" charset="-122"/>
+              </a:rPr>
+              <a:t>软件技术</a:t>
+            </a:r>
+            <a:endParaRPr lang="zh-CN" altLang="zh-CN" sz="3600" b="1" dirty="0">
+              <a:latin typeface="微软雅黑" panose="020B0503020204020204" pitchFamily="34" charset="-122"/>
+              <a:ea typeface="微软雅黑" panose="020B0503020204020204" pitchFamily="34" charset="-122"/>
+            </a:endParaRPr>
+          </a:p>
+        </p:txBody>
+      </p:sp>
     </p:spTree>
     <p:extLst>
       <p:ext uri="{BB962C8B-B14F-4D97-AF65-F5344CB8AC3E}">
-        <p14:creationId xmlns:p14="http://schemas.microsoft.com/office/powerpoint/2010/main" val="1936132142"/>
+        <p14:creationId xmlns:p14="http://schemas.microsoft.com/office/powerpoint/2010/main" val="459859297"/>
       </p:ext>
     </p:extLst>
   </p:cSld>
@@ -11015,182 +12493,7 @@
       </p:grpSpPr>
       <p:sp>
         <p:nvSpPr>
-          <p:cNvPr id="6" name="标题 1"/>
-          <p:cNvSpPr txBox="1">
-            <a:spLocks/>
-          </p:cNvSpPr>
-          <p:nvPr/>
-        </p:nvSpPr>
-        <p:spPr>
-          <a:xfrm>
-            <a:off x="677334" y="609600"/>
-            <a:ext cx="4210672" cy="897466"/>
-          </a:xfrm>
-          <a:prstGeom prst="rect">
-            <a:avLst/>
-          </a:prstGeom>
-        </p:spPr>
-        <p:txBody>
-          <a:bodyPr vert="horz" lIns="91440" tIns="45720" rIns="91440" bIns="45720" rtlCol="0" anchor="t">
-            <a:normAutofit/>
-          </a:bodyPr>
-          <a:lstStyle>
-            <a:lvl1pPr algn="l" defTabSz="457200" rtl="0" eaLnBrk="1" latinLnBrk="0" hangingPunct="1">
-              <a:spcBef>
-                <a:spcPct val="0"/>
-              </a:spcBef>
-              <a:buNone/>
-              <a:defRPr sz="3600" kern="1200">
-                <a:solidFill>
-                  <a:schemeClr val="accent1"/>
-                </a:solidFill>
-                <a:latin typeface="+mj-lt"/>
-                <a:ea typeface="+mj-ea"/>
-                <a:cs typeface="+mj-cs"/>
-              </a:defRPr>
-            </a:lvl1pPr>
-            <a:lvl2pPr eaLnBrk="1" hangingPunct="1">
-              <a:defRPr>
-                <a:solidFill>
-                  <a:schemeClr val="tx2"/>
-                </a:solidFill>
-              </a:defRPr>
-            </a:lvl2pPr>
-            <a:lvl3pPr eaLnBrk="1" hangingPunct="1">
-              <a:defRPr>
-                <a:solidFill>
-                  <a:schemeClr val="tx2"/>
-                </a:solidFill>
-              </a:defRPr>
-            </a:lvl3pPr>
-            <a:lvl4pPr eaLnBrk="1" hangingPunct="1">
-              <a:defRPr>
-                <a:solidFill>
-                  <a:schemeClr val="tx2"/>
-                </a:solidFill>
-              </a:defRPr>
-            </a:lvl4pPr>
-            <a:lvl5pPr eaLnBrk="1" hangingPunct="1">
-              <a:defRPr>
-                <a:solidFill>
-                  <a:schemeClr val="tx2"/>
-                </a:solidFill>
-              </a:defRPr>
-            </a:lvl5pPr>
-            <a:lvl6pPr eaLnBrk="1" hangingPunct="1">
-              <a:defRPr>
-                <a:solidFill>
-                  <a:schemeClr val="tx2"/>
-                </a:solidFill>
-              </a:defRPr>
-            </a:lvl6pPr>
-            <a:lvl7pPr eaLnBrk="1" hangingPunct="1">
-              <a:defRPr>
-                <a:solidFill>
-                  <a:schemeClr val="tx2"/>
-                </a:solidFill>
-              </a:defRPr>
-            </a:lvl7pPr>
-            <a:lvl8pPr eaLnBrk="1" hangingPunct="1">
-              <a:defRPr>
-                <a:solidFill>
-                  <a:schemeClr val="tx2"/>
-                </a:solidFill>
-              </a:defRPr>
-            </a:lvl8pPr>
-            <a:lvl9pPr eaLnBrk="1" hangingPunct="1">
-              <a:defRPr>
-                <a:solidFill>
-                  <a:schemeClr val="tx2"/>
-                </a:solidFill>
-              </a:defRPr>
-            </a:lvl9pPr>
-          </a:lstStyle>
-          <a:p>
-            <a:r>
-              <a:rPr lang="zh-CN" altLang="en-US" b="1" dirty="0">
-                <a:latin typeface="STXingkai" charset="-122"/>
-                <a:ea typeface="STXingkai" charset="-122"/>
-                <a:cs typeface="STXingkai" charset="-122"/>
-              </a:rPr>
-              <a:t>系统展示</a:t>
-            </a:r>
-            <a:endParaRPr kumimoji="1" lang="zh-CN" altLang="en-US" dirty="0">
-              <a:latin typeface="STXingkai" charset="-122"/>
-              <a:ea typeface="STXingkai" charset="-122"/>
-              <a:cs typeface="STXingkai" charset="-122"/>
-            </a:endParaRPr>
-          </a:p>
-        </p:txBody>
-      </p:sp>
-      <p:sp>
-        <p:nvSpPr>
-          <p:cNvPr id="2" name="Rectangle 2"/>
-          <p:cNvSpPr>
-            <a:spLocks noChangeArrowheads="1"/>
-          </p:cNvSpPr>
-          <p:nvPr/>
-        </p:nvSpPr>
-        <p:spPr bwMode="auto">
-          <a:xfrm>
-            <a:off x="1591563" y="1287609"/>
-            <a:ext cx="18115257" cy="45719"/>
-          </a:xfrm>
-          <a:prstGeom prst="rect">
-            <a:avLst/>
-          </a:prstGeom>
-          <a:noFill/>
-          <a:ln>
-            <a:noFill/>
-          </a:ln>
-          <a:effectLst/>
-          <a:extLst>
-            <a:ext uri="{909E8E84-426E-40DD-AFC4-6F175D3DCCD1}">
-              <a14:hiddenFill xmlns:a14="http://schemas.microsoft.com/office/drawing/2010/main">
-                <a:solidFill>
-                  <a:schemeClr val="accent1"/>
-                </a:solidFill>
-              </a14:hiddenFill>
-            </a:ext>
-            <a:ext uri="{91240B29-F687-4F45-9708-019B960494DF}">
-              <a14:hiddenLine xmlns:a14="http://schemas.microsoft.com/office/drawing/2010/main" w="9525">
-                <a:solidFill>
-                  <a:schemeClr val="tx1"/>
-                </a:solidFill>
-                <a:miter lim="800000"/>
-                <a:headEnd/>
-                <a:tailEnd/>
-              </a14:hiddenLine>
-            </a:ext>
-            <a:ext uri="{AF507438-7753-43E0-B8FC-AC1667EBCBE1}">
-              <a14:hiddenEffects xmlns:a14="http://schemas.microsoft.com/office/drawing/2010/main">
-                <a:effectLst>
-                  <a:outerShdw blurRad="63500" dist="38099" dir="2700000" algn="ctr" rotWithShape="0">
-                    <a:schemeClr val="bg2">
-                      <a:alpha val="74998"/>
-                    </a:schemeClr>
-                  </a:outerShdw>
-                </a:effectLst>
-              </a14:hiddenEffects>
-            </a:ext>
-          </a:extLst>
-        </p:spPr>
-        <p:txBody>
-          <a:bodyPr vert="horz" wrap="square" lIns="91440" tIns="45720" rIns="91440" bIns="45720" numCol="1" anchor="ctr" anchorCtr="0" compatLnSpc="1">
-            <a:prstTxWarp prst="textNoShape">
-              <a:avLst/>
-            </a:prstTxWarp>
-            <a:spAutoFit/>
-          </a:bodyPr>
-          <a:lstStyle/>
-          <a:p>
-            <a:endParaRPr lang="zh-CN" altLang="en-US"/>
-          </a:p>
-        </p:txBody>
-      </p:sp>
-      <p:sp>
-        <p:nvSpPr>
-          <p:cNvPr id="3" name="Rectangle 3"/>
+          <p:cNvPr id="6" name="Rectangle 1"/>
           <p:cNvSpPr>
             <a:spLocks noChangeArrowheads="1"/>
           </p:cNvSpPr>
@@ -11199,7 +12502,7 @@
         <p:spPr bwMode="auto">
           <a:xfrm>
             <a:off x="0" y="0"/>
-            <a:ext cx="12192000" cy="457200"/>
+            <a:ext cx="12192000" cy="0"/>
           </a:xfrm>
           <a:prstGeom prst="rect">
             <a:avLst/>
@@ -11253,7 +12556,7 @@
       </p:sp>
       <p:pic>
         <p:nvPicPr>
-          <p:cNvPr id="4" name="图片 3"/>
+          <p:cNvPr id="5" name="图片 4"/>
           <p:cNvPicPr>
             <a:picLocks noChangeAspect="1"/>
           </p:cNvPicPr>
@@ -11267,18 +12570,90 @@
         </p:blipFill>
         <p:spPr>
           <a:xfrm>
-            <a:off x="2125614" y="2481740"/>
-            <a:ext cx="5524784" cy="4140413"/>
+            <a:off x="989351" y="2040481"/>
+            <a:ext cx="8567946" cy="4506682"/>
           </a:xfrm>
           <a:prstGeom prst="rect">
             <a:avLst/>
           </a:prstGeom>
         </p:spPr>
       </p:pic>
+      <p:sp>
+        <p:nvSpPr>
+          <p:cNvPr id="10" name="标题 1"/>
+          <p:cNvSpPr>
+            <a:spLocks noGrp="1"/>
+          </p:cNvSpPr>
+          <p:nvPr>
+            <p:ph type="title"/>
+          </p:nvPr>
+        </p:nvSpPr>
+        <p:spPr/>
+        <p:txBody>
+          <a:bodyPr>
+            <a:normAutofit/>
+          </a:bodyPr>
+          <a:lstStyle/>
+          <a:p>
+            <a:r>
+              <a:rPr kumimoji="1" lang="zh-CN" altLang="en-US" sz="4400" b="1" dirty="0">
+                <a:latin typeface="微软雅黑" panose="020B0503020204020204" pitchFamily="34" charset="-122"/>
+                <a:ea typeface="微软雅黑" panose="020B0503020204020204" pitchFamily="34" charset="-122"/>
+                <a:cs typeface="STXingkai" charset="-122"/>
+              </a:rPr>
+              <a:t>系统设计及实现</a:t>
+            </a:r>
+          </a:p>
+        </p:txBody>
+      </p:sp>
+      <p:sp>
+        <p:nvSpPr>
+          <p:cNvPr id="11" name="内容占位符 2"/>
+          <p:cNvSpPr>
+            <a:spLocks noGrp="1"/>
+          </p:cNvSpPr>
+          <p:nvPr>
+            <p:ph idx="1"/>
+          </p:nvPr>
+        </p:nvSpPr>
+        <p:spPr>
+          <a:xfrm>
+            <a:off x="-134469" y="1591961"/>
+            <a:ext cx="6515100" cy="820271"/>
+          </a:xfrm>
+        </p:spPr>
+        <p:txBody>
+          <a:bodyPr>
+            <a:noAutofit/>
+          </a:bodyPr>
+          <a:lstStyle/>
+          <a:p>
+            <a:pPr lvl="3"/>
+            <a:r>
+              <a:rPr lang="en-US" altLang="zh-CN" sz="3400" b="1" dirty="0">
+                <a:latin typeface="微软雅黑" panose="020B0503020204020204" pitchFamily="34" charset="-122"/>
+                <a:ea typeface="微软雅黑" panose="020B0503020204020204" pitchFamily="34" charset="-122"/>
+              </a:rPr>
+              <a:t>  </a:t>
+            </a:r>
+            <a:r>
+              <a:rPr lang="zh-CN" altLang="en-US" sz="3400" b="1" dirty="0">
+                <a:latin typeface="微软雅黑" panose="020B0503020204020204" pitchFamily="34" charset="-122"/>
+                <a:ea typeface="微软雅黑" panose="020B0503020204020204" pitchFamily="34" charset="-122"/>
+              </a:rPr>
+              <a:t>技术架构</a:t>
+            </a:r>
+            <a:endParaRPr lang="zh-CN" altLang="zh-CN" sz="3400" b="1" dirty="0">
+              <a:latin typeface="微软雅黑" panose="020B0503020204020204" pitchFamily="34" charset="-122"/>
+              <a:ea typeface="微软雅黑" panose="020B0503020204020204" pitchFamily="34" charset="-122"/>
+            </a:endParaRPr>
+          </a:p>
+        </p:txBody>
+      </p:sp>
     </p:spTree>
     <p:extLst>
       <p:ext uri="{BB962C8B-B14F-4D97-AF65-F5344CB8AC3E}">
-        <p14:creationId xmlns:p14="http://schemas.microsoft.com/office/powerpoint/2010/main" val="189832046"/>
+        <p14:creationId xmlns:p14="http://schemas.microsoft.com/office/powerpoint/2010/main" val="1936132142"/>
       </p:ext>
     </p:extLst>
   </p:cSld>
@@ -11400,14 +12775,14 @@
           </a:lstStyle>
           <a:p>
             <a:r>
-              <a:rPr lang="zh-CN" altLang="en-US" b="1" dirty="0">
-                <a:latin typeface="STXingkai" charset="-122"/>
-                <a:ea typeface="STXingkai" charset="-122"/>
+              <a:rPr kumimoji="1" lang="zh-CN" altLang="en-US" sz="4400" b="1" dirty="0">
+                <a:latin typeface="微软雅黑" panose="020B0503020204020204" pitchFamily="34" charset="-122"/>
+                <a:ea typeface="微软雅黑" panose="020B0503020204020204" pitchFamily="34" charset="-122"/>
                 <a:cs typeface="STXingkai" charset="-122"/>
               </a:rPr>
-              <a:t>系统展示</a:t>
-            </a:r>
-            <a:endParaRPr kumimoji="1" lang="zh-CN" altLang="en-US" dirty="0">
+              <a:t>系统成果展示</a:t>
+            </a:r>
+            <a:endParaRPr kumimoji="1" lang="zh-CN" altLang="en-US" sz="4400" dirty="0">
               <a:latin typeface="STXingkai" charset="-122"/>
               <a:ea typeface="STXingkai" charset="-122"/>
               <a:cs typeface="STXingkai" charset="-122"/>
@@ -11480,60 +12855,6 @@
           </a:p>
         </p:txBody>
       </p:sp>
-      <p:pic>
-        <p:nvPicPr>
-          <p:cNvPr id="2050" name="Picture 2" descr="IMG_0402"/>
-          <p:cNvPicPr>
-            <a:picLocks noChangeAspect="1" noChangeArrowheads="1"/>
-          </p:cNvPicPr>
-          <p:nvPr/>
-        </p:nvPicPr>
-        <p:blipFill>
-          <a:blip r:embed="rId2" cstate="screen">
-            <a:extLst>
-              <a:ext uri="{28A0092B-C50C-407E-A947-70E740481C1C}">
-                <a14:useLocalDpi xmlns:a14="http://schemas.microsoft.com/office/drawing/2010/main"/>
-              </a:ext>
-            </a:extLst>
-          </a:blip>
-          <a:srcRect/>
-          <a:stretch>
-            <a:fillRect/>
-          </a:stretch>
-        </p:blipFill>
-        <p:spPr bwMode="auto">
-          <a:xfrm>
-            <a:off x="1648177" y="1585074"/>
-            <a:ext cx="2662314" cy="4737213"/>
-          </a:xfrm>
-          <a:prstGeom prst="rect">
-            <a:avLst/>
-          </a:prstGeom>
-          <a:noFill/>
-          <a:ln>
-            <a:noFill/>
-          </a:ln>
-          <a:extLst>
-            <a:ext uri="{909E8E84-426E-40DD-AFC4-6F175D3DCCD1}">
-              <a14:hiddenFill xmlns:a14="http://schemas.microsoft.com/office/drawing/2010/main">
-                <a:solidFill>
-                  <a:srgbClr val="FFFFFF"/>
-                </a:solidFill>
-              </a14:hiddenFill>
-            </a:ext>
-            <a:ext uri="{91240B29-F687-4F45-9708-019B960494DF}">
-              <a14:hiddenLine xmlns:a14="http://schemas.microsoft.com/office/drawing/2010/main" w="9525">
-                <a:solidFill>
-                  <a:srgbClr val="000000"/>
-                </a:solidFill>
-                <a:miter lim="800000"/>
-                <a:headEnd/>
-                <a:tailEnd/>
-              </a14:hiddenLine>
-            </a:ext>
-          </a:extLst>
-        </p:spPr>
-      </p:pic>
       <p:sp>
         <p:nvSpPr>
           <p:cNvPr id="3" name="Rectangle 3"/>
@@ -11599,62 +12920,76 @@
       </p:sp>
       <p:pic>
         <p:nvPicPr>
-          <p:cNvPr id="2053" name="Picture 5" descr="IMG_0401"/>
+          <p:cNvPr id="4" name="图片 3"/>
           <p:cNvPicPr>
-            <a:picLocks noChangeAspect="1" noChangeArrowheads="1"/>
+            <a:picLocks noChangeAspect="1"/>
           </p:cNvPicPr>
           <p:nvPr/>
         </p:nvPicPr>
         <p:blipFill>
-          <a:blip r:embed="rId3" cstate="screen">
-            <a:extLst>
-              <a:ext uri="{28A0092B-C50C-407E-A947-70E740481C1C}">
-                <a14:useLocalDpi xmlns:a14="http://schemas.microsoft.com/office/drawing/2010/main"/>
-              </a:ext>
-            </a:extLst>
-          </a:blip>
-          <a:srcRect/>
+          <a:blip r:embed="rId2"/>
           <a:stretch>
             <a:fillRect/>
           </a:stretch>
         </p:blipFill>
-        <p:spPr bwMode="auto">
+        <p:spPr>
           <a:xfrm>
-            <a:off x="5367469" y="1585074"/>
-            <a:ext cx="2693689" cy="4803297"/>
+            <a:off x="2782670" y="2337475"/>
+            <a:ext cx="5524784" cy="4140413"/>
           </a:xfrm>
           <a:prstGeom prst="rect">
             <a:avLst/>
           </a:prstGeom>
-          <a:noFill/>
-          <a:ln>
-            <a:noFill/>
-          </a:ln>
-          <a:extLst>
-            <a:ext uri="{909E8E84-426E-40DD-AFC4-6F175D3DCCD1}">
-              <a14:hiddenFill xmlns:a14="http://schemas.microsoft.com/office/drawing/2010/main">
-                <a:solidFill>
-                  <a:srgbClr val="FFFFFF"/>
-                </a:solidFill>
-              </a14:hiddenFill>
-            </a:ext>
-            <a:ext uri="{91240B29-F687-4F45-9708-019B960494DF}">
-              <a14:hiddenLine xmlns:a14="http://schemas.microsoft.com/office/drawing/2010/main" w="9525">
-                <a:solidFill>
-                  <a:srgbClr val="000000"/>
-                </a:solidFill>
-                <a:miter lim="800000"/>
-                <a:headEnd/>
-                <a:tailEnd/>
-              </a14:hiddenLine>
-            </a:ext>
-          </a:extLst>
         </p:spPr>
       </p:pic>
+      <p:sp>
+        <p:nvSpPr>
+          <p:cNvPr id="7" name="内容占位符 2"/>
+          <p:cNvSpPr>
+            <a:spLocks noGrp="1"/>
+          </p:cNvSpPr>
+          <p:nvPr>
+            <p:ph idx="1"/>
+          </p:nvPr>
+        </p:nvSpPr>
+        <p:spPr>
+          <a:xfrm>
+            <a:off x="-289452" y="1591961"/>
+            <a:ext cx="6515100" cy="820271"/>
+          </a:xfrm>
+        </p:spPr>
+        <p:txBody>
+          <a:bodyPr>
+            <a:noAutofit/>
+          </a:bodyPr>
+          <a:lstStyle/>
+          <a:p>
+            <a:pPr lvl="3"/>
+            <a:r>
+              <a:rPr lang="en-US" altLang="zh-CN" sz="3400" b="1" dirty="0">
+                <a:latin typeface="微软雅黑" panose="020B0503020204020204" pitchFamily="34" charset="-122"/>
+                <a:ea typeface="微软雅黑" panose="020B0503020204020204" pitchFamily="34" charset="-122"/>
+              </a:rPr>
+              <a:t>  </a:t>
+            </a:r>
+            <a:r>
+              <a:rPr lang="zh-CN" altLang="en-US" sz="3400" b="1" dirty="0">
+                <a:latin typeface="微软雅黑" panose="020B0503020204020204" pitchFamily="34" charset="-122"/>
+                <a:ea typeface="微软雅黑" panose="020B0503020204020204" pitchFamily="34" charset="-122"/>
+              </a:rPr>
+              <a:t>硬件部分</a:t>
+            </a:r>
+            <a:endParaRPr lang="zh-CN" altLang="zh-CN" sz="3400" b="1" dirty="0">
+              <a:latin typeface="微软雅黑" panose="020B0503020204020204" pitchFamily="34" charset="-122"/>
+              <a:ea typeface="微软雅黑" panose="020B0503020204020204" pitchFamily="34" charset="-122"/>
+            </a:endParaRPr>
+          </a:p>
+        </p:txBody>
+      </p:sp>
     </p:spTree>
     <p:extLst>
       <p:ext uri="{BB962C8B-B14F-4D97-AF65-F5344CB8AC3E}">
-        <p14:creationId xmlns:p14="http://schemas.microsoft.com/office/powerpoint/2010/main" val="1050393740"/>
+        <p14:creationId xmlns:p14="http://schemas.microsoft.com/office/powerpoint/2010/main" val="189832046"/>
       </p:ext>
     </p:extLst>
   </p:cSld>
